--- a/수업자료/05_자바 프로그램의 기본 구조.pptx
+++ b/수업자료/05_자바 프로그램의 기본 구조.pptx
@@ -5,20 +5,18 @@
     <p:sldMasterId id="2147483648" r:id="rId1"/>
   </p:sldMasterIdLst>
   <p:notesMasterIdLst>
-    <p:notesMasterId r:id="rId13"/>
+    <p:notesMasterId r:id="rId11"/>
   </p:notesMasterIdLst>
   <p:sldIdLst>
     <p:sldId id="408" r:id="rId2"/>
     <p:sldId id="512" r:id="rId3"/>
     <p:sldId id="516" r:id="rId4"/>
     <p:sldId id="518" r:id="rId5"/>
-    <p:sldId id="520" r:id="rId6"/>
-    <p:sldId id="501" r:id="rId7"/>
+    <p:sldId id="501" r:id="rId6"/>
+    <p:sldId id="521" r:id="rId7"/>
     <p:sldId id="510" r:id="rId8"/>
-    <p:sldId id="511" r:id="rId9"/>
-    <p:sldId id="513" r:id="rId10"/>
-    <p:sldId id="515" r:id="rId11"/>
-    <p:sldId id="514" r:id="rId12"/>
+    <p:sldId id="522" r:id="rId9"/>
+    <p:sldId id="520" r:id="rId10"/>
   </p:sldIdLst>
   <p:sldSz cx="9144000" cy="6858000" type="screen4x3"/>
   <p:notesSz cx="6858000" cy="9144000"/>
@@ -119,7 +117,7 @@
   </p:defaultTextStyle>
   <p:extLst>
     <p:ext uri="{EFAFB233-063F-42B5-8137-9DF3F51BA10A}">
-      <p15:sldGuideLst xmlns:p15="http://schemas.microsoft.com/office/powerpoint/2012/main" xmlns="">
+      <p15:sldGuideLst xmlns="" xmlns:p15="http://schemas.microsoft.com/office/powerpoint/2012/main">
         <p15:guide id="1" orient="horz" pos="2160">
           <p15:clr>
             <a:srgbClr val="A4A3A4"/>
@@ -219,7 +217,7 @@
             <a:fld id="{533164E2-541E-45D9-AF32-08622E33600A}" type="datetimeFigureOut">
               <a:rPr lang="ko-KR" altLang="en-US" smtClean="0"/>
               <a:pPr/>
-              <a:t>2018-08-21</a:t>
+              <a:t>2018-08-22</a:t>
             </a:fld>
             <a:endParaRPr lang="ko-KR" altLang="en-US"/>
           </a:p>
@@ -575,91 +573,6 @@
 </p:notes>
 </file>
 
-<file path=ppt/notesSlides/notesSlide10.xml><?xml version="1.0" encoding="utf-8"?>
-<p:notes xmlns:a="http://schemas.openxmlformats.org/drawingml/2006/main" xmlns:r="http://schemas.openxmlformats.org/officeDocument/2006/relationships" xmlns:p="http://schemas.openxmlformats.org/presentationml/2006/main">
-  <p:cSld>
-    <p:spTree>
-      <p:nvGrpSpPr>
-        <p:cNvPr id="1" name=""/>
-        <p:cNvGrpSpPr/>
-        <p:nvPr/>
-      </p:nvGrpSpPr>
-      <p:grpSpPr>
-        <a:xfrm>
-          <a:off x="0" y="0"/>
-          <a:ext cx="0" cy="0"/>
-          <a:chOff x="0" y="0"/>
-          <a:chExt cx="0" cy="0"/>
-        </a:xfrm>
-      </p:grpSpPr>
-      <p:sp>
-        <p:nvSpPr>
-          <p:cNvPr id="2" name="슬라이드 이미지 개체 틀 1"/>
-          <p:cNvSpPr>
-            <a:spLocks noGrp="1" noRot="1" noChangeAspect="1"/>
-          </p:cNvSpPr>
-          <p:nvPr>
-            <p:ph type="sldImg"/>
-          </p:nvPr>
-        </p:nvSpPr>
-        <p:spPr/>
-      </p:sp>
-      <p:sp>
-        <p:nvSpPr>
-          <p:cNvPr id="3" name="슬라이드 노트 개체 틀 2"/>
-          <p:cNvSpPr>
-            <a:spLocks noGrp="1"/>
-          </p:cNvSpPr>
-          <p:nvPr>
-            <p:ph type="body" idx="1"/>
-          </p:nvPr>
-        </p:nvSpPr>
-        <p:spPr/>
-        <p:txBody>
-          <a:bodyPr/>
-          <a:lstStyle/>
-          <a:p>
-            <a:endParaRPr lang="ko-KR" altLang="en-US"/>
-          </a:p>
-        </p:txBody>
-      </p:sp>
-      <p:sp>
-        <p:nvSpPr>
-          <p:cNvPr id="4" name="슬라이드 번호 개체 틀 3"/>
-          <p:cNvSpPr>
-            <a:spLocks noGrp="1"/>
-          </p:cNvSpPr>
-          <p:nvPr>
-            <p:ph type="sldNum" sz="quarter" idx="10"/>
-          </p:nvPr>
-        </p:nvSpPr>
-        <p:spPr/>
-        <p:txBody>
-          <a:bodyPr/>
-          <a:lstStyle/>
-          <a:p>
-            <a:fld id="{FD647C8B-A48C-430F-B3BB-621873518486}" type="slidenum">
-              <a:rPr lang="ko-KR" altLang="en-US" smtClean="0"/>
-              <a:pPr/>
-              <a:t>11</a:t>
-            </a:fld>
-            <a:endParaRPr lang="ko-KR" altLang="en-US"/>
-          </a:p>
-        </p:txBody>
-      </p:sp>
-    </p:spTree>
-    <p:extLst>
-      <p:ext uri="{BB962C8B-B14F-4D97-AF65-F5344CB8AC3E}">
-        <p14:creationId xmlns:p14="http://schemas.microsoft.com/office/powerpoint/2010/main" val="2456455633"/>
-      </p:ext>
-    </p:extLst>
-  </p:cSld>
-  <p:clrMapOvr>
-    <a:masterClrMapping/>
-  </p:clrMapOvr>
-</p:notes>
-</file>
-
 <file path=ppt/notesSlides/notesSlide2.xml><?xml version="1.0" encoding="utf-8"?>
 <p:notes xmlns:a="http://schemas.openxmlformats.org/drawingml/2006/main" xmlns:r="http://schemas.openxmlformats.org/officeDocument/2006/relationships" xmlns:p="http://schemas.openxmlformats.org/presentationml/2006/main">
   <p:cSld>
@@ -905,7 +818,7 @@
     </p:spTree>
     <p:extLst>
       <p:ext uri="{BB962C8B-B14F-4D97-AF65-F5344CB8AC3E}">
-        <p14:creationId xmlns:p14="http://schemas.microsoft.com/office/powerpoint/2010/main" val="306611826"/>
+        <p14:creationId xmlns:p14="http://schemas.microsoft.com/office/powerpoint/2010/main" val="137367470"/>
       </p:ext>
     </p:extLst>
   </p:cSld>
@@ -990,7 +903,7 @@
     </p:spTree>
     <p:extLst>
       <p:ext uri="{BB962C8B-B14F-4D97-AF65-F5344CB8AC3E}">
-        <p14:creationId xmlns:p14="http://schemas.microsoft.com/office/powerpoint/2010/main" val="137367470"/>
+        <p14:creationId xmlns:p14="http://schemas.microsoft.com/office/powerpoint/2010/main" val="768362369"/>
       </p:ext>
     </p:extLst>
   </p:cSld>
@@ -1160,7 +1073,7 @@
     </p:spTree>
     <p:extLst>
       <p:ext uri="{BB962C8B-B14F-4D97-AF65-F5344CB8AC3E}">
-        <p14:creationId xmlns:p14="http://schemas.microsoft.com/office/powerpoint/2010/main" val="2392128864"/>
+        <p14:creationId xmlns:p14="http://schemas.microsoft.com/office/powerpoint/2010/main" val="768362369"/>
       </p:ext>
     </p:extLst>
   </p:cSld>
@@ -1245,92 +1158,7 @@
     </p:spTree>
     <p:extLst>
       <p:ext uri="{BB962C8B-B14F-4D97-AF65-F5344CB8AC3E}">
-        <p14:creationId xmlns:p14="http://schemas.microsoft.com/office/powerpoint/2010/main" val="1224310744"/>
-      </p:ext>
-    </p:extLst>
-  </p:cSld>
-  <p:clrMapOvr>
-    <a:masterClrMapping/>
-  </p:clrMapOvr>
-</p:notes>
-</file>
-
-<file path=ppt/notesSlides/notesSlide9.xml><?xml version="1.0" encoding="utf-8"?>
-<p:notes xmlns:a="http://schemas.openxmlformats.org/drawingml/2006/main" xmlns:r="http://schemas.openxmlformats.org/officeDocument/2006/relationships" xmlns:p="http://schemas.openxmlformats.org/presentationml/2006/main">
-  <p:cSld>
-    <p:spTree>
-      <p:nvGrpSpPr>
-        <p:cNvPr id="1" name=""/>
-        <p:cNvGrpSpPr/>
-        <p:nvPr/>
-      </p:nvGrpSpPr>
-      <p:grpSpPr>
-        <a:xfrm>
-          <a:off x="0" y="0"/>
-          <a:ext cx="0" cy="0"/>
-          <a:chOff x="0" y="0"/>
-          <a:chExt cx="0" cy="0"/>
-        </a:xfrm>
-      </p:grpSpPr>
-      <p:sp>
-        <p:nvSpPr>
-          <p:cNvPr id="2" name="슬라이드 이미지 개체 틀 1"/>
-          <p:cNvSpPr>
-            <a:spLocks noGrp="1" noRot="1" noChangeAspect="1"/>
-          </p:cNvSpPr>
-          <p:nvPr>
-            <p:ph type="sldImg"/>
-          </p:nvPr>
-        </p:nvSpPr>
-        <p:spPr/>
-      </p:sp>
-      <p:sp>
-        <p:nvSpPr>
-          <p:cNvPr id="3" name="슬라이드 노트 개체 틀 2"/>
-          <p:cNvSpPr>
-            <a:spLocks noGrp="1"/>
-          </p:cNvSpPr>
-          <p:nvPr>
-            <p:ph type="body" idx="1"/>
-          </p:nvPr>
-        </p:nvSpPr>
-        <p:spPr/>
-        <p:txBody>
-          <a:bodyPr/>
-          <a:lstStyle/>
-          <a:p>
-            <a:endParaRPr lang="ko-KR" altLang="en-US"/>
-          </a:p>
-        </p:txBody>
-      </p:sp>
-      <p:sp>
-        <p:nvSpPr>
-          <p:cNvPr id="4" name="슬라이드 번호 개체 틀 3"/>
-          <p:cNvSpPr>
-            <a:spLocks noGrp="1"/>
-          </p:cNvSpPr>
-          <p:nvPr>
-            <p:ph type="sldNum" sz="quarter" idx="10"/>
-          </p:nvPr>
-        </p:nvSpPr>
-        <p:spPr/>
-        <p:txBody>
-          <a:bodyPr/>
-          <a:lstStyle/>
-          <a:p>
-            <a:fld id="{FD647C8B-A48C-430F-B3BB-621873518486}" type="slidenum">
-              <a:rPr lang="ko-KR" altLang="en-US" smtClean="0"/>
-              <a:pPr/>
-              <a:t>10</a:t>
-            </a:fld>
-            <a:endParaRPr lang="ko-KR" altLang="en-US"/>
-          </a:p>
-        </p:txBody>
-      </p:sp>
-    </p:spTree>
-    <p:extLst>
-      <p:ext uri="{BB962C8B-B14F-4D97-AF65-F5344CB8AC3E}">
-        <p14:creationId xmlns:p14="http://schemas.microsoft.com/office/powerpoint/2010/main" val="4279285889"/>
+        <p14:creationId xmlns:p14="http://schemas.microsoft.com/office/powerpoint/2010/main" val="306611826"/>
       </p:ext>
     </p:extLst>
   </p:cSld>
@@ -1521,7 +1349,7 @@
           <a:p>
             <a:fld id="{5B224BE5-D226-49F3-AB40-B9C377A86165}" type="datetime1">
               <a:rPr lang="ko-KR" altLang="en-US" smtClean="0"/>
-              <a:t>2018-08-21</a:t>
+              <a:t>2018-08-22</a:t>
             </a:fld>
             <a:endParaRPr lang="ko-KR" altLang="en-US"/>
           </a:p>
@@ -1687,7 +1515,7 @@
           <a:p>
             <a:fld id="{E531B096-71EC-4E39-87EC-87DE91DFDAD5}" type="datetime1">
               <a:rPr lang="ko-KR" altLang="en-US" smtClean="0"/>
-              <a:t>2018-08-21</a:t>
+              <a:t>2018-08-22</a:t>
             </a:fld>
             <a:endParaRPr lang="ko-KR" altLang="en-US"/>
           </a:p>
@@ -1863,7 +1691,7 @@
           <a:p>
             <a:fld id="{87998491-270F-4155-ABF1-CC9E2FA131CA}" type="datetime1">
               <a:rPr lang="ko-KR" altLang="en-US" smtClean="0"/>
-              <a:t>2018-08-21</a:t>
+              <a:t>2018-08-22</a:t>
             </a:fld>
             <a:endParaRPr lang="ko-KR" altLang="en-US"/>
           </a:p>
@@ -1954,7 +1782,7 @@
           <a:p>
             <a:fld id="{3A8D6124-CF2E-4D0B-929F-6E18AB953AD4}" type="datetime1">
               <a:rPr lang="ko-KR" altLang="en-US" smtClean="0"/>
-              <a:t>2018-08-21</a:t>
+              <a:t>2018-08-22</a:t>
             </a:fld>
             <a:endParaRPr lang="ko-KR" altLang="en-US"/>
           </a:p>
@@ -2196,7 +2024,7 @@
           <a:p>
             <a:fld id="{90CD4FF4-A25C-4B8C-BC7E-9158BC871168}" type="datetime1">
               <a:rPr lang="ko-KR" altLang="en-US" smtClean="0"/>
-              <a:t>2018-08-21</a:t>
+              <a:t>2018-08-22</a:t>
             </a:fld>
             <a:endParaRPr lang="ko-KR" altLang="en-US"/>
           </a:p>
@@ -2480,7 +2308,7 @@
           <a:p>
             <a:fld id="{F79FBE8D-B19F-4A94-B19B-26909D8E1969}" type="datetime1">
               <a:rPr lang="ko-KR" altLang="en-US" smtClean="0"/>
-              <a:t>2018-08-21</a:t>
+              <a:t>2018-08-22</a:t>
             </a:fld>
             <a:endParaRPr lang="ko-KR" altLang="en-US"/>
           </a:p>
@@ -2898,7 +2726,7 @@
           <a:p>
             <a:fld id="{413B4439-0DD4-4C39-A83D-F9B3BDA7DFA8}" type="datetime1">
               <a:rPr lang="ko-KR" altLang="en-US" smtClean="0"/>
-              <a:t>2018-08-21</a:t>
+              <a:t>2018-08-22</a:t>
             </a:fld>
             <a:endParaRPr lang="ko-KR" altLang="en-US"/>
           </a:p>
@@ -3012,7 +2840,7 @@
           <a:p>
             <a:fld id="{6BA39EF4-8235-4B33-8ED4-370B88BBE966}" type="datetime1">
               <a:rPr lang="ko-KR" altLang="en-US" smtClean="0"/>
-              <a:t>2018-08-21</a:t>
+              <a:t>2018-08-22</a:t>
             </a:fld>
             <a:endParaRPr lang="ko-KR" altLang="en-US"/>
           </a:p>
@@ -3103,7 +2931,7 @@
           <a:p>
             <a:fld id="{4AE8D239-193A-4AE8-ABF2-5BFD45FBF3B0}" type="datetime1">
               <a:rPr lang="ko-KR" altLang="en-US" smtClean="0"/>
-              <a:t>2018-08-21</a:t>
+              <a:t>2018-08-22</a:t>
             </a:fld>
             <a:endParaRPr lang="ko-KR" altLang="en-US"/>
           </a:p>
@@ -3376,7 +3204,7 @@
           <a:p>
             <a:fld id="{9FC46919-B9A5-422E-AC9E-830197846D7D}" type="datetime1">
               <a:rPr lang="ko-KR" altLang="en-US" smtClean="0"/>
-              <a:t>2018-08-21</a:t>
+              <a:t>2018-08-22</a:t>
             </a:fld>
             <a:endParaRPr lang="ko-KR" altLang="en-US"/>
           </a:p>
@@ -3625,7 +3453,7 @@
           <a:p>
             <a:fld id="{41DD7485-075A-440B-9AAE-969EB727F004}" type="datetime1">
               <a:rPr lang="ko-KR" altLang="en-US" smtClean="0"/>
-              <a:t>2018-08-21</a:t>
+              <a:t>2018-08-22</a:t>
             </a:fld>
             <a:endParaRPr lang="ko-KR" altLang="en-US"/>
           </a:p>
@@ -3834,7 +3662,7 @@
           <a:p>
             <a:fld id="{3895310E-B5AE-4952-A007-08EF1D8FAE3A}" type="datetime1">
               <a:rPr lang="ko-KR" altLang="en-US" smtClean="0"/>
-              <a:t>2018-08-21</a:t>
+              <a:t>2018-08-22</a:t>
             </a:fld>
             <a:endParaRPr lang="ko-KR" altLang="en-US"/>
           </a:p>
@@ -4514,1145 +4342,6 @@
 </p:sld>
 </file>
 
-<file path=ppt/slides/slide10.xml><?xml version="1.0" encoding="utf-8"?>
-<p:sld xmlns:a="http://schemas.openxmlformats.org/drawingml/2006/main" xmlns:r="http://schemas.openxmlformats.org/officeDocument/2006/relationships" xmlns:p="http://schemas.openxmlformats.org/presentationml/2006/main">
-  <p:cSld>
-    <p:spTree>
-      <p:nvGrpSpPr>
-        <p:cNvPr id="1" name=""/>
-        <p:cNvGrpSpPr/>
-        <p:nvPr/>
-      </p:nvGrpSpPr>
-      <p:grpSpPr>
-        <a:xfrm>
-          <a:off x="0" y="0"/>
-          <a:ext cx="0" cy="0"/>
-          <a:chOff x="0" y="0"/>
-          <a:chExt cx="0" cy="0"/>
-        </a:xfrm>
-      </p:grpSpPr>
-      <p:sp>
-        <p:nvSpPr>
-          <p:cNvPr id="2" name="슬라이드 번호 개체 틀 1"/>
-          <p:cNvSpPr>
-            <a:spLocks noGrp="1"/>
-          </p:cNvSpPr>
-          <p:nvPr>
-            <p:ph type="sldNum" sz="quarter" idx="12"/>
-          </p:nvPr>
-        </p:nvSpPr>
-        <p:spPr/>
-        <p:txBody>
-          <a:bodyPr/>
-          <a:lstStyle/>
-          <a:p>
-            <a:fld id="{77B71057-D4FF-4ED0-970E-E0EF26DA9503}" type="slidenum">
-              <a:rPr lang="ko-KR" altLang="en-US" smtClean="0"/>
-              <a:pPr/>
-              <a:t>10</a:t>
-            </a:fld>
-            <a:endParaRPr lang="ko-KR" altLang="en-US"/>
-          </a:p>
-        </p:txBody>
-      </p:sp>
-      <p:sp>
-        <p:nvSpPr>
-          <p:cNvPr id="6" name="순서도: 처리 5"/>
-          <p:cNvSpPr/>
-          <p:nvPr/>
-        </p:nvSpPr>
-        <p:spPr>
-          <a:xfrm>
-            <a:off x="539552" y="260648"/>
-            <a:ext cx="1728192" cy="582513"/>
-          </a:xfrm>
-          <a:prstGeom prst="flowChartProcess">
-            <a:avLst/>
-          </a:prstGeom>
-          <a:ln/>
-        </p:spPr>
-        <p:style>
-          <a:lnRef idx="3">
-            <a:schemeClr val="lt1"/>
-          </a:lnRef>
-          <a:fillRef idx="1">
-            <a:schemeClr val="dk1"/>
-          </a:fillRef>
-          <a:effectRef idx="1">
-            <a:schemeClr val="dk1"/>
-          </a:effectRef>
-          <a:fontRef idx="minor">
-            <a:schemeClr val="lt1"/>
-          </a:fontRef>
-        </p:style>
-        <p:txBody>
-          <a:bodyPr tIns="72000" rtlCol="0" anchor="ctr"/>
-          <a:lstStyle/>
-          <a:p>
-            <a:pPr algn="ctr"/>
-            <a:r>
-              <a:rPr lang="ko-KR" altLang="en-US" sz="2400" b="1" dirty="0" smtClean="0"/>
-              <a:t>과제</a:t>
-            </a:r>
-            <a:r>
-              <a:rPr lang="en-US" altLang="ko-KR" sz="2400" b="1" dirty="0" smtClean="0"/>
-              <a:t>03</a:t>
-            </a:r>
-            <a:endParaRPr lang="ko-KR" altLang="en-US" sz="2400" b="1" dirty="0"/>
-          </a:p>
-        </p:txBody>
-      </p:sp>
-      <p:sp>
-        <p:nvSpPr>
-          <p:cNvPr id="7" name="순서도: 처리 6"/>
-          <p:cNvSpPr/>
-          <p:nvPr/>
-        </p:nvSpPr>
-        <p:spPr>
-          <a:xfrm>
-            <a:off x="848296" y="987177"/>
-            <a:ext cx="7812360" cy="432048"/>
-          </a:xfrm>
-          <a:prstGeom prst="flowChartProcess">
-            <a:avLst/>
-          </a:prstGeom>
-          <a:noFill/>
-          <a:ln>
-            <a:noFill/>
-          </a:ln>
-        </p:spPr>
-        <p:style>
-          <a:lnRef idx="2">
-            <a:schemeClr val="dk1"/>
-          </a:lnRef>
-          <a:fillRef idx="1">
-            <a:schemeClr val="lt1"/>
-          </a:fillRef>
-          <a:effectRef idx="0">
-            <a:schemeClr val="dk1"/>
-          </a:effectRef>
-          <a:fontRef idx="minor">
-            <a:schemeClr val="dk1"/>
-          </a:fontRef>
-        </p:style>
-        <p:txBody>
-          <a:bodyPr tIns="72000" rtlCol="0" anchor="ctr"/>
-          <a:lstStyle/>
-          <a:p>
-            <a:pPr marL="246063" indent="-246063">
-              <a:lnSpc>
-                <a:spcPts val="2500"/>
-              </a:lnSpc>
-            </a:pPr>
-            <a:r>
-              <a:rPr lang="en-US" altLang="ko-KR" b="1" dirty="0" smtClean="0">
-                <a:solidFill>
-                  <a:schemeClr val="tx1"/>
-                </a:solidFill>
-              </a:rPr>
-              <a:t>1. WORA</a:t>
-            </a:r>
-            <a:r>
-              <a:rPr lang="ko-KR" altLang="en-US" b="1" dirty="0" smtClean="0">
-                <a:solidFill>
-                  <a:schemeClr val="tx1"/>
-                </a:solidFill>
-              </a:rPr>
-              <a:t>에 대해 설명하시오</a:t>
-            </a:r>
-            <a:r>
-              <a:rPr lang="en-US" altLang="ko-KR" b="1" dirty="0" smtClean="0">
-                <a:solidFill>
-                  <a:schemeClr val="tx1"/>
-                </a:solidFill>
-              </a:rPr>
-              <a:t>.</a:t>
-            </a:r>
-          </a:p>
-        </p:txBody>
-      </p:sp>
-      <p:sp>
-        <p:nvSpPr>
-          <p:cNvPr id="8" name="순서도: 처리 7"/>
-          <p:cNvSpPr/>
-          <p:nvPr/>
-        </p:nvSpPr>
-        <p:spPr>
-          <a:xfrm>
-            <a:off x="848296" y="1751121"/>
-            <a:ext cx="7812360" cy="432048"/>
-          </a:xfrm>
-          <a:prstGeom prst="flowChartProcess">
-            <a:avLst/>
-          </a:prstGeom>
-          <a:noFill/>
-          <a:ln>
-            <a:noFill/>
-          </a:ln>
-        </p:spPr>
-        <p:style>
-          <a:lnRef idx="2">
-            <a:schemeClr val="dk1"/>
-          </a:lnRef>
-          <a:fillRef idx="1">
-            <a:schemeClr val="lt1"/>
-          </a:fillRef>
-          <a:effectRef idx="0">
-            <a:schemeClr val="dk1"/>
-          </a:effectRef>
-          <a:fontRef idx="minor">
-            <a:schemeClr val="dk1"/>
-          </a:fontRef>
-        </p:style>
-        <p:txBody>
-          <a:bodyPr tIns="72000" rtlCol="0" anchor="ctr"/>
-          <a:lstStyle/>
-          <a:p>
-            <a:pPr marL="246063" indent="-246063">
-              <a:lnSpc>
-                <a:spcPts val="2500"/>
-              </a:lnSpc>
-            </a:pPr>
-            <a:r>
-              <a:rPr lang="en-US" altLang="ko-KR" b="1" dirty="0">
-                <a:solidFill>
-                  <a:schemeClr val="tx1"/>
-                </a:solidFill>
-              </a:rPr>
-              <a:t>2</a:t>
-            </a:r>
-            <a:r>
-              <a:rPr lang="en-US" altLang="ko-KR" b="1" dirty="0" smtClean="0">
-                <a:solidFill>
-                  <a:schemeClr val="tx1"/>
-                </a:solidFill>
-              </a:rPr>
-              <a:t>. ‘</a:t>
-            </a:r>
-            <a:r>
-              <a:rPr lang="ko-KR" altLang="en-US" b="1" dirty="0" smtClean="0">
-                <a:solidFill>
-                  <a:schemeClr val="tx1"/>
-                </a:solidFill>
-              </a:rPr>
-              <a:t>플랫폼 독립적</a:t>
-            </a:r>
-            <a:r>
-              <a:rPr lang="en-US" altLang="ko-KR" b="1" dirty="0" smtClean="0">
-                <a:solidFill>
-                  <a:schemeClr val="tx1"/>
-                </a:solidFill>
-              </a:rPr>
-              <a:t>’</a:t>
-            </a:r>
-            <a:r>
-              <a:rPr lang="ko-KR" altLang="en-US" b="1" dirty="0" smtClean="0">
-                <a:solidFill>
-                  <a:schemeClr val="tx1"/>
-                </a:solidFill>
-              </a:rPr>
-              <a:t>이라는 뜻을 알기 쉽게 설명하시오</a:t>
-            </a:r>
-            <a:r>
-              <a:rPr lang="en-US" altLang="ko-KR" b="1" dirty="0" smtClean="0">
-                <a:solidFill>
-                  <a:schemeClr val="tx1"/>
-                </a:solidFill>
-              </a:rPr>
-              <a:t>.</a:t>
-            </a:r>
-          </a:p>
-        </p:txBody>
-      </p:sp>
-      <p:sp>
-        <p:nvSpPr>
-          <p:cNvPr id="9" name="순서도: 처리 8"/>
-          <p:cNvSpPr/>
-          <p:nvPr/>
-        </p:nvSpPr>
-        <p:spPr>
-          <a:xfrm>
-            <a:off x="848296" y="2680776"/>
-            <a:ext cx="7812360" cy="576064"/>
-          </a:xfrm>
-          <a:prstGeom prst="flowChartProcess">
-            <a:avLst/>
-          </a:prstGeom>
-          <a:noFill/>
-          <a:ln>
-            <a:noFill/>
-          </a:ln>
-        </p:spPr>
-        <p:style>
-          <a:lnRef idx="2">
-            <a:schemeClr val="dk1"/>
-          </a:lnRef>
-          <a:fillRef idx="1">
-            <a:schemeClr val="lt1"/>
-          </a:fillRef>
-          <a:effectRef idx="0">
-            <a:schemeClr val="dk1"/>
-          </a:effectRef>
-          <a:fontRef idx="minor">
-            <a:schemeClr val="dk1"/>
-          </a:fontRef>
-        </p:style>
-        <p:txBody>
-          <a:bodyPr tIns="72000" rtlCol="0" anchor="ctr"/>
-          <a:lstStyle/>
-          <a:p>
-            <a:pPr marL="246063" indent="-246063">
-              <a:lnSpc>
-                <a:spcPts val="2500"/>
-              </a:lnSpc>
-            </a:pPr>
-            <a:r>
-              <a:rPr lang="en-US" altLang="ko-KR" b="1" dirty="0" smtClean="0">
-                <a:solidFill>
-                  <a:schemeClr val="tx1"/>
-                </a:solidFill>
-              </a:rPr>
-              <a:t>3. </a:t>
-            </a:r>
-            <a:r>
-              <a:rPr lang="ko-KR" altLang="en-US" b="1" dirty="0" err="1" smtClean="0">
-                <a:solidFill>
-                  <a:schemeClr val="tx1"/>
-                </a:solidFill>
-              </a:rPr>
-              <a:t>자바가상머신</a:t>
-            </a:r>
-            <a:r>
-              <a:rPr lang="en-US" altLang="ko-KR" b="1" dirty="0" smtClean="0">
-                <a:solidFill>
-                  <a:schemeClr val="tx1"/>
-                </a:solidFill>
-              </a:rPr>
-              <a:t>(JVM)</a:t>
-            </a:r>
-            <a:r>
-              <a:rPr lang="ko-KR" altLang="en-US" b="1" dirty="0" smtClean="0">
-                <a:solidFill>
-                  <a:schemeClr val="tx1"/>
-                </a:solidFill>
-              </a:rPr>
-              <a:t>에 대해 조사하여 핵심 내용을 </a:t>
-            </a:r>
-            <a:r>
-              <a:rPr lang="en-US" altLang="ko-KR" b="1" dirty="0" smtClean="0">
-                <a:solidFill>
-                  <a:schemeClr val="tx1"/>
-                </a:solidFill>
-              </a:rPr>
-              <a:t>0.5</a:t>
-            </a:r>
-            <a:r>
-              <a:rPr lang="ko-KR" altLang="en-US" b="1" dirty="0" smtClean="0">
-                <a:solidFill>
-                  <a:schemeClr val="tx1"/>
-                </a:solidFill>
-              </a:rPr>
-              <a:t>쪽 이내로 요약하시오</a:t>
-            </a:r>
-            <a:r>
-              <a:rPr lang="en-US" altLang="ko-KR" b="1" dirty="0" smtClean="0">
-                <a:solidFill>
-                  <a:schemeClr val="tx1"/>
-                </a:solidFill>
-              </a:rPr>
-              <a:t>.</a:t>
-            </a:r>
-          </a:p>
-        </p:txBody>
-      </p:sp>
-      <p:sp>
-        <p:nvSpPr>
-          <p:cNvPr id="11" name="순서도: 처리 10"/>
-          <p:cNvSpPr/>
-          <p:nvPr/>
-        </p:nvSpPr>
-        <p:spPr>
-          <a:xfrm>
-            <a:off x="848296" y="3754447"/>
-            <a:ext cx="7812360" cy="1787302"/>
-          </a:xfrm>
-          <a:prstGeom prst="flowChartProcess">
-            <a:avLst/>
-          </a:prstGeom>
-          <a:noFill/>
-          <a:ln>
-            <a:noFill/>
-          </a:ln>
-        </p:spPr>
-        <p:style>
-          <a:lnRef idx="2">
-            <a:schemeClr val="dk1"/>
-          </a:lnRef>
-          <a:fillRef idx="1">
-            <a:schemeClr val="lt1"/>
-          </a:fillRef>
-          <a:effectRef idx="0">
-            <a:schemeClr val="dk1"/>
-          </a:effectRef>
-          <a:fontRef idx="minor">
-            <a:schemeClr val="dk1"/>
-          </a:fontRef>
-        </p:style>
-        <p:txBody>
-          <a:bodyPr tIns="72000" rtlCol="0" anchor="ctr"/>
-          <a:lstStyle/>
-          <a:p>
-            <a:pPr marL="246063" indent="-246063">
-              <a:lnSpc>
-                <a:spcPts val="2500"/>
-              </a:lnSpc>
-            </a:pPr>
-            <a:r>
-              <a:rPr lang="en-US" altLang="ko-KR" b="1" dirty="0" smtClean="0">
-                <a:solidFill>
-                  <a:schemeClr val="tx1"/>
-                </a:solidFill>
-              </a:rPr>
-              <a:t>4. </a:t>
-            </a:r>
-            <a:r>
-              <a:rPr lang="ko-KR" altLang="en-US" b="1" dirty="0" smtClean="0">
-                <a:solidFill>
-                  <a:schemeClr val="tx1"/>
-                </a:solidFill>
-              </a:rPr>
-              <a:t>객체지향언어에 대해 조사하여 핵심 내용을 </a:t>
-            </a:r>
-            <a:r>
-              <a:rPr lang="en-US" altLang="ko-KR" b="1" dirty="0" smtClean="0">
-                <a:solidFill>
-                  <a:schemeClr val="tx1"/>
-                </a:solidFill>
-              </a:rPr>
-              <a:t>0.5</a:t>
-            </a:r>
-            <a:r>
-              <a:rPr lang="ko-KR" altLang="en-US" b="1" dirty="0" smtClean="0">
-                <a:solidFill>
-                  <a:schemeClr val="tx1"/>
-                </a:solidFill>
-              </a:rPr>
-              <a:t>쪽 이내로 요약하시오</a:t>
-            </a:r>
-            <a:r>
-              <a:rPr lang="en-US" altLang="ko-KR" b="1" dirty="0" smtClean="0">
-                <a:solidFill>
-                  <a:schemeClr val="tx1"/>
-                </a:solidFill>
-              </a:rPr>
-              <a:t>.</a:t>
-            </a:r>
-          </a:p>
-          <a:p>
-            <a:pPr marL="246063" indent="-246063">
-              <a:lnSpc>
-                <a:spcPts val="2500"/>
-              </a:lnSpc>
-            </a:pPr>
-            <a:r>
-              <a:rPr lang="en-US" altLang="ko-KR" b="1" dirty="0">
-                <a:solidFill>
-                  <a:schemeClr val="tx1"/>
-                </a:solidFill>
-              </a:rPr>
-              <a:t> </a:t>
-            </a:r>
-            <a:r>
-              <a:rPr lang="en-US" altLang="ko-KR" b="1" dirty="0" smtClean="0">
-                <a:solidFill>
-                  <a:schemeClr val="tx1"/>
-                </a:solidFill>
-              </a:rPr>
-              <a:t>   </a:t>
-            </a:r>
-            <a:r>
-              <a:rPr lang="ko-KR" altLang="en-US" b="1" dirty="0" smtClean="0">
-                <a:solidFill>
-                  <a:schemeClr val="tx1"/>
-                </a:solidFill>
-              </a:rPr>
-              <a:t>○ 객체지향언어의 개념</a:t>
-            </a:r>
-            <a:endParaRPr lang="en-US" altLang="ko-KR" b="1" dirty="0" smtClean="0">
-              <a:solidFill>
-                <a:schemeClr val="tx1"/>
-              </a:solidFill>
-            </a:endParaRPr>
-          </a:p>
-          <a:p>
-            <a:pPr marL="246063" indent="-246063">
-              <a:lnSpc>
-                <a:spcPts val="2500"/>
-              </a:lnSpc>
-            </a:pPr>
-            <a:r>
-              <a:rPr lang="ko-KR" altLang="en-US" b="1" dirty="0" smtClean="0">
-                <a:solidFill>
-                  <a:schemeClr val="tx1"/>
-                </a:solidFill>
-              </a:rPr>
-              <a:t>    ○ 클래스와 객체의 개념</a:t>
-            </a:r>
-            <a:endParaRPr lang="en-US" altLang="ko-KR" b="1" dirty="0" smtClean="0">
-              <a:solidFill>
-                <a:schemeClr val="tx1"/>
-              </a:solidFill>
-            </a:endParaRPr>
-          </a:p>
-          <a:p>
-            <a:pPr marL="246063" indent="-246063">
-              <a:lnSpc>
-                <a:spcPts val="2500"/>
-              </a:lnSpc>
-            </a:pPr>
-            <a:r>
-              <a:rPr lang="ko-KR" altLang="en-US" b="1" dirty="0" smtClean="0">
-                <a:solidFill>
-                  <a:schemeClr val="tx1"/>
-                </a:solidFill>
-              </a:rPr>
-              <a:t>    ○ </a:t>
-            </a:r>
-            <a:r>
-              <a:rPr lang="ko-KR" altLang="en-US" b="1" dirty="0" err="1" smtClean="0">
-                <a:solidFill>
-                  <a:schemeClr val="tx1"/>
-                </a:solidFill>
-              </a:rPr>
-              <a:t>메소드와</a:t>
-            </a:r>
-            <a:r>
-              <a:rPr lang="ko-KR" altLang="en-US" b="1" dirty="0" smtClean="0">
-                <a:solidFill>
-                  <a:schemeClr val="tx1"/>
-                </a:solidFill>
-              </a:rPr>
-              <a:t> 속성의 개념</a:t>
-            </a:r>
-            <a:endParaRPr lang="en-US" altLang="ko-KR" b="1" dirty="0" smtClean="0">
-              <a:solidFill>
-                <a:schemeClr val="tx1"/>
-              </a:solidFill>
-            </a:endParaRPr>
-          </a:p>
-          <a:p>
-            <a:pPr marL="246063" indent="-246063">
-              <a:lnSpc>
-                <a:spcPts val="2500"/>
-              </a:lnSpc>
-            </a:pPr>
-            <a:r>
-              <a:rPr lang="ko-KR" altLang="en-US" b="1" dirty="0" smtClean="0">
-                <a:solidFill>
-                  <a:schemeClr val="tx1"/>
-                </a:solidFill>
-              </a:rPr>
-              <a:t>    ○ 객체지향언어의 특징</a:t>
-            </a:r>
-            <a:endParaRPr lang="en-US" altLang="ko-KR" b="1" dirty="0" smtClean="0">
-              <a:solidFill>
-                <a:schemeClr val="tx1"/>
-              </a:solidFill>
-            </a:endParaRPr>
-          </a:p>
-        </p:txBody>
-      </p:sp>
-      <p:sp>
-        <p:nvSpPr>
-          <p:cNvPr id="13" name="순서도: 처리 12"/>
-          <p:cNvSpPr/>
-          <p:nvPr/>
-        </p:nvSpPr>
-        <p:spPr>
-          <a:xfrm>
-            <a:off x="848296" y="5877272"/>
-            <a:ext cx="7812360" cy="379065"/>
-          </a:xfrm>
-          <a:prstGeom prst="flowChartProcess">
-            <a:avLst/>
-          </a:prstGeom>
-          <a:noFill/>
-          <a:ln>
-            <a:noFill/>
-          </a:ln>
-        </p:spPr>
-        <p:style>
-          <a:lnRef idx="2">
-            <a:schemeClr val="dk1"/>
-          </a:lnRef>
-          <a:fillRef idx="1">
-            <a:schemeClr val="lt1"/>
-          </a:fillRef>
-          <a:effectRef idx="0">
-            <a:schemeClr val="dk1"/>
-          </a:effectRef>
-          <a:fontRef idx="minor">
-            <a:schemeClr val="dk1"/>
-          </a:fontRef>
-        </p:style>
-        <p:txBody>
-          <a:bodyPr tIns="72000" rtlCol="0" anchor="ctr"/>
-          <a:lstStyle/>
-          <a:p>
-            <a:pPr marL="246063" indent="-246063">
-              <a:lnSpc>
-                <a:spcPts val="2500"/>
-              </a:lnSpc>
-            </a:pPr>
-            <a:r>
-              <a:rPr lang="en-US" altLang="ko-KR" b="1" dirty="0">
-                <a:solidFill>
-                  <a:schemeClr val="tx1"/>
-                </a:solidFill>
-              </a:rPr>
-              <a:t>5</a:t>
-            </a:r>
-            <a:r>
-              <a:rPr lang="en-US" altLang="ko-KR" b="1" dirty="0" smtClean="0">
-                <a:solidFill>
-                  <a:schemeClr val="tx1"/>
-                </a:solidFill>
-              </a:rPr>
-              <a:t>. </a:t>
-            </a:r>
-            <a:r>
-              <a:rPr lang="ko-KR" altLang="en-US" b="1" dirty="0" err="1" smtClean="0">
-                <a:solidFill>
-                  <a:schemeClr val="tx1"/>
-                </a:solidFill>
-              </a:rPr>
-              <a:t>멀티스레드</a:t>
-            </a:r>
-            <a:r>
-              <a:rPr lang="en-US" altLang="ko-KR" b="1" dirty="0" smtClean="0">
-                <a:solidFill>
-                  <a:schemeClr val="tx1"/>
-                </a:solidFill>
-              </a:rPr>
-              <a:t>(multithread)</a:t>
-            </a:r>
-            <a:r>
-              <a:rPr lang="ko-KR" altLang="en-US" b="1" dirty="0" smtClean="0">
-                <a:solidFill>
-                  <a:schemeClr val="tx1"/>
-                </a:solidFill>
-              </a:rPr>
-              <a:t>의 뜻을 알기 쉽게 요약하시오</a:t>
-            </a:r>
-            <a:r>
-              <a:rPr lang="en-US" altLang="ko-KR" b="1" dirty="0" smtClean="0">
-                <a:solidFill>
-                  <a:schemeClr val="tx1"/>
-                </a:solidFill>
-              </a:rPr>
-              <a:t>.</a:t>
-            </a:r>
-          </a:p>
-        </p:txBody>
-      </p:sp>
-    </p:spTree>
-    <p:extLst>
-      <p:ext uri="{BB962C8B-B14F-4D97-AF65-F5344CB8AC3E}">
-        <p14:creationId xmlns:p14="http://schemas.microsoft.com/office/powerpoint/2010/main" val="49185587"/>
-      </p:ext>
-    </p:extLst>
-  </p:cSld>
-  <p:clrMapOvr>
-    <a:masterClrMapping/>
-  </p:clrMapOvr>
-  <p:timing>
-    <p:tnLst>
-      <p:par>
-        <p:cTn id="1" dur="indefinite" restart="never" nodeType="tmRoot"/>
-      </p:par>
-    </p:tnLst>
-  </p:timing>
-</p:sld>
-</file>
-
-<file path=ppt/slides/slide11.xml><?xml version="1.0" encoding="utf-8"?>
-<p:sld xmlns:a="http://schemas.openxmlformats.org/drawingml/2006/main" xmlns:r="http://schemas.openxmlformats.org/officeDocument/2006/relationships" xmlns:p="http://schemas.openxmlformats.org/presentationml/2006/main">
-  <p:cSld>
-    <p:spTree>
-      <p:nvGrpSpPr>
-        <p:cNvPr id="1" name=""/>
-        <p:cNvGrpSpPr/>
-        <p:nvPr/>
-      </p:nvGrpSpPr>
-      <p:grpSpPr>
-        <a:xfrm>
-          <a:off x="0" y="0"/>
-          <a:ext cx="0" cy="0"/>
-          <a:chOff x="0" y="0"/>
-          <a:chExt cx="0" cy="0"/>
-        </a:xfrm>
-      </p:grpSpPr>
-      <p:sp>
-        <p:nvSpPr>
-          <p:cNvPr id="2" name="슬라이드 번호 개체 틀 1"/>
-          <p:cNvSpPr>
-            <a:spLocks noGrp="1"/>
-          </p:cNvSpPr>
-          <p:nvPr>
-            <p:ph type="sldNum" sz="quarter" idx="12"/>
-          </p:nvPr>
-        </p:nvSpPr>
-        <p:spPr/>
-        <p:txBody>
-          <a:bodyPr/>
-          <a:lstStyle/>
-          <a:p>
-            <a:fld id="{77B71057-D4FF-4ED0-970E-E0EF26DA9503}" type="slidenum">
-              <a:rPr lang="ko-KR" altLang="en-US" smtClean="0"/>
-              <a:pPr/>
-              <a:t>11</a:t>
-            </a:fld>
-            <a:endParaRPr lang="ko-KR" altLang="en-US"/>
-          </a:p>
-        </p:txBody>
-      </p:sp>
-      <p:sp>
-        <p:nvSpPr>
-          <p:cNvPr id="14" name="순서도: 처리 13"/>
-          <p:cNvSpPr/>
-          <p:nvPr/>
-        </p:nvSpPr>
-        <p:spPr>
-          <a:xfrm>
-            <a:off x="848296" y="985519"/>
-            <a:ext cx="7812360" cy="379065"/>
-          </a:xfrm>
-          <a:prstGeom prst="flowChartProcess">
-            <a:avLst/>
-          </a:prstGeom>
-          <a:noFill/>
-          <a:ln>
-            <a:noFill/>
-          </a:ln>
-        </p:spPr>
-        <p:style>
-          <a:lnRef idx="2">
-            <a:schemeClr val="dk1"/>
-          </a:lnRef>
-          <a:fillRef idx="1">
-            <a:schemeClr val="lt1"/>
-          </a:fillRef>
-          <a:effectRef idx="0">
-            <a:schemeClr val="dk1"/>
-          </a:effectRef>
-          <a:fontRef idx="minor">
-            <a:schemeClr val="dk1"/>
-          </a:fontRef>
-        </p:style>
-        <p:txBody>
-          <a:bodyPr tIns="72000" rtlCol="0" anchor="ctr"/>
-          <a:lstStyle/>
-          <a:p>
-            <a:pPr marL="246063" indent="-246063">
-              <a:lnSpc>
-                <a:spcPts val="2500"/>
-              </a:lnSpc>
-            </a:pPr>
-            <a:r>
-              <a:rPr lang="en-US" altLang="ko-KR" b="1" dirty="0" smtClean="0">
-                <a:solidFill>
-                  <a:schemeClr val="tx1"/>
-                </a:solidFill>
-              </a:rPr>
-              <a:t>6. </a:t>
-            </a:r>
-            <a:r>
-              <a:rPr lang="ko-KR" altLang="en-US" b="1" dirty="0" smtClean="0">
-                <a:solidFill>
-                  <a:schemeClr val="tx1"/>
-                </a:solidFill>
-              </a:rPr>
-              <a:t>자바 언어를 활용하는 분야를 조사하여 요약하시오</a:t>
-            </a:r>
-            <a:r>
-              <a:rPr lang="en-US" altLang="ko-KR" b="1" dirty="0" smtClean="0">
-                <a:solidFill>
-                  <a:schemeClr val="tx1"/>
-                </a:solidFill>
-              </a:rPr>
-              <a:t>.</a:t>
-            </a:r>
-          </a:p>
-        </p:txBody>
-      </p:sp>
-      <p:sp>
-        <p:nvSpPr>
-          <p:cNvPr id="16" name="순서도: 처리 15"/>
-          <p:cNvSpPr/>
-          <p:nvPr/>
-        </p:nvSpPr>
-        <p:spPr>
-          <a:xfrm>
-            <a:off x="848296" y="1967162"/>
-            <a:ext cx="7812360" cy="379065"/>
-          </a:xfrm>
-          <a:prstGeom prst="flowChartProcess">
-            <a:avLst/>
-          </a:prstGeom>
-          <a:noFill/>
-          <a:ln>
-            <a:noFill/>
-          </a:ln>
-        </p:spPr>
-        <p:style>
-          <a:lnRef idx="2">
-            <a:schemeClr val="dk1"/>
-          </a:lnRef>
-          <a:fillRef idx="1">
-            <a:schemeClr val="lt1"/>
-          </a:fillRef>
-          <a:effectRef idx="0">
-            <a:schemeClr val="dk1"/>
-          </a:effectRef>
-          <a:fontRef idx="minor">
-            <a:schemeClr val="dk1"/>
-          </a:fontRef>
-        </p:style>
-        <p:txBody>
-          <a:bodyPr tIns="72000" rtlCol="0" anchor="ctr"/>
-          <a:lstStyle/>
-          <a:p>
-            <a:pPr marL="246063" indent="-246063">
-              <a:lnSpc>
-                <a:spcPts val="2500"/>
-              </a:lnSpc>
-            </a:pPr>
-            <a:r>
-              <a:rPr lang="en-US" altLang="ko-KR" b="1" dirty="0">
-                <a:solidFill>
-                  <a:schemeClr val="tx1"/>
-                </a:solidFill>
-              </a:rPr>
-              <a:t>7</a:t>
-            </a:r>
-            <a:r>
-              <a:rPr lang="en-US" altLang="ko-KR" b="1" dirty="0" smtClean="0">
-                <a:solidFill>
-                  <a:schemeClr val="tx1"/>
-                </a:solidFill>
-              </a:rPr>
-              <a:t>. </a:t>
-            </a:r>
-            <a:r>
-              <a:rPr lang="ko-KR" altLang="en-US" b="1" dirty="0" smtClean="0">
-                <a:solidFill>
-                  <a:schemeClr val="tx1"/>
-                </a:solidFill>
-              </a:rPr>
-              <a:t>바이트코드</a:t>
-            </a:r>
-            <a:r>
-              <a:rPr lang="en-US" altLang="ko-KR" b="1" dirty="0" smtClean="0">
-                <a:solidFill>
-                  <a:schemeClr val="tx1"/>
-                </a:solidFill>
-              </a:rPr>
-              <a:t>(byte code)</a:t>
-            </a:r>
-            <a:r>
-              <a:rPr lang="ko-KR" altLang="en-US" b="1" dirty="0" smtClean="0">
-                <a:solidFill>
-                  <a:schemeClr val="tx1"/>
-                </a:solidFill>
-              </a:rPr>
-              <a:t>에 대해 조사하고 알기 쉽게 요약하시오</a:t>
-            </a:r>
-            <a:r>
-              <a:rPr lang="en-US" altLang="ko-KR" b="1" dirty="0" smtClean="0">
-                <a:solidFill>
-                  <a:schemeClr val="tx1"/>
-                </a:solidFill>
-              </a:rPr>
-              <a:t>.</a:t>
-            </a:r>
-          </a:p>
-        </p:txBody>
-      </p:sp>
-      <p:sp>
-        <p:nvSpPr>
-          <p:cNvPr id="17" name="순서도: 처리 16"/>
-          <p:cNvSpPr/>
-          <p:nvPr/>
-        </p:nvSpPr>
-        <p:spPr>
-          <a:xfrm>
-            <a:off x="848296" y="2922291"/>
-            <a:ext cx="7812360" cy="379065"/>
-          </a:xfrm>
-          <a:prstGeom prst="flowChartProcess">
-            <a:avLst/>
-          </a:prstGeom>
-          <a:noFill/>
-          <a:ln>
-            <a:noFill/>
-          </a:ln>
-        </p:spPr>
-        <p:style>
-          <a:lnRef idx="2">
-            <a:schemeClr val="dk1"/>
-          </a:lnRef>
-          <a:fillRef idx="1">
-            <a:schemeClr val="lt1"/>
-          </a:fillRef>
-          <a:effectRef idx="0">
-            <a:schemeClr val="dk1"/>
-          </a:effectRef>
-          <a:fontRef idx="minor">
-            <a:schemeClr val="dk1"/>
-          </a:fontRef>
-        </p:style>
-        <p:txBody>
-          <a:bodyPr tIns="72000" rtlCol="0" anchor="ctr"/>
-          <a:lstStyle/>
-          <a:p>
-            <a:pPr marL="246063" indent="-246063">
-              <a:lnSpc>
-                <a:spcPts val="2500"/>
-              </a:lnSpc>
-            </a:pPr>
-            <a:r>
-              <a:rPr lang="en-US" altLang="ko-KR" b="1" dirty="0" smtClean="0">
-                <a:solidFill>
-                  <a:schemeClr val="tx1"/>
-                </a:solidFill>
-              </a:rPr>
-              <a:t>8. </a:t>
-            </a:r>
-            <a:r>
-              <a:rPr lang="ko-KR" altLang="en-US" b="1" dirty="0" smtClean="0">
-                <a:solidFill>
-                  <a:schemeClr val="tx1"/>
-                </a:solidFill>
-              </a:rPr>
-              <a:t>오픈 소스 소프트웨어의 개념을 간략하게 쓰시오</a:t>
-            </a:r>
-            <a:r>
-              <a:rPr lang="en-US" altLang="ko-KR" b="1" dirty="0" smtClean="0">
-                <a:solidFill>
-                  <a:schemeClr val="tx1"/>
-                </a:solidFill>
-              </a:rPr>
-              <a:t>.</a:t>
-            </a:r>
-          </a:p>
-        </p:txBody>
-      </p:sp>
-      <p:sp>
-        <p:nvSpPr>
-          <p:cNvPr id="18" name="순서도: 처리 17"/>
-          <p:cNvSpPr/>
-          <p:nvPr/>
-        </p:nvSpPr>
-        <p:spPr>
-          <a:xfrm>
-            <a:off x="848296" y="3846814"/>
-            <a:ext cx="7812360" cy="379065"/>
-          </a:xfrm>
-          <a:prstGeom prst="flowChartProcess">
-            <a:avLst/>
-          </a:prstGeom>
-          <a:noFill/>
-          <a:ln>
-            <a:noFill/>
-          </a:ln>
-        </p:spPr>
-        <p:style>
-          <a:lnRef idx="2">
-            <a:schemeClr val="dk1"/>
-          </a:lnRef>
-          <a:fillRef idx="1">
-            <a:schemeClr val="lt1"/>
-          </a:fillRef>
-          <a:effectRef idx="0">
-            <a:schemeClr val="dk1"/>
-          </a:effectRef>
-          <a:fontRef idx="minor">
-            <a:schemeClr val="dk1"/>
-          </a:fontRef>
-        </p:style>
-        <p:txBody>
-          <a:bodyPr tIns="72000" rtlCol="0" anchor="ctr"/>
-          <a:lstStyle/>
-          <a:p>
-            <a:pPr marL="246063" indent="-246063">
-              <a:lnSpc>
-                <a:spcPts val="2500"/>
-              </a:lnSpc>
-            </a:pPr>
-            <a:r>
-              <a:rPr lang="en-US" altLang="ko-KR" b="1" dirty="0" smtClean="0">
-                <a:solidFill>
-                  <a:schemeClr val="tx1"/>
-                </a:solidFill>
-              </a:rPr>
-              <a:t>9. GNU GPL</a:t>
-            </a:r>
-            <a:r>
-              <a:rPr lang="ko-KR" altLang="en-US" b="1" dirty="0" smtClean="0">
-                <a:solidFill>
-                  <a:schemeClr val="tx1"/>
-                </a:solidFill>
-              </a:rPr>
-              <a:t>에 대해 조사하고 핵심 내용을 간략하게 요약하시오</a:t>
-            </a:r>
-            <a:r>
-              <a:rPr lang="en-US" altLang="ko-KR" b="1" dirty="0" smtClean="0">
-                <a:solidFill>
-                  <a:schemeClr val="tx1"/>
-                </a:solidFill>
-              </a:rPr>
-              <a:t>.</a:t>
-            </a:r>
-          </a:p>
-        </p:txBody>
-      </p:sp>
-      <p:sp>
-        <p:nvSpPr>
-          <p:cNvPr id="19" name="순서도: 처리 18"/>
-          <p:cNvSpPr/>
-          <p:nvPr/>
-        </p:nvSpPr>
-        <p:spPr>
-          <a:xfrm>
-            <a:off x="848296" y="4935539"/>
-            <a:ext cx="7812360" cy="653701"/>
-          </a:xfrm>
-          <a:prstGeom prst="flowChartProcess">
-            <a:avLst/>
-          </a:prstGeom>
-          <a:noFill/>
-          <a:ln>
-            <a:noFill/>
-          </a:ln>
-        </p:spPr>
-        <p:style>
-          <a:lnRef idx="2">
-            <a:schemeClr val="dk1"/>
-          </a:lnRef>
-          <a:fillRef idx="1">
-            <a:schemeClr val="lt1"/>
-          </a:fillRef>
-          <a:effectRef idx="0">
-            <a:schemeClr val="dk1"/>
-          </a:effectRef>
-          <a:fontRef idx="minor">
-            <a:schemeClr val="dk1"/>
-          </a:fontRef>
-        </p:style>
-        <p:txBody>
-          <a:bodyPr tIns="72000" rtlCol="0" anchor="ctr"/>
-          <a:lstStyle/>
-          <a:p>
-            <a:pPr marL="246063" indent="-246063">
-              <a:lnSpc>
-                <a:spcPts val="2500"/>
-              </a:lnSpc>
-            </a:pPr>
-            <a:r>
-              <a:rPr lang="en-US" altLang="ko-KR" b="1" dirty="0" smtClean="0">
-                <a:solidFill>
-                  <a:schemeClr val="tx1"/>
-                </a:solidFill>
-              </a:rPr>
-              <a:t>10.</a:t>
-            </a:r>
-            <a:r>
-              <a:rPr lang="ko-KR" altLang="en-US" b="1" dirty="0" smtClean="0">
-                <a:solidFill>
-                  <a:schemeClr val="tx1"/>
-                </a:solidFill>
-              </a:rPr>
-              <a:t>자바 </a:t>
-            </a:r>
-            <a:r>
-              <a:rPr lang="en-US" altLang="ko-KR" b="1" dirty="0" smtClean="0">
-                <a:solidFill>
-                  <a:schemeClr val="tx1"/>
-                </a:solidFill>
-              </a:rPr>
-              <a:t>SE JDK</a:t>
-            </a:r>
-            <a:r>
-              <a:rPr lang="ko-KR" altLang="en-US" b="1" dirty="0" smtClean="0">
-                <a:solidFill>
-                  <a:schemeClr val="tx1"/>
-                </a:solidFill>
-              </a:rPr>
-              <a:t>의 </a:t>
-            </a:r>
-            <a:r>
-              <a:rPr lang="en-US" altLang="ko-KR" b="1" dirty="0" smtClean="0">
-                <a:solidFill>
-                  <a:schemeClr val="tx1"/>
-                </a:solidFill>
-              </a:rPr>
-              <a:t>bin</a:t>
-            </a:r>
-            <a:r>
-              <a:rPr lang="ko-KR" altLang="en-US" b="1" dirty="0" smtClean="0">
-                <a:solidFill>
-                  <a:schemeClr val="tx1"/>
-                </a:solidFill>
-              </a:rPr>
-              <a:t>폴더 명령어 중에서 자주 사용하는 명령어 </a:t>
-            </a:r>
-            <a:r>
-              <a:rPr lang="en-US" altLang="ko-KR" b="1" dirty="0" smtClean="0">
-                <a:solidFill>
-                  <a:schemeClr val="tx1"/>
-                </a:solidFill>
-              </a:rPr>
-              <a:t>5</a:t>
-            </a:r>
-            <a:r>
-              <a:rPr lang="ko-KR" altLang="en-US" b="1" dirty="0" smtClean="0">
-                <a:solidFill>
-                  <a:schemeClr val="tx1"/>
-                </a:solidFill>
-              </a:rPr>
-              <a:t>개를 선택하여 기능을 설명하시오</a:t>
-            </a:r>
-            <a:r>
-              <a:rPr lang="en-US" altLang="ko-KR" b="1" dirty="0" smtClean="0">
-                <a:solidFill>
-                  <a:schemeClr val="tx1"/>
-                </a:solidFill>
-              </a:rPr>
-              <a:t>.</a:t>
-            </a:r>
-          </a:p>
-        </p:txBody>
-      </p:sp>
-    </p:spTree>
-    <p:extLst>
-      <p:ext uri="{BB962C8B-B14F-4D97-AF65-F5344CB8AC3E}">
-        <p14:creationId xmlns:p14="http://schemas.microsoft.com/office/powerpoint/2010/main" val="2687968656"/>
-      </p:ext>
-    </p:extLst>
-  </p:cSld>
-  <p:clrMapOvr>
-    <a:masterClrMapping/>
-  </p:clrMapOvr>
-  <p:timing>
-    <p:tnLst>
-      <p:par>
-        <p:cTn id="1" dur="indefinite" restart="never" nodeType="tmRoot"/>
-      </p:par>
-    </p:tnLst>
-  </p:timing>
-</p:sld>
-</file>
-
 <file path=ppt/slides/slide2.xml><?xml version="1.0" encoding="utf-8"?>
 <p:sld xmlns:a="http://schemas.openxmlformats.org/drawingml/2006/main" xmlns:r="http://schemas.openxmlformats.org/officeDocument/2006/relationships" xmlns:p="http://schemas.openxmlformats.org/presentationml/2006/main">
   <p:cSld>
@@ -8914,11 +7603,6 @@
               </a:rPr>
               <a:t>(property)</a:t>
             </a:r>
-            <a:endParaRPr lang="en-US" altLang="ko-KR" sz="1200" b="1" dirty="0" smtClean="0">
-              <a:solidFill>
-                <a:schemeClr val="tx1"/>
-              </a:solidFill>
-            </a:endParaRPr>
           </a:p>
         </p:txBody>
       </p:sp>
@@ -9042,11 +7726,6 @@
               </a:rPr>
               <a:t>(behavior)</a:t>
             </a:r>
-            <a:endParaRPr lang="en-US" altLang="ko-KR" sz="1200" b="1" dirty="0" smtClean="0">
-              <a:solidFill>
-                <a:schemeClr val="tx1"/>
-              </a:solidFill>
-            </a:endParaRPr>
           </a:p>
         </p:txBody>
       </p:sp>
@@ -9146,11 +7825,6 @@
               </a:rPr>
               <a:t>(constructor)</a:t>
             </a:r>
-            <a:endParaRPr lang="en-US" altLang="ko-KR" sz="1200" b="1" dirty="0" smtClean="0">
-              <a:solidFill>
-                <a:srgbClr val="FF0000"/>
-              </a:solidFill>
-            </a:endParaRPr>
           </a:p>
         </p:txBody>
       </p:sp>
@@ -9250,11 +7924,6 @@
               </a:rPr>
               <a:t>(inner class)</a:t>
             </a:r>
-            <a:endParaRPr lang="en-US" altLang="ko-KR" sz="1200" b="1" dirty="0" smtClean="0">
-              <a:solidFill>
-                <a:srgbClr val="FF0000"/>
-              </a:solidFill>
-            </a:endParaRPr>
           </a:p>
         </p:txBody>
       </p:sp>
@@ -9370,11 +8039,6 @@
               </a:rPr>
               <a:t>)</a:t>
             </a:r>
-            <a:endParaRPr lang="en-US" altLang="ko-KR" sz="1200" b="1" dirty="0" smtClean="0">
-              <a:solidFill>
-                <a:schemeClr val="tx1"/>
-              </a:solidFill>
-            </a:endParaRPr>
           </a:p>
         </p:txBody>
       </p:sp>
@@ -9462,913 +8126,6 @@
 </file>
 
 <file path=ppt/slides/slide5.xml><?xml version="1.0" encoding="utf-8"?>
-<p:sld xmlns:a="http://schemas.openxmlformats.org/drawingml/2006/main" xmlns:r="http://schemas.openxmlformats.org/officeDocument/2006/relationships" xmlns:p="http://schemas.openxmlformats.org/presentationml/2006/main">
-  <p:cSld>
-    <p:spTree>
-      <p:nvGrpSpPr>
-        <p:cNvPr id="1" name=""/>
-        <p:cNvGrpSpPr/>
-        <p:nvPr/>
-      </p:nvGrpSpPr>
-      <p:grpSpPr>
-        <a:xfrm>
-          <a:off x="0" y="0"/>
-          <a:ext cx="0" cy="0"/>
-          <a:chOff x="0" y="0"/>
-          <a:chExt cx="0" cy="0"/>
-        </a:xfrm>
-      </p:grpSpPr>
-      <p:sp>
-        <p:nvSpPr>
-          <p:cNvPr id="25" name="직사각형 24"/>
-          <p:cNvSpPr/>
-          <p:nvPr/>
-        </p:nvSpPr>
-        <p:spPr>
-          <a:xfrm>
-            <a:off x="2149556" y="1916832"/>
-            <a:ext cx="3862604" cy="1080120"/>
-          </a:xfrm>
-          <a:prstGeom prst="rect">
-            <a:avLst/>
-          </a:prstGeom>
-          <a:solidFill>
-            <a:srgbClr val="FFFF99"/>
-          </a:solidFill>
-          <a:ln w="19050">
-            <a:solidFill>
-              <a:schemeClr val="accent2">
-                <a:lumMod val="60000"/>
-                <a:lumOff val="40000"/>
-              </a:schemeClr>
-            </a:solidFill>
-          </a:ln>
-        </p:spPr>
-        <p:style>
-          <a:lnRef idx="2">
-            <a:schemeClr val="accent1"/>
-          </a:lnRef>
-          <a:fillRef idx="1">
-            <a:schemeClr val="lt1"/>
-          </a:fillRef>
-          <a:effectRef idx="0">
-            <a:schemeClr val="accent1"/>
-          </a:effectRef>
-          <a:fontRef idx="minor">
-            <a:schemeClr val="dk1"/>
-          </a:fontRef>
-        </p:style>
-        <p:txBody>
-          <a:bodyPr rtlCol="0" anchor="ctr"/>
-          <a:lstStyle/>
-          <a:p>
-            <a:pPr algn="ctr"/>
-            <a:endParaRPr lang="ko-KR" altLang="en-US" dirty="0"/>
-          </a:p>
-        </p:txBody>
-      </p:sp>
-      <p:sp>
-        <p:nvSpPr>
-          <p:cNvPr id="2" name="슬라이드 번호 개체 틀 1"/>
-          <p:cNvSpPr>
-            <a:spLocks noGrp="1"/>
-          </p:cNvSpPr>
-          <p:nvPr>
-            <p:ph type="sldNum" sz="quarter" idx="12"/>
-          </p:nvPr>
-        </p:nvSpPr>
-        <p:spPr/>
-        <p:txBody>
-          <a:bodyPr/>
-          <a:lstStyle/>
-          <a:p>
-            <a:fld id="{77B71057-D4FF-4ED0-970E-E0EF26DA9503}" type="slidenum">
-              <a:rPr lang="ko-KR" altLang="en-US" smtClean="0"/>
-              <a:pPr/>
-              <a:t>5</a:t>
-            </a:fld>
-            <a:endParaRPr lang="ko-KR" altLang="en-US"/>
-          </a:p>
-        </p:txBody>
-      </p:sp>
-      <p:sp>
-        <p:nvSpPr>
-          <p:cNvPr id="10" name="순서도: 처리 9"/>
-          <p:cNvSpPr/>
-          <p:nvPr/>
-        </p:nvSpPr>
-        <p:spPr>
-          <a:xfrm>
-            <a:off x="1835696" y="1484784"/>
-            <a:ext cx="4464496" cy="1872208"/>
-          </a:xfrm>
-          <a:prstGeom prst="flowChartProcess">
-            <a:avLst/>
-          </a:prstGeom>
-          <a:noFill/>
-          <a:ln>
-            <a:solidFill>
-              <a:schemeClr val="accent6">
-                <a:lumMod val="60000"/>
-                <a:lumOff val="40000"/>
-              </a:schemeClr>
-            </a:solidFill>
-          </a:ln>
-        </p:spPr>
-        <p:style>
-          <a:lnRef idx="2">
-            <a:schemeClr val="dk1"/>
-          </a:lnRef>
-          <a:fillRef idx="1">
-            <a:schemeClr val="lt1"/>
-          </a:fillRef>
-          <a:effectRef idx="0">
-            <a:schemeClr val="dk1"/>
-          </a:effectRef>
-          <a:fontRef idx="minor">
-            <a:schemeClr val="dk1"/>
-          </a:fontRef>
-        </p:style>
-        <p:txBody>
-          <a:bodyPr tIns="72000" rtlCol="0" anchor="ctr"/>
-          <a:lstStyle/>
-          <a:p>
-            <a:pPr>
-              <a:lnSpc>
-                <a:spcPts val="3000"/>
-              </a:lnSpc>
-            </a:pPr>
-            <a:r>
-              <a:rPr lang="en-US" altLang="ko-KR" sz="1600" b="1" dirty="0" smtClean="0">
-                <a:solidFill>
-                  <a:schemeClr val="tx1"/>
-                </a:solidFill>
-              </a:rPr>
-              <a:t>public class </a:t>
-            </a:r>
-            <a:r>
-              <a:rPr lang="ko-KR" altLang="en-US" sz="1600" b="1" dirty="0" err="1" smtClean="0">
-                <a:solidFill>
-                  <a:schemeClr val="tx1"/>
-                </a:solidFill>
-              </a:rPr>
-              <a:t>클래스명</a:t>
-            </a:r>
-            <a:r>
-              <a:rPr lang="ko-KR" altLang="en-US" sz="1600" b="1" dirty="0" smtClean="0">
-                <a:solidFill>
-                  <a:schemeClr val="tx1"/>
-                </a:solidFill>
-              </a:rPr>
-              <a:t> </a:t>
-            </a:r>
-            <a:r>
-              <a:rPr lang="en-US" altLang="ko-KR" sz="1600" b="1" dirty="0" smtClean="0">
-                <a:solidFill>
-                  <a:schemeClr val="tx1"/>
-                </a:solidFill>
-              </a:rPr>
-              <a:t>{</a:t>
-            </a:r>
-          </a:p>
-          <a:p>
-            <a:pPr>
-              <a:lnSpc>
-                <a:spcPts val="3000"/>
-              </a:lnSpc>
-            </a:pPr>
-            <a:r>
-              <a:rPr lang="en-US" altLang="ko-KR" sz="1600" b="1" dirty="0">
-                <a:solidFill>
-                  <a:schemeClr val="tx1"/>
-                </a:solidFill>
-              </a:rPr>
-              <a:t> </a:t>
-            </a:r>
-            <a:r>
-              <a:rPr lang="en-US" altLang="ko-KR" sz="1600" b="1" dirty="0" smtClean="0">
-                <a:solidFill>
-                  <a:schemeClr val="tx1"/>
-                </a:solidFill>
-              </a:rPr>
-              <a:t>   public static void main(String[] </a:t>
-            </a:r>
-            <a:r>
-              <a:rPr lang="en-US" altLang="ko-KR" sz="1600" b="1" dirty="0" err="1" smtClean="0">
-                <a:solidFill>
-                  <a:schemeClr val="tx1"/>
-                </a:solidFill>
-              </a:rPr>
-              <a:t>args</a:t>
-            </a:r>
-            <a:r>
-              <a:rPr lang="en-US" altLang="ko-KR" sz="1600" b="1" dirty="0" smtClean="0">
-                <a:solidFill>
-                  <a:schemeClr val="tx1"/>
-                </a:solidFill>
-              </a:rPr>
-              <a:t>) {</a:t>
-            </a:r>
-          </a:p>
-          <a:p>
-            <a:pPr>
-              <a:lnSpc>
-                <a:spcPts val="3000"/>
-              </a:lnSpc>
-            </a:pPr>
-            <a:endParaRPr lang="en-US" altLang="ko-KR" sz="1600" b="1" dirty="0" smtClean="0">
-              <a:solidFill>
-                <a:schemeClr val="tx1"/>
-              </a:solidFill>
-            </a:endParaRPr>
-          </a:p>
-          <a:p>
-            <a:pPr>
-              <a:lnSpc>
-                <a:spcPts val="3000"/>
-              </a:lnSpc>
-            </a:pPr>
-            <a:r>
-              <a:rPr lang="en-US" altLang="ko-KR" sz="1600" b="1" dirty="0">
-                <a:solidFill>
-                  <a:schemeClr val="tx1"/>
-                </a:solidFill>
-              </a:rPr>
-              <a:t> </a:t>
-            </a:r>
-            <a:r>
-              <a:rPr lang="en-US" altLang="ko-KR" sz="1600" b="1" dirty="0" smtClean="0">
-                <a:solidFill>
-                  <a:schemeClr val="tx1"/>
-                </a:solidFill>
-              </a:rPr>
-              <a:t>   }</a:t>
-            </a:r>
-          </a:p>
-          <a:p>
-            <a:pPr>
-              <a:lnSpc>
-                <a:spcPts val="3000"/>
-              </a:lnSpc>
-            </a:pPr>
-            <a:r>
-              <a:rPr lang="en-US" altLang="ko-KR" sz="1600" b="1" dirty="0">
-                <a:solidFill>
-                  <a:schemeClr val="tx1"/>
-                </a:solidFill>
-              </a:rPr>
-              <a:t>}</a:t>
-            </a:r>
-            <a:endParaRPr lang="ko-KR" altLang="en-US" sz="1600" b="1" dirty="0">
-              <a:solidFill>
-                <a:schemeClr val="tx1"/>
-              </a:solidFill>
-            </a:endParaRPr>
-          </a:p>
-        </p:txBody>
-      </p:sp>
-      <p:sp>
-        <p:nvSpPr>
-          <p:cNvPr id="26" name="순서도: 처리 25"/>
-          <p:cNvSpPr/>
-          <p:nvPr/>
-        </p:nvSpPr>
-        <p:spPr>
-          <a:xfrm>
-            <a:off x="755576" y="548680"/>
-            <a:ext cx="6264696" cy="504055"/>
-          </a:xfrm>
-          <a:prstGeom prst="flowChartProcess">
-            <a:avLst/>
-          </a:prstGeom>
-          <a:ln/>
-        </p:spPr>
-        <p:style>
-          <a:lnRef idx="3">
-            <a:schemeClr val="lt1"/>
-          </a:lnRef>
-          <a:fillRef idx="1">
-            <a:schemeClr val="accent5"/>
-          </a:fillRef>
-          <a:effectRef idx="1">
-            <a:schemeClr val="accent5"/>
-          </a:effectRef>
-          <a:fontRef idx="minor">
-            <a:schemeClr val="lt1"/>
-          </a:fontRef>
-        </p:style>
-        <p:txBody>
-          <a:bodyPr tIns="72000" rtlCol="0" anchor="ctr"/>
-          <a:lstStyle/>
-          <a:p>
-            <a:pPr>
-              <a:lnSpc>
-                <a:spcPts val="2500"/>
-              </a:lnSpc>
-            </a:pPr>
-            <a:r>
-              <a:rPr lang="en-US" altLang="ko-KR" b="1" dirty="0" smtClean="0">
-                <a:solidFill>
-                  <a:schemeClr val="tx1"/>
-                </a:solidFill>
-              </a:rPr>
-              <a:t>(3) public static void main(String[] </a:t>
-            </a:r>
-            <a:r>
-              <a:rPr lang="en-US" altLang="ko-KR" b="1" dirty="0" err="1" smtClean="0">
-                <a:solidFill>
-                  <a:schemeClr val="tx1"/>
-                </a:solidFill>
-              </a:rPr>
-              <a:t>args</a:t>
-            </a:r>
-            <a:r>
-              <a:rPr lang="en-US" altLang="ko-KR" b="1" dirty="0" smtClean="0">
-                <a:solidFill>
-                  <a:schemeClr val="tx1"/>
-                </a:solidFill>
-              </a:rPr>
-              <a:t>)</a:t>
-            </a:r>
-            <a:r>
-              <a:rPr lang="ko-KR" altLang="en-US" b="1" dirty="0" smtClean="0">
-                <a:solidFill>
-                  <a:schemeClr val="tx1"/>
-                </a:solidFill>
-              </a:rPr>
-              <a:t>의 이해</a:t>
-            </a:r>
-            <a:endParaRPr lang="ko-KR" altLang="en-US" b="1" dirty="0">
-              <a:solidFill>
-                <a:schemeClr val="tx1"/>
-              </a:solidFill>
-            </a:endParaRPr>
-          </a:p>
-        </p:txBody>
-      </p:sp>
-      <p:sp>
-        <p:nvSpPr>
-          <p:cNvPr id="27" name="순서도: 처리 26"/>
-          <p:cNvSpPr/>
-          <p:nvPr/>
-        </p:nvSpPr>
-        <p:spPr>
-          <a:xfrm>
-            <a:off x="1043608" y="3933056"/>
-            <a:ext cx="6768752" cy="2304256"/>
-          </a:xfrm>
-          <a:prstGeom prst="flowChartProcess">
-            <a:avLst/>
-          </a:prstGeom>
-          <a:noFill/>
-          <a:ln>
-            <a:noFill/>
-          </a:ln>
-        </p:spPr>
-        <p:style>
-          <a:lnRef idx="2">
-            <a:schemeClr val="dk1"/>
-          </a:lnRef>
-          <a:fillRef idx="1">
-            <a:schemeClr val="lt1"/>
-          </a:fillRef>
-          <a:effectRef idx="0">
-            <a:schemeClr val="dk1"/>
-          </a:effectRef>
-          <a:fontRef idx="minor">
-            <a:schemeClr val="dk1"/>
-          </a:fontRef>
-        </p:style>
-        <p:txBody>
-          <a:bodyPr tIns="72000" rtlCol="0" anchor="ctr"/>
-          <a:lstStyle/>
-          <a:p>
-            <a:pPr>
-              <a:lnSpc>
-                <a:spcPts val="2500"/>
-              </a:lnSpc>
-            </a:pPr>
-            <a:r>
-              <a:rPr lang="ko-KR" altLang="en-US" sz="1200" b="1" dirty="0" smtClean="0">
-                <a:solidFill>
-                  <a:schemeClr val="tx1"/>
-                </a:solidFill>
-              </a:rPr>
-              <a:t>▶ </a:t>
-            </a:r>
-            <a:r>
-              <a:rPr lang="ko-KR" altLang="en-US" sz="1200" b="1" dirty="0" err="1" smtClean="0">
-                <a:solidFill>
-                  <a:schemeClr val="tx1"/>
-                </a:solidFill>
-              </a:rPr>
-              <a:t>자바가상머신</a:t>
-            </a:r>
-            <a:r>
-              <a:rPr lang="en-US" altLang="ko-KR" sz="1200" b="1" dirty="0" smtClean="0">
-                <a:solidFill>
-                  <a:schemeClr val="tx1"/>
-                </a:solidFill>
-              </a:rPr>
-              <a:t>(JVM)</a:t>
-            </a:r>
-            <a:r>
-              <a:rPr lang="ko-KR" altLang="en-US" sz="1200" b="1" dirty="0" smtClean="0">
-                <a:solidFill>
-                  <a:schemeClr val="tx1"/>
-                </a:solidFill>
-              </a:rPr>
-              <a:t>는 프로그램을 실행할 때 </a:t>
-            </a:r>
-            <a:r>
-              <a:rPr lang="en-US" altLang="ko-KR" sz="1200" b="1" dirty="0" smtClean="0">
-                <a:solidFill>
-                  <a:schemeClr val="tx1"/>
-                </a:solidFill>
-              </a:rPr>
-              <a:t>main() </a:t>
-            </a:r>
-            <a:r>
-              <a:rPr lang="ko-KR" altLang="en-US" sz="1200" b="1" dirty="0" err="1" smtClean="0">
-                <a:solidFill>
-                  <a:schemeClr val="tx1"/>
-                </a:solidFill>
-              </a:rPr>
-              <a:t>메소드부터</a:t>
-            </a:r>
-            <a:r>
-              <a:rPr lang="ko-KR" altLang="en-US" sz="1200" b="1" dirty="0" smtClean="0">
-                <a:solidFill>
-                  <a:schemeClr val="tx1"/>
-                </a:solidFill>
-              </a:rPr>
-              <a:t> 호출한다</a:t>
-            </a:r>
-            <a:r>
-              <a:rPr lang="en-US" altLang="ko-KR" sz="1200" b="1" dirty="0" smtClean="0">
-                <a:solidFill>
-                  <a:schemeClr val="tx1"/>
-                </a:solidFill>
-              </a:rPr>
-              <a:t>.</a:t>
-            </a:r>
-          </a:p>
-          <a:p>
-            <a:pPr>
-              <a:lnSpc>
-                <a:spcPts val="2500"/>
-              </a:lnSpc>
-            </a:pPr>
-            <a:r>
-              <a:rPr lang="ko-KR" altLang="en-US" sz="1200" b="1" dirty="0" smtClean="0">
-                <a:solidFill>
-                  <a:schemeClr val="tx1"/>
-                </a:solidFill>
-              </a:rPr>
-              <a:t>▶ 실행을 시작할 클래스에만 </a:t>
-            </a:r>
-            <a:r>
-              <a:rPr lang="en-US" altLang="ko-KR" sz="1200" b="1" dirty="0" smtClean="0">
-                <a:solidFill>
-                  <a:schemeClr val="tx1"/>
-                </a:solidFill>
-              </a:rPr>
-              <a:t>main()</a:t>
-            </a:r>
-            <a:r>
-              <a:rPr lang="ko-KR" altLang="en-US" sz="1200" b="1" dirty="0" smtClean="0">
-                <a:solidFill>
-                  <a:schemeClr val="tx1"/>
-                </a:solidFill>
-              </a:rPr>
-              <a:t>을 작성하도록 한다</a:t>
-            </a:r>
-            <a:r>
-              <a:rPr lang="en-US" altLang="ko-KR" sz="1200" b="1" dirty="0" smtClean="0">
-                <a:solidFill>
-                  <a:schemeClr val="tx1"/>
-                </a:solidFill>
-              </a:rPr>
-              <a:t>.</a:t>
-            </a:r>
-          </a:p>
-          <a:p>
-            <a:pPr>
-              <a:lnSpc>
-                <a:spcPts val="2500"/>
-              </a:lnSpc>
-            </a:pPr>
-            <a:r>
-              <a:rPr lang="ko-KR" altLang="en-US" sz="1200" b="1" dirty="0" smtClean="0">
-                <a:solidFill>
-                  <a:schemeClr val="tx1"/>
-                </a:solidFill>
-              </a:rPr>
-              <a:t>▶ </a:t>
-            </a:r>
-            <a:r>
-              <a:rPr lang="en-US" altLang="ko-KR" sz="1200" b="1" dirty="0" smtClean="0">
-                <a:solidFill>
-                  <a:schemeClr val="tx1"/>
-                </a:solidFill>
-              </a:rPr>
-              <a:t>main() </a:t>
-            </a:r>
-            <a:r>
-              <a:rPr lang="ko-KR" altLang="en-US" sz="1200" b="1" dirty="0" err="1" smtClean="0">
-                <a:solidFill>
-                  <a:schemeClr val="tx1"/>
-                </a:solidFill>
-              </a:rPr>
-              <a:t>메소드는</a:t>
-            </a:r>
-            <a:r>
-              <a:rPr lang="en-US" altLang="ko-KR" sz="1200" b="1" dirty="0">
-                <a:solidFill>
-                  <a:schemeClr val="tx1"/>
-                </a:solidFill>
-              </a:rPr>
-              <a:t> </a:t>
-            </a:r>
-            <a:r>
-              <a:rPr lang="ko-KR" altLang="en-US" sz="1200" b="1" dirty="0" smtClean="0">
-                <a:solidFill>
-                  <a:schemeClr val="tx1"/>
-                </a:solidFill>
-              </a:rPr>
-              <a:t>반드시 </a:t>
-            </a:r>
-            <a:r>
-              <a:rPr lang="en-US" altLang="ko-KR" sz="1200" b="1" dirty="0" smtClean="0">
-                <a:solidFill>
-                  <a:schemeClr val="tx1"/>
-                </a:solidFill>
-              </a:rPr>
-              <a:t>public, static, void </a:t>
-            </a:r>
-            <a:r>
-              <a:rPr lang="ko-KR" altLang="en-US" sz="1200" b="1" dirty="0" smtClean="0">
-                <a:solidFill>
-                  <a:schemeClr val="tx1"/>
-                </a:solidFill>
-              </a:rPr>
-              <a:t>타입으로 선언되어야 한다</a:t>
-            </a:r>
-            <a:r>
-              <a:rPr lang="en-US" altLang="ko-KR" sz="1200" b="1" dirty="0" smtClean="0">
-                <a:solidFill>
-                  <a:schemeClr val="tx1"/>
-                </a:solidFill>
-              </a:rPr>
-              <a:t>.</a:t>
-            </a:r>
-          </a:p>
-          <a:p>
-            <a:pPr>
-              <a:lnSpc>
-                <a:spcPts val="2500"/>
-              </a:lnSpc>
-            </a:pPr>
-            <a:r>
-              <a:rPr lang="ko-KR" altLang="en-US" sz="1200" b="1" dirty="0" smtClean="0">
-                <a:solidFill>
-                  <a:schemeClr val="tx1"/>
-                </a:solidFill>
-              </a:rPr>
-              <a:t>▶ </a:t>
-            </a:r>
-            <a:r>
-              <a:rPr lang="en-US" altLang="ko-KR" sz="1200" b="1" dirty="0" smtClean="0">
-                <a:solidFill>
-                  <a:schemeClr val="tx1"/>
-                </a:solidFill>
-              </a:rPr>
-              <a:t>public </a:t>
-            </a:r>
-            <a:r>
-              <a:rPr lang="ko-KR" altLang="en-US" sz="1200" b="1" dirty="0" err="1" smtClean="0">
-                <a:solidFill>
-                  <a:schemeClr val="tx1"/>
-                </a:solidFill>
-              </a:rPr>
-              <a:t>접근자</a:t>
-            </a:r>
-            <a:r>
-              <a:rPr lang="en-US" altLang="ko-KR" sz="1200" b="1" dirty="0" smtClean="0">
-                <a:solidFill>
-                  <a:schemeClr val="tx1"/>
-                </a:solidFill>
-              </a:rPr>
-              <a:t>: </a:t>
-            </a:r>
-            <a:r>
-              <a:rPr lang="ko-KR" altLang="en-US" sz="1200" b="1" dirty="0" smtClean="0">
-                <a:solidFill>
-                  <a:schemeClr val="tx1"/>
-                </a:solidFill>
-              </a:rPr>
-              <a:t>외부에서 자유롭게 접근할 수 있도록 허용한다</a:t>
-            </a:r>
-            <a:r>
-              <a:rPr lang="en-US" altLang="ko-KR" sz="1200" b="1" dirty="0" smtClean="0">
-                <a:solidFill>
-                  <a:schemeClr val="tx1"/>
-                </a:solidFill>
-              </a:rPr>
-              <a:t>.</a:t>
-            </a:r>
-          </a:p>
-          <a:p>
-            <a:pPr>
-              <a:lnSpc>
-                <a:spcPts val="2500"/>
-              </a:lnSpc>
-            </a:pPr>
-            <a:r>
-              <a:rPr lang="ko-KR" altLang="en-US" sz="1200" b="1" dirty="0" smtClean="0">
-                <a:solidFill>
-                  <a:schemeClr val="tx1"/>
-                </a:solidFill>
-              </a:rPr>
-              <a:t>▶ </a:t>
-            </a:r>
-            <a:r>
-              <a:rPr lang="en-US" altLang="ko-KR" sz="1200" b="1" dirty="0" smtClean="0">
-                <a:solidFill>
-                  <a:schemeClr val="tx1"/>
-                </a:solidFill>
-              </a:rPr>
-              <a:t>static</a:t>
-            </a:r>
-            <a:r>
-              <a:rPr lang="ko-KR" altLang="en-US" sz="1200" b="1" dirty="0" smtClean="0">
-                <a:solidFill>
-                  <a:schemeClr val="tx1"/>
-                </a:solidFill>
-              </a:rPr>
-              <a:t>으로 선언하면 객체를 생성하지 않아도 즉시 사용할 수 있다</a:t>
-            </a:r>
-            <a:r>
-              <a:rPr lang="en-US" altLang="ko-KR" sz="1200" b="1" dirty="0" smtClean="0">
-                <a:solidFill>
-                  <a:schemeClr val="tx1"/>
-                </a:solidFill>
-              </a:rPr>
-              <a:t>.</a:t>
-            </a:r>
-          </a:p>
-          <a:p>
-            <a:pPr>
-              <a:lnSpc>
-                <a:spcPts val="2500"/>
-              </a:lnSpc>
-            </a:pPr>
-            <a:r>
-              <a:rPr lang="ko-KR" altLang="en-US" sz="1200" b="1" dirty="0" smtClean="0">
-                <a:solidFill>
-                  <a:schemeClr val="tx1"/>
-                </a:solidFill>
-              </a:rPr>
-              <a:t>▶ </a:t>
-            </a:r>
-            <a:r>
-              <a:rPr lang="en-US" altLang="ko-KR" sz="1200" b="1" dirty="0" smtClean="0">
-                <a:solidFill>
-                  <a:schemeClr val="tx1"/>
-                </a:solidFill>
-              </a:rPr>
-              <a:t>main()</a:t>
-            </a:r>
-            <a:r>
-              <a:rPr lang="ko-KR" altLang="en-US" sz="1200" b="1" dirty="0" smtClean="0">
-                <a:solidFill>
-                  <a:schemeClr val="tx1"/>
-                </a:solidFill>
-              </a:rPr>
-              <a:t>은 반환형이 </a:t>
-            </a:r>
-            <a:r>
-              <a:rPr lang="en-US" altLang="ko-KR" sz="1200" b="1" dirty="0" smtClean="0">
-                <a:solidFill>
-                  <a:schemeClr val="tx1"/>
-                </a:solidFill>
-              </a:rPr>
-              <a:t>void</a:t>
-            </a:r>
-            <a:r>
-              <a:rPr lang="ko-KR" altLang="en-US" sz="1200" b="1" dirty="0" smtClean="0">
-                <a:solidFill>
-                  <a:schemeClr val="tx1"/>
-                </a:solidFill>
-              </a:rPr>
-              <a:t>이다</a:t>
-            </a:r>
-            <a:r>
-              <a:rPr lang="en-US" altLang="ko-KR" sz="1200" b="1" dirty="0" smtClean="0">
-                <a:solidFill>
-                  <a:schemeClr val="tx1"/>
-                </a:solidFill>
-              </a:rPr>
-              <a:t>. </a:t>
-            </a:r>
-            <a:r>
-              <a:rPr lang="ko-KR" altLang="en-US" sz="1200" b="1" dirty="0" smtClean="0">
-                <a:solidFill>
-                  <a:schemeClr val="tx1"/>
-                </a:solidFill>
-              </a:rPr>
-              <a:t>즉 </a:t>
-            </a:r>
-            <a:r>
-              <a:rPr lang="en-US" altLang="ko-KR" sz="1200" b="1" dirty="0" smtClean="0">
-                <a:solidFill>
-                  <a:schemeClr val="tx1"/>
-                </a:solidFill>
-              </a:rPr>
-              <a:t>main() </a:t>
-            </a:r>
-            <a:r>
-              <a:rPr lang="ko-KR" altLang="en-US" sz="1200" b="1" dirty="0" err="1" smtClean="0">
-                <a:solidFill>
-                  <a:schemeClr val="tx1"/>
-                </a:solidFill>
-              </a:rPr>
-              <a:t>메소드는</a:t>
-            </a:r>
-            <a:r>
-              <a:rPr lang="ko-KR" altLang="en-US" sz="1200" b="1" dirty="0" smtClean="0">
-                <a:solidFill>
-                  <a:schemeClr val="tx1"/>
-                </a:solidFill>
-              </a:rPr>
-              <a:t> 값을 반환하지 않는다</a:t>
-            </a:r>
-            <a:r>
-              <a:rPr lang="en-US" altLang="ko-KR" sz="1200" b="1" dirty="0" smtClean="0">
-                <a:solidFill>
-                  <a:schemeClr val="tx1"/>
-                </a:solidFill>
-              </a:rPr>
-              <a:t>.</a:t>
-            </a:r>
-          </a:p>
-          <a:p>
-            <a:pPr>
-              <a:lnSpc>
-                <a:spcPts val="2500"/>
-              </a:lnSpc>
-            </a:pPr>
-            <a:r>
-              <a:rPr lang="ko-KR" altLang="en-US" sz="1200" b="1" dirty="0" smtClean="0">
-                <a:solidFill>
-                  <a:schemeClr val="tx1"/>
-                </a:solidFill>
-              </a:rPr>
-              <a:t>▶ 자바 프로그램 실행 시 전달 인수는 </a:t>
-            </a:r>
-            <a:r>
-              <a:rPr lang="en-US" altLang="ko-KR" sz="1200" b="1" dirty="0" smtClean="0">
-                <a:solidFill>
-                  <a:schemeClr val="tx1"/>
-                </a:solidFill>
-              </a:rPr>
-              <a:t>String </a:t>
-            </a:r>
-            <a:r>
-              <a:rPr lang="ko-KR" altLang="en-US" sz="1200" b="1" dirty="0" smtClean="0">
-                <a:solidFill>
-                  <a:schemeClr val="tx1"/>
-                </a:solidFill>
-              </a:rPr>
-              <a:t>타입의 배열 </a:t>
-            </a:r>
-            <a:r>
-              <a:rPr lang="en-US" altLang="ko-KR" sz="1200" b="1" dirty="0" err="1" smtClean="0">
-                <a:solidFill>
-                  <a:schemeClr val="tx1"/>
-                </a:solidFill>
-              </a:rPr>
-              <a:t>args</a:t>
-            </a:r>
-            <a:r>
-              <a:rPr lang="ko-KR" altLang="en-US" sz="1200" b="1" dirty="0" smtClean="0">
-                <a:solidFill>
-                  <a:schemeClr val="tx1"/>
-                </a:solidFill>
-              </a:rPr>
-              <a:t>에 저장된다</a:t>
-            </a:r>
-            <a:r>
-              <a:rPr lang="en-US" altLang="ko-KR" sz="1200" b="1" dirty="0" smtClean="0">
-                <a:solidFill>
-                  <a:schemeClr val="tx1"/>
-                </a:solidFill>
-              </a:rPr>
-              <a:t>.</a:t>
-            </a:r>
-            <a:endParaRPr lang="ko-KR" altLang="en-US" sz="1200" b="1" dirty="0">
-              <a:solidFill>
-                <a:schemeClr val="tx1"/>
-              </a:solidFill>
-            </a:endParaRPr>
-          </a:p>
-        </p:txBody>
-      </p:sp>
-      <p:sp>
-        <p:nvSpPr>
-          <p:cNvPr id="28" name="순서도: 처리 27"/>
-          <p:cNvSpPr/>
-          <p:nvPr/>
-        </p:nvSpPr>
-        <p:spPr>
-          <a:xfrm>
-            <a:off x="1043608" y="3645024"/>
-            <a:ext cx="936104" cy="336244"/>
-          </a:xfrm>
-          <a:prstGeom prst="flowChartProcess">
-            <a:avLst/>
-          </a:prstGeom>
-          <a:noFill/>
-          <a:ln>
-            <a:noFill/>
-          </a:ln>
-        </p:spPr>
-        <p:style>
-          <a:lnRef idx="1">
-            <a:schemeClr val="accent3"/>
-          </a:lnRef>
-          <a:fillRef idx="2">
-            <a:schemeClr val="accent3"/>
-          </a:fillRef>
-          <a:effectRef idx="1">
-            <a:schemeClr val="accent3"/>
-          </a:effectRef>
-          <a:fontRef idx="minor">
-            <a:schemeClr val="dk1"/>
-          </a:fontRef>
-        </p:style>
-        <p:txBody>
-          <a:bodyPr tIns="72000" rtlCol="0" anchor="ctr"/>
-          <a:lstStyle/>
-          <a:p>
-            <a:pPr>
-              <a:lnSpc>
-                <a:spcPts val="2500"/>
-              </a:lnSpc>
-            </a:pPr>
-            <a:r>
-              <a:rPr lang="en-US" altLang="ko-KR" sz="1600" b="1" dirty="0" smtClean="0">
-                <a:solidFill>
-                  <a:schemeClr val="tx1"/>
-                </a:solidFill>
-              </a:rPr>
-              <a:t>&lt;</a:t>
-            </a:r>
-            <a:r>
-              <a:rPr lang="ko-KR" altLang="en-US" sz="1600" b="1" dirty="0" smtClean="0">
-                <a:solidFill>
-                  <a:schemeClr val="tx1"/>
-                </a:solidFill>
-              </a:rPr>
-              <a:t>해설</a:t>
-            </a:r>
-            <a:r>
-              <a:rPr lang="en-US" altLang="ko-KR" sz="1600" b="1" dirty="0" smtClean="0">
-                <a:solidFill>
-                  <a:schemeClr val="tx1"/>
-                </a:solidFill>
-              </a:rPr>
-              <a:t>&gt;</a:t>
-            </a:r>
-            <a:endParaRPr lang="ko-KR" altLang="en-US" sz="1600" b="1" dirty="0">
-              <a:solidFill>
-                <a:schemeClr val="tx1"/>
-              </a:solidFill>
-            </a:endParaRPr>
-          </a:p>
-        </p:txBody>
-      </p:sp>
-    </p:spTree>
-    <p:extLst>
-      <p:ext uri="{BB962C8B-B14F-4D97-AF65-F5344CB8AC3E}">
-        <p14:creationId xmlns:p14="http://schemas.microsoft.com/office/powerpoint/2010/main" val="926030573"/>
-      </p:ext>
-    </p:extLst>
-  </p:cSld>
-  <p:clrMapOvr>
-    <a:masterClrMapping/>
-  </p:clrMapOvr>
-  <p:timing>
-    <p:tnLst>
-      <p:par>
-        <p:cTn id="1" dur="indefinite" restart="never" nodeType="tmRoot"/>
-      </p:par>
-    </p:tnLst>
-  </p:timing>
-</p:sld>
-</file>
-
-<file path=ppt/slides/slide6.xml><?xml version="1.0" encoding="utf-8"?>
 <p:sld xmlns:a="http://schemas.openxmlformats.org/drawingml/2006/main" xmlns:r="http://schemas.openxmlformats.org/officeDocument/2006/relationships" xmlns:p="http://schemas.openxmlformats.org/presentationml/2006/main">
   <p:cSld>
     <p:spTree>
@@ -10444,7 +8201,7 @@
             <a:fld id="{77B71057-D4FF-4ED0-970E-E0EF26DA9503}" type="slidenum">
               <a:rPr lang="ko-KR" altLang="en-US" smtClean="0"/>
               <a:pPr/>
-              <a:t>6</a:t>
+              <a:t>5</a:t>
             </a:fld>
             <a:endParaRPr lang="ko-KR" altLang="en-US"/>
           </a:p>
@@ -11383,6 +9140,477 @@
     <p:extLst>
       <p:ext uri="{BB962C8B-B14F-4D97-AF65-F5344CB8AC3E}">
         <p14:creationId xmlns:p14="http://schemas.microsoft.com/office/powerpoint/2010/main" val="1324761757"/>
+      </p:ext>
+    </p:extLst>
+  </p:cSld>
+  <p:clrMapOvr>
+    <a:masterClrMapping/>
+  </p:clrMapOvr>
+  <p:timing>
+    <p:tnLst>
+      <p:par>
+        <p:cTn id="1" dur="indefinite" restart="never" nodeType="tmRoot"/>
+      </p:par>
+    </p:tnLst>
+  </p:timing>
+</p:sld>
+</file>
+
+<file path=ppt/slides/slide6.xml><?xml version="1.0" encoding="utf-8"?>
+<p:sld xmlns:a="http://schemas.openxmlformats.org/drawingml/2006/main" xmlns:r="http://schemas.openxmlformats.org/officeDocument/2006/relationships" xmlns:p="http://schemas.openxmlformats.org/presentationml/2006/main">
+  <p:cSld>
+    <p:spTree>
+      <p:nvGrpSpPr>
+        <p:cNvPr id="1" name=""/>
+        <p:cNvGrpSpPr/>
+        <p:nvPr/>
+      </p:nvGrpSpPr>
+      <p:grpSpPr>
+        <a:xfrm>
+          <a:off x="0" y="0"/>
+          <a:ext cx="0" cy="0"/>
+          <a:chOff x="0" y="0"/>
+          <a:chExt cx="0" cy="0"/>
+        </a:xfrm>
+      </p:grpSpPr>
+      <p:sp>
+        <p:nvSpPr>
+          <p:cNvPr id="2" name="슬라이드 번호 개체 틀 1"/>
+          <p:cNvSpPr>
+            <a:spLocks noGrp="1"/>
+          </p:cNvSpPr>
+          <p:nvPr>
+            <p:ph type="sldNum" sz="quarter" idx="12"/>
+          </p:nvPr>
+        </p:nvSpPr>
+        <p:spPr/>
+        <p:txBody>
+          <a:bodyPr/>
+          <a:lstStyle/>
+          <a:p>
+            <a:fld id="{77B71057-D4FF-4ED0-970E-E0EF26DA9503}" type="slidenum">
+              <a:rPr lang="ko-KR" altLang="en-US" smtClean="0"/>
+              <a:pPr/>
+              <a:t>6</a:t>
+            </a:fld>
+            <a:endParaRPr lang="ko-KR" altLang="en-US"/>
+          </a:p>
+        </p:txBody>
+      </p:sp>
+      <p:sp>
+        <p:nvSpPr>
+          <p:cNvPr id="3" name="Rectangle 2"/>
+          <p:cNvSpPr>
+            <a:spLocks noChangeArrowheads="1"/>
+          </p:cNvSpPr>
+          <p:nvPr/>
+        </p:nvSpPr>
+        <p:spPr bwMode="auto">
+          <a:xfrm>
+            <a:off x="0" y="0"/>
+            <a:ext cx="9144000" cy="457200"/>
+          </a:xfrm>
+          <a:prstGeom prst="rect">
+            <a:avLst/>
+          </a:prstGeom>
+          <a:noFill/>
+          <a:ln>
+            <a:noFill/>
+          </a:ln>
+          <a:effectLst/>
+          <a:extLst>
+            <a:ext uri="{909E8E84-426E-40DD-AFC4-6F175D3DCCD1}">
+              <a14:hiddenFill xmlns:a14="http://schemas.microsoft.com/office/drawing/2010/main">
+                <a:solidFill>
+                  <a:schemeClr val="accent1"/>
+                </a:solidFill>
+              </a14:hiddenFill>
+            </a:ext>
+            <a:ext uri="{91240B29-F687-4F45-9708-019B960494DF}">
+              <a14:hiddenLine xmlns:a14="http://schemas.microsoft.com/office/drawing/2010/main" w="9525">
+                <a:solidFill>
+                  <a:schemeClr val="tx1"/>
+                </a:solidFill>
+                <a:miter lim="800000"/>
+                <a:headEnd/>
+                <a:tailEnd/>
+              </a14:hiddenLine>
+            </a:ext>
+            <a:ext uri="{AF507438-7753-43E0-B8FC-AC1667EBCBE1}">
+              <a14:hiddenEffects xmlns:a14="http://schemas.microsoft.com/office/drawing/2010/main">
+                <a:effectLst>
+                  <a:outerShdw dist="35921" dir="2700000" algn="ctr" rotWithShape="0">
+                    <a:schemeClr val="bg2"/>
+                  </a:outerShdw>
+                </a:effectLst>
+              </a14:hiddenEffects>
+            </a:ext>
+          </a:extLst>
+        </p:spPr>
+        <p:txBody>
+          <a:bodyPr vert="horz" wrap="none" lIns="91440" tIns="45720" rIns="91440" bIns="45720" numCol="1" anchor="ctr" anchorCtr="0" compatLnSpc="1">
+            <a:prstTxWarp prst="textNoShape">
+              <a:avLst/>
+            </a:prstTxWarp>
+            <a:spAutoFit/>
+          </a:bodyPr>
+          <a:lstStyle/>
+          <a:p>
+            <a:endParaRPr lang="ko-KR" altLang="en-US"/>
+          </a:p>
+        </p:txBody>
+      </p:sp>
+      <p:pic>
+        <p:nvPicPr>
+          <p:cNvPr id="1026" name="Picture 2"/>
+          <p:cNvPicPr>
+            <a:picLocks noChangeAspect="1" noChangeArrowheads="1"/>
+          </p:cNvPicPr>
+          <p:nvPr/>
+        </p:nvPicPr>
+        <p:blipFill>
+          <a:blip r:embed="rId3" cstate="print">
+            <a:extLst>
+              <a:ext uri="{28A0092B-C50C-407E-A947-70E740481C1C}">
+                <a14:useLocalDpi xmlns:a14="http://schemas.microsoft.com/office/drawing/2010/main" val="0"/>
+              </a:ext>
+            </a:extLst>
+          </a:blip>
+          <a:srcRect/>
+          <a:stretch>
+            <a:fillRect/>
+          </a:stretch>
+        </p:blipFill>
+        <p:spPr bwMode="auto">
+          <a:xfrm>
+            <a:off x="683568" y="764703"/>
+            <a:ext cx="3672408" cy="2344751"/>
+          </a:xfrm>
+          <a:prstGeom prst="rect">
+            <a:avLst/>
+          </a:prstGeom>
+          <a:noFill/>
+          <a:ln>
+            <a:noFill/>
+          </a:ln>
+          <a:extLst>
+            <a:ext uri="{909E8E84-426E-40DD-AFC4-6F175D3DCCD1}">
+              <a14:hiddenFill xmlns:a14="http://schemas.microsoft.com/office/drawing/2010/main">
+                <a:solidFill>
+                  <a:schemeClr val="accent1"/>
+                </a:solidFill>
+              </a14:hiddenFill>
+            </a:ext>
+            <a:ext uri="{91240B29-F687-4F45-9708-019B960494DF}">
+              <a14:hiddenLine xmlns:a14="http://schemas.microsoft.com/office/drawing/2010/main" w="9525">
+                <a:solidFill>
+                  <a:schemeClr val="tx1"/>
+                </a:solidFill>
+                <a:miter lim="800000"/>
+                <a:headEnd/>
+                <a:tailEnd/>
+              </a14:hiddenLine>
+            </a:ext>
+          </a:extLst>
+        </p:spPr>
+      </p:pic>
+      <p:pic>
+        <p:nvPicPr>
+          <p:cNvPr id="1027" name="Picture 3"/>
+          <p:cNvPicPr>
+            <a:picLocks noChangeAspect="1" noChangeArrowheads="1"/>
+          </p:cNvPicPr>
+          <p:nvPr/>
+        </p:nvPicPr>
+        <p:blipFill>
+          <a:blip r:embed="rId4" cstate="print">
+            <a:extLst>
+              <a:ext uri="{28A0092B-C50C-407E-A947-70E740481C1C}">
+                <a14:useLocalDpi xmlns:a14="http://schemas.microsoft.com/office/drawing/2010/main" val="0"/>
+              </a:ext>
+            </a:extLst>
+          </a:blip>
+          <a:srcRect/>
+          <a:stretch>
+            <a:fillRect/>
+          </a:stretch>
+        </p:blipFill>
+        <p:spPr bwMode="auto">
+          <a:xfrm>
+            <a:off x="4644008" y="3429000"/>
+            <a:ext cx="3672408" cy="2756333"/>
+          </a:xfrm>
+          <a:prstGeom prst="rect">
+            <a:avLst/>
+          </a:prstGeom>
+          <a:noFill/>
+          <a:ln>
+            <a:noFill/>
+          </a:ln>
+          <a:extLst>
+            <a:ext uri="{909E8E84-426E-40DD-AFC4-6F175D3DCCD1}">
+              <a14:hiddenFill xmlns:a14="http://schemas.microsoft.com/office/drawing/2010/main">
+                <a:solidFill>
+                  <a:schemeClr val="accent1"/>
+                </a:solidFill>
+              </a14:hiddenFill>
+            </a:ext>
+            <a:ext uri="{91240B29-F687-4F45-9708-019B960494DF}">
+              <a14:hiddenLine xmlns:a14="http://schemas.microsoft.com/office/drawing/2010/main" w="9525">
+                <a:solidFill>
+                  <a:schemeClr val="tx1"/>
+                </a:solidFill>
+                <a:miter lim="800000"/>
+                <a:headEnd/>
+                <a:tailEnd/>
+              </a14:hiddenLine>
+            </a:ext>
+          </a:extLst>
+        </p:spPr>
+      </p:pic>
+      <p:sp>
+        <p:nvSpPr>
+          <p:cNvPr id="5" name="직사각형 4"/>
+          <p:cNvSpPr/>
+          <p:nvPr/>
+        </p:nvSpPr>
+        <p:spPr>
+          <a:xfrm>
+            <a:off x="1763688" y="3135189"/>
+            <a:ext cx="1144865" cy="307777"/>
+          </a:xfrm>
+          <a:prstGeom prst="rect">
+            <a:avLst/>
+          </a:prstGeom>
+        </p:spPr>
+        <p:txBody>
+          <a:bodyPr wrap="none">
+            <a:spAutoFit/>
+          </a:bodyPr>
+          <a:lstStyle/>
+          <a:p>
+            <a:r>
+              <a:rPr lang="ko-KR" altLang="en-US" sz="1400" b="1" dirty="0"/>
+              <a:t>템플릿 문서</a:t>
+            </a:r>
+            <a:endParaRPr lang="ko-KR" altLang="en-US" sz="1400" dirty="0"/>
+          </a:p>
+        </p:txBody>
+      </p:sp>
+      <p:sp>
+        <p:nvSpPr>
+          <p:cNvPr id="9" name="직사각형 8"/>
+          <p:cNvSpPr/>
+          <p:nvPr/>
+        </p:nvSpPr>
+        <p:spPr>
+          <a:xfrm>
+            <a:off x="5868144" y="6185333"/>
+            <a:ext cx="1324402" cy="307777"/>
+          </a:xfrm>
+          <a:prstGeom prst="rect">
+            <a:avLst/>
+          </a:prstGeom>
+        </p:spPr>
+        <p:txBody>
+          <a:bodyPr wrap="none">
+            <a:spAutoFit/>
+          </a:bodyPr>
+          <a:lstStyle/>
+          <a:p>
+            <a:r>
+              <a:rPr lang="ko-KR" altLang="en-US" sz="1400" b="1" dirty="0" smtClean="0"/>
+              <a:t>실제 발표자료</a:t>
+            </a:r>
+            <a:endParaRPr lang="ko-KR" altLang="en-US" sz="1400" dirty="0"/>
+          </a:p>
+        </p:txBody>
+      </p:sp>
+      <p:sp>
+        <p:nvSpPr>
+          <p:cNvPr id="6" name="왼쪽으로 구부러진 화살표 5"/>
+          <p:cNvSpPr/>
+          <p:nvPr/>
+        </p:nvSpPr>
+        <p:spPr>
+          <a:xfrm rot="18384024">
+            <a:off x="4781061" y="2269902"/>
+            <a:ext cx="403344" cy="1186999"/>
+          </a:xfrm>
+          <a:prstGeom prst="curvedLeftArrow">
+            <a:avLst/>
+          </a:prstGeom>
+          <a:ln w="19050">
+            <a:solidFill>
+              <a:schemeClr val="bg1">
+                <a:lumMod val="50000"/>
+              </a:schemeClr>
+            </a:solidFill>
+          </a:ln>
+        </p:spPr>
+        <p:style>
+          <a:lnRef idx="2">
+            <a:schemeClr val="accent1"/>
+          </a:lnRef>
+          <a:fillRef idx="1">
+            <a:schemeClr val="lt1"/>
+          </a:fillRef>
+          <a:effectRef idx="0">
+            <a:schemeClr val="accent1"/>
+          </a:effectRef>
+          <a:fontRef idx="minor">
+            <a:schemeClr val="dk1"/>
+          </a:fontRef>
+        </p:style>
+        <p:txBody>
+          <a:bodyPr rtlCol="0" anchor="ctr"/>
+          <a:lstStyle/>
+          <a:p>
+            <a:pPr algn="ctr"/>
+            <a:endParaRPr lang="ko-KR" altLang="en-US" dirty="0">
+              <a:solidFill>
+                <a:schemeClr val="tx1"/>
+              </a:solidFill>
+            </a:endParaRPr>
+          </a:p>
+        </p:txBody>
+      </p:sp>
+      <p:sp>
+        <p:nvSpPr>
+          <p:cNvPr id="11" name="순서도: 처리 10"/>
+          <p:cNvSpPr/>
+          <p:nvPr/>
+        </p:nvSpPr>
+        <p:spPr>
+          <a:xfrm>
+            <a:off x="1735225" y="358035"/>
+            <a:ext cx="1512168" cy="360040"/>
+          </a:xfrm>
+          <a:prstGeom prst="flowChartProcess">
+            <a:avLst/>
+          </a:prstGeom>
+          <a:noFill/>
+          <a:ln>
+            <a:noFill/>
+          </a:ln>
+        </p:spPr>
+        <p:style>
+          <a:lnRef idx="1">
+            <a:schemeClr val="accent1"/>
+          </a:lnRef>
+          <a:fillRef idx="2">
+            <a:schemeClr val="accent1"/>
+          </a:fillRef>
+          <a:effectRef idx="1">
+            <a:schemeClr val="accent1"/>
+          </a:effectRef>
+          <a:fontRef idx="minor">
+            <a:schemeClr val="dk1"/>
+          </a:fontRef>
+        </p:style>
+        <p:txBody>
+          <a:bodyPr tIns="72000" rtlCol="0" anchor="ctr"/>
+          <a:lstStyle/>
+          <a:p>
+            <a:pPr algn="ctr">
+              <a:lnSpc>
+                <a:spcPts val="2500"/>
+              </a:lnSpc>
+            </a:pPr>
+            <a:r>
+              <a:rPr lang="ko-KR" altLang="en-US" sz="1400" b="1" dirty="0" smtClean="0">
+                <a:solidFill>
+                  <a:srgbClr val="FF0000"/>
+                </a:solidFill>
+              </a:rPr>
+              <a:t>클래스</a:t>
+            </a:r>
+            <a:r>
+              <a:rPr lang="en-US" altLang="ko-KR" sz="1400" b="1" dirty="0" smtClean="0">
+                <a:solidFill>
+                  <a:srgbClr val="FF0000"/>
+                </a:solidFill>
+              </a:rPr>
+              <a:t>(class)</a:t>
+            </a:r>
+            <a:endParaRPr lang="en-US" altLang="ko-KR" sz="1400" b="1" dirty="0">
+              <a:solidFill>
+                <a:srgbClr val="FF0000"/>
+              </a:solidFill>
+            </a:endParaRPr>
+          </a:p>
+        </p:txBody>
+      </p:sp>
+      <p:sp>
+        <p:nvSpPr>
+          <p:cNvPr id="12" name="순서도: 처리 11"/>
+          <p:cNvSpPr/>
+          <p:nvPr/>
+        </p:nvSpPr>
+        <p:spPr>
+          <a:xfrm>
+            <a:off x="5796136" y="3068960"/>
+            <a:ext cx="1512168" cy="360040"/>
+          </a:xfrm>
+          <a:prstGeom prst="flowChartProcess">
+            <a:avLst/>
+          </a:prstGeom>
+          <a:noFill/>
+          <a:ln>
+            <a:noFill/>
+          </a:ln>
+        </p:spPr>
+        <p:style>
+          <a:lnRef idx="1">
+            <a:schemeClr val="accent1"/>
+          </a:lnRef>
+          <a:fillRef idx="2">
+            <a:schemeClr val="accent1"/>
+          </a:fillRef>
+          <a:effectRef idx="1">
+            <a:schemeClr val="accent1"/>
+          </a:effectRef>
+          <a:fontRef idx="minor">
+            <a:schemeClr val="dk1"/>
+          </a:fontRef>
+        </p:style>
+        <p:txBody>
+          <a:bodyPr tIns="72000" rtlCol="0" anchor="ctr"/>
+          <a:lstStyle/>
+          <a:p>
+            <a:pPr algn="ctr">
+              <a:lnSpc>
+                <a:spcPts val="2500"/>
+              </a:lnSpc>
+            </a:pPr>
+            <a:r>
+              <a:rPr lang="ko-KR" altLang="en-US" sz="1400" b="1" dirty="0" smtClean="0">
+                <a:solidFill>
+                  <a:srgbClr val="FF0000"/>
+                </a:solidFill>
+              </a:rPr>
+              <a:t>객체</a:t>
+            </a:r>
+            <a:r>
+              <a:rPr lang="en-US" altLang="ko-KR" sz="1400" b="1" dirty="0" smtClean="0">
+                <a:solidFill>
+                  <a:srgbClr val="FF0000"/>
+                </a:solidFill>
+              </a:rPr>
+              <a:t>(object)</a:t>
+            </a:r>
+            <a:endParaRPr lang="en-US" altLang="ko-KR" sz="1400" b="1" dirty="0">
+              <a:solidFill>
+                <a:srgbClr val="FF0000"/>
+              </a:solidFill>
+            </a:endParaRPr>
+          </a:p>
+        </p:txBody>
+      </p:sp>
+    </p:spTree>
+    <p:extLst>
+      <p:ext uri="{BB962C8B-B14F-4D97-AF65-F5344CB8AC3E}">
+        <p14:creationId xmlns:p14="http://schemas.microsoft.com/office/powerpoint/2010/main" val="137848835"/>
       </p:ext>
     </p:extLst>
   </p:cSld>
@@ -11639,637 +9867,71 @@
       </p:sp>
       <p:sp>
         <p:nvSpPr>
-          <p:cNvPr id="10" name="순서도: 처리 9"/>
-          <p:cNvSpPr/>
+          <p:cNvPr id="3" name="Rectangle 2"/>
+          <p:cNvSpPr>
+            <a:spLocks noChangeArrowheads="1"/>
+          </p:cNvSpPr>
           <p:nvPr/>
         </p:nvSpPr>
-        <p:spPr>
+        <p:spPr bwMode="auto">
           <a:xfrm>
-            <a:off x="539552" y="398215"/>
-            <a:ext cx="3655509" cy="510505"/>
+            <a:off x="0" y="0"/>
+            <a:ext cx="9144000" cy="457200"/>
           </a:xfrm>
-          <a:prstGeom prst="flowChartProcess">
-            <a:avLst/>
-          </a:prstGeom>
-          <a:ln/>
-        </p:spPr>
-        <p:style>
-          <a:lnRef idx="1">
-            <a:schemeClr val="dk1"/>
-          </a:lnRef>
-          <a:fillRef idx="2">
-            <a:schemeClr val="dk1"/>
-          </a:fillRef>
-          <a:effectRef idx="1">
-            <a:schemeClr val="dk1"/>
-          </a:effectRef>
-          <a:fontRef idx="minor">
-            <a:schemeClr val="dk1"/>
-          </a:fontRef>
-        </p:style>
-        <p:txBody>
-          <a:bodyPr tIns="72000" rtlCol="0" anchor="ctr"/>
-          <a:lstStyle/>
-          <a:p>
-            <a:pPr algn="ctr"/>
-            <a:r>
-              <a:rPr lang="ko-KR" altLang="en-US" sz="2400" b="1" dirty="0" smtClean="0"/>
-              <a:t>자바 언어의 특징</a:t>
-            </a:r>
-            <a:endParaRPr lang="ko-KR" altLang="en-US" sz="2400" b="1" dirty="0"/>
-          </a:p>
-        </p:txBody>
-      </p:sp>
-      <p:sp>
-        <p:nvSpPr>
-          <p:cNvPr id="12" name="순서도: 처리 11"/>
-          <p:cNvSpPr/>
-          <p:nvPr/>
-        </p:nvSpPr>
-        <p:spPr>
-          <a:xfrm>
-            <a:off x="700074" y="1124744"/>
-            <a:ext cx="7986726" cy="5101333"/>
-          </a:xfrm>
-          <a:prstGeom prst="flowChartProcess">
+          <a:prstGeom prst="rect">
             <a:avLst/>
           </a:prstGeom>
           <a:noFill/>
           <a:ln>
             <a:noFill/>
           </a:ln>
+          <a:effectLst/>
+          <a:extLst>
+            <a:ext uri="{909E8E84-426E-40DD-AFC4-6F175D3DCCD1}">
+              <a14:hiddenFill xmlns:a14="http://schemas.microsoft.com/office/drawing/2010/main">
+                <a:solidFill>
+                  <a:schemeClr val="accent1"/>
+                </a:solidFill>
+              </a14:hiddenFill>
+            </a:ext>
+            <a:ext uri="{91240B29-F687-4F45-9708-019B960494DF}">
+              <a14:hiddenLine xmlns:a14="http://schemas.microsoft.com/office/drawing/2010/main" w="9525">
+                <a:solidFill>
+                  <a:schemeClr val="tx1"/>
+                </a:solidFill>
+                <a:miter lim="800000"/>
+                <a:headEnd/>
+                <a:tailEnd/>
+              </a14:hiddenLine>
+            </a:ext>
+            <a:ext uri="{AF507438-7753-43E0-B8FC-AC1667EBCBE1}">
+              <a14:hiddenEffects xmlns:a14="http://schemas.microsoft.com/office/drawing/2010/main">
+                <a:effectLst>
+                  <a:outerShdw dist="35921" dir="2700000" algn="ctr" rotWithShape="0">
+                    <a:schemeClr val="bg2"/>
+                  </a:outerShdw>
+                </a:effectLst>
+              </a14:hiddenEffects>
+            </a:ext>
+          </a:extLst>
         </p:spPr>
-        <p:style>
-          <a:lnRef idx="2">
-            <a:schemeClr val="dk1"/>
-          </a:lnRef>
-          <a:fillRef idx="1">
-            <a:schemeClr val="lt1"/>
-          </a:fillRef>
-          <a:effectRef idx="0">
-            <a:schemeClr val="dk1"/>
-          </a:effectRef>
-          <a:fontRef idx="minor">
-            <a:schemeClr val="dk1"/>
-          </a:fontRef>
-        </p:style>
-        <p:txBody>
-          <a:bodyPr tIns="72000" rtlCol="0" anchor="ctr"/>
+        <p:txBody>
+          <a:bodyPr vert="horz" wrap="none" lIns="91440" tIns="45720" rIns="91440" bIns="45720" numCol="1" anchor="ctr" anchorCtr="0" compatLnSpc="1">
+            <a:prstTxWarp prst="textNoShape">
+              <a:avLst/>
+            </a:prstTxWarp>
+            <a:spAutoFit/>
+          </a:bodyPr>
           <a:lstStyle/>
           <a:p>
-            <a:r>
-              <a:rPr lang="en-US" altLang="ko-KR" sz="1700" b="1" dirty="0" smtClean="0">
-                <a:solidFill>
-                  <a:schemeClr val="tx1"/>
-                </a:solidFill>
-              </a:rPr>
-              <a:t>[1] </a:t>
-            </a:r>
-            <a:r>
-              <a:rPr lang="ko-KR" altLang="en-US" sz="1700" b="1" dirty="0" smtClean="0">
-                <a:solidFill>
-                  <a:schemeClr val="tx1"/>
-                </a:solidFill>
-              </a:rPr>
-              <a:t>단순함</a:t>
-            </a:r>
-            <a:r>
-              <a:rPr lang="en-US" altLang="ko-KR" sz="1700" b="1" dirty="0" smtClean="0">
-                <a:solidFill>
-                  <a:schemeClr val="tx1"/>
-                </a:solidFill>
-              </a:rPr>
-              <a:t>: C++ </a:t>
-            </a:r>
-            <a:r>
-              <a:rPr lang="ko-KR" altLang="en-US" sz="1700" b="1" dirty="0" smtClean="0">
-                <a:solidFill>
-                  <a:schemeClr val="tx1"/>
-                </a:solidFill>
-              </a:rPr>
-              <a:t>언어의 복잡성을 단순화시켰다</a:t>
-            </a:r>
-            <a:r>
-              <a:rPr lang="en-US" altLang="ko-KR" sz="1700" b="1" dirty="0" smtClean="0">
-                <a:solidFill>
-                  <a:schemeClr val="tx1"/>
-                </a:solidFill>
-              </a:rPr>
-              <a:t>.</a:t>
-            </a:r>
-          </a:p>
-          <a:p>
-            <a:endParaRPr lang="en-US" altLang="ko-KR" sz="1700" b="1" dirty="0" smtClean="0">
-              <a:solidFill>
-                <a:schemeClr val="tx1"/>
-              </a:solidFill>
-            </a:endParaRPr>
-          </a:p>
-          <a:p>
-            <a:r>
-              <a:rPr lang="en-US" altLang="ko-KR" sz="1700" b="1" dirty="0" smtClean="0">
-                <a:solidFill>
-                  <a:schemeClr val="tx1"/>
-                </a:solidFill>
-              </a:rPr>
-              <a:t>[2] </a:t>
-            </a:r>
-            <a:r>
-              <a:rPr lang="ko-KR" altLang="en-US" sz="1700" b="1" dirty="0" err="1" smtClean="0">
-                <a:solidFill>
-                  <a:schemeClr val="tx1"/>
-                </a:solidFill>
-              </a:rPr>
-              <a:t>이식성이</a:t>
-            </a:r>
-            <a:r>
-              <a:rPr lang="ko-KR" altLang="en-US" sz="1700" b="1" dirty="0" smtClean="0">
-                <a:solidFill>
-                  <a:schemeClr val="tx1"/>
-                </a:solidFill>
-              </a:rPr>
-              <a:t> 높음</a:t>
-            </a:r>
-            <a:r>
-              <a:rPr lang="en-US" altLang="ko-KR" sz="1700" b="1" dirty="0" smtClean="0">
-                <a:solidFill>
-                  <a:schemeClr val="tx1"/>
-                </a:solidFill>
-              </a:rPr>
-              <a:t>: Portable, WORA(Write Once, Run Anywhere)</a:t>
-            </a:r>
-          </a:p>
-          <a:p>
-            <a:endParaRPr lang="en-US" altLang="ko-KR" sz="1700" b="1" dirty="0" smtClean="0">
-              <a:solidFill>
-                <a:schemeClr val="tx1"/>
-              </a:solidFill>
-            </a:endParaRPr>
-          </a:p>
-          <a:p>
-            <a:r>
-              <a:rPr lang="en-US" altLang="ko-KR" sz="1700" b="1" dirty="0" smtClean="0">
-                <a:solidFill>
-                  <a:schemeClr val="tx1"/>
-                </a:solidFill>
-              </a:rPr>
-              <a:t>[3] </a:t>
-            </a:r>
-            <a:r>
-              <a:rPr lang="ko-KR" altLang="en-US" sz="1700" b="1" dirty="0" smtClean="0">
-                <a:solidFill>
-                  <a:schemeClr val="tx1"/>
-                </a:solidFill>
-              </a:rPr>
-              <a:t>운영체제에 독립적임</a:t>
-            </a:r>
-            <a:r>
-              <a:rPr lang="en-US" altLang="ko-KR" sz="1700" b="1" dirty="0" smtClean="0">
-                <a:solidFill>
-                  <a:schemeClr val="tx1"/>
-                </a:solidFill>
-              </a:rPr>
-              <a:t>: </a:t>
-            </a:r>
-            <a:r>
-              <a:rPr lang="ko-KR" altLang="en-US" sz="1700" b="1" dirty="0" err="1" smtClean="0">
-                <a:solidFill>
-                  <a:schemeClr val="tx1"/>
-                </a:solidFill>
-              </a:rPr>
-              <a:t>자바가상머신</a:t>
-            </a:r>
-            <a:r>
-              <a:rPr lang="en-US" altLang="ko-KR" sz="1700" b="1" dirty="0" smtClean="0">
-                <a:solidFill>
-                  <a:schemeClr val="tx1"/>
-                </a:solidFill>
-              </a:rPr>
-              <a:t>(JVM)</a:t>
-            </a:r>
-            <a:r>
-              <a:rPr lang="ko-KR" altLang="en-US" sz="1700" b="1" dirty="0" smtClean="0">
-                <a:solidFill>
-                  <a:schemeClr val="tx1"/>
-                </a:solidFill>
-              </a:rPr>
-              <a:t>에 의해 실행된다</a:t>
-            </a:r>
-            <a:r>
-              <a:rPr lang="en-US" altLang="ko-KR" sz="1700" b="1" dirty="0" smtClean="0">
-                <a:solidFill>
-                  <a:schemeClr val="tx1"/>
-                </a:solidFill>
-              </a:rPr>
-              <a:t>.</a:t>
-            </a:r>
-          </a:p>
-          <a:p>
-            <a:endParaRPr lang="en-US" altLang="ko-KR" sz="1700" b="1" dirty="0" smtClean="0">
-              <a:solidFill>
-                <a:schemeClr val="tx1"/>
-              </a:solidFill>
-            </a:endParaRPr>
-          </a:p>
-          <a:p>
-            <a:r>
-              <a:rPr lang="en-US" altLang="ko-KR" sz="1700" b="1" dirty="0" smtClean="0">
-                <a:solidFill>
-                  <a:schemeClr val="tx1"/>
-                </a:solidFill>
-              </a:rPr>
-              <a:t>[4] </a:t>
-            </a:r>
-            <a:r>
-              <a:rPr lang="ko-KR" altLang="en-US" sz="1700" b="1" dirty="0" err="1" smtClean="0">
-                <a:solidFill>
-                  <a:schemeClr val="tx1"/>
-                </a:solidFill>
-              </a:rPr>
-              <a:t>보안성이</a:t>
-            </a:r>
-            <a:r>
-              <a:rPr lang="ko-KR" altLang="en-US" sz="1700" b="1" dirty="0" smtClean="0">
-                <a:solidFill>
-                  <a:schemeClr val="tx1"/>
-                </a:solidFill>
-              </a:rPr>
-              <a:t> 뛰어남</a:t>
-            </a:r>
-            <a:r>
-              <a:rPr lang="en-US" altLang="ko-KR" sz="1700" b="1" dirty="0" smtClean="0">
-                <a:solidFill>
-                  <a:schemeClr val="tx1"/>
-                </a:solidFill>
-              </a:rPr>
-              <a:t>: Securable, </a:t>
-            </a:r>
-            <a:r>
-              <a:rPr lang="ko-KR" altLang="en-US" sz="1700" b="1" dirty="0" smtClean="0">
-                <a:solidFill>
-                  <a:schemeClr val="tx1"/>
-                </a:solidFill>
-              </a:rPr>
-              <a:t>데이터 접근 제한으로 바이러스 침투 방지</a:t>
-            </a:r>
-            <a:endParaRPr lang="en-US" altLang="ko-KR" sz="1700" b="1" dirty="0" smtClean="0">
-              <a:solidFill>
-                <a:schemeClr val="tx1"/>
-              </a:solidFill>
-            </a:endParaRPr>
-          </a:p>
-          <a:p>
-            <a:endParaRPr lang="en-US" altLang="ko-KR" sz="1700" b="1" dirty="0">
-              <a:solidFill>
-                <a:schemeClr val="tx1"/>
-              </a:solidFill>
-            </a:endParaRPr>
-          </a:p>
-          <a:p>
-            <a:r>
-              <a:rPr lang="en-US" altLang="ko-KR" sz="1700" b="1" dirty="0" smtClean="0">
-                <a:solidFill>
-                  <a:schemeClr val="tx1"/>
-                </a:solidFill>
-              </a:rPr>
-              <a:t>[5] </a:t>
-            </a:r>
-            <a:r>
-              <a:rPr lang="ko-KR" altLang="en-US" sz="1700" b="1" dirty="0" smtClean="0">
-                <a:solidFill>
-                  <a:schemeClr val="tx1"/>
-                </a:solidFill>
-              </a:rPr>
-              <a:t>객체지향언어</a:t>
-            </a:r>
-            <a:r>
-              <a:rPr lang="en-US" altLang="ko-KR" sz="1700" b="1" dirty="0" smtClean="0">
-                <a:solidFill>
-                  <a:schemeClr val="tx1"/>
-                </a:solidFill>
-              </a:rPr>
-              <a:t>(OOP): </a:t>
-            </a:r>
-            <a:r>
-              <a:rPr lang="ko-KR" altLang="en-US" sz="1700" b="1" dirty="0" smtClean="0">
-                <a:solidFill>
-                  <a:schemeClr val="tx1"/>
-                </a:solidFill>
-              </a:rPr>
-              <a:t>객체 단위로 프로그램을 작성한다</a:t>
-            </a:r>
-            <a:r>
-              <a:rPr lang="en-US" altLang="ko-KR" sz="1700" b="1" dirty="0" smtClean="0">
-                <a:solidFill>
-                  <a:schemeClr val="tx1"/>
-                </a:solidFill>
-              </a:rPr>
-              <a:t>.</a:t>
-            </a:r>
-          </a:p>
-          <a:p>
-            <a:endParaRPr lang="en-US" altLang="ko-KR" sz="1700" b="1" dirty="0">
-              <a:solidFill>
-                <a:schemeClr val="tx1"/>
-              </a:solidFill>
-            </a:endParaRPr>
-          </a:p>
-          <a:p>
-            <a:r>
-              <a:rPr lang="en-US" altLang="ko-KR" sz="1700" b="1" dirty="0" smtClean="0">
-                <a:solidFill>
-                  <a:schemeClr val="tx1"/>
-                </a:solidFill>
-              </a:rPr>
-              <a:t>[6] </a:t>
-            </a:r>
-            <a:r>
-              <a:rPr lang="ko-KR" altLang="en-US" sz="1700" b="1" dirty="0" smtClean="0">
-                <a:solidFill>
-                  <a:schemeClr val="tx1"/>
-                </a:solidFill>
-              </a:rPr>
-              <a:t>라이브러리가 풍부함</a:t>
-            </a:r>
-            <a:r>
-              <a:rPr lang="en-US" altLang="ko-KR" sz="1700" b="1" dirty="0" smtClean="0">
-                <a:solidFill>
-                  <a:schemeClr val="tx1"/>
-                </a:solidFill>
-              </a:rPr>
-              <a:t>: SW </a:t>
-            </a:r>
-            <a:r>
-              <a:rPr lang="ko-KR" altLang="en-US" sz="1700" b="1" dirty="0" smtClean="0">
-                <a:solidFill>
-                  <a:schemeClr val="tx1"/>
-                </a:solidFill>
-              </a:rPr>
-              <a:t>생산성과 안정성이 높아진다</a:t>
-            </a:r>
-            <a:r>
-              <a:rPr lang="en-US" altLang="ko-KR" sz="1700" b="1" dirty="0" smtClean="0">
-                <a:solidFill>
-                  <a:schemeClr val="tx1"/>
-                </a:solidFill>
-              </a:rPr>
-              <a:t>.</a:t>
-            </a:r>
-          </a:p>
-          <a:p>
-            <a:endParaRPr lang="en-US" altLang="ko-KR" sz="1700" b="1" dirty="0">
-              <a:solidFill>
-                <a:schemeClr val="tx1"/>
-              </a:solidFill>
-            </a:endParaRPr>
-          </a:p>
-          <a:p>
-            <a:r>
-              <a:rPr lang="en-US" altLang="ko-KR" sz="1700" b="1" dirty="0" smtClean="0">
-                <a:solidFill>
-                  <a:schemeClr val="tx1"/>
-                </a:solidFill>
-              </a:rPr>
-              <a:t>[7] </a:t>
-            </a:r>
-            <a:r>
-              <a:rPr lang="ko-KR" altLang="en-US" sz="1700" b="1" dirty="0" err="1" smtClean="0">
-                <a:solidFill>
-                  <a:schemeClr val="tx1"/>
-                </a:solidFill>
-              </a:rPr>
-              <a:t>멀티스레드를</a:t>
-            </a:r>
-            <a:r>
-              <a:rPr lang="ko-KR" altLang="en-US" sz="1700" b="1" dirty="0" smtClean="0">
-                <a:solidFill>
-                  <a:schemeClr val="tx1"/>
-                </a:solidFill>
-              </a:rPr>
-              <a:t> 지원함</a:t>
-            </a:r>
-            <a:r>
-              <a:rPr lang="en-US" altLang="ko-KR" sz="1700" b="1" dirty="0" smtClean="0">
-                <a:solidFill>
-                  <a:schemeClr val="tx1"/>
-                </a:solidFill>
-              </a:rPr>
-              <a:t>: </a:t>
-            </a:r>
-            <a:r>
-              <a:rPr lang="ko-KR" altLang="en-US" sz="1700" b="1" dirty="0" smtClean="0">
-                <a:solidFill>
-                  <a:schemeClr val="tx1"/>
-                </a:solidFill>
-              </a:rPr>
-              <a:t>여러 개의 작업을 동시에 처리할 수 있다</a:t>
-            </a:r>
-            <a:r>
-              <a:rPr lang="en-US" altLang="ko-KR" sz="1700" b="1" dirty="0" smtClean="0">
-                <a:solidFill>
-                  <a:schemeClr val="tx1"/>
-                </a:solidFill>
-              </a:rPr>
-              <a:t>.</a:t>
-            </a:r>
-          </a:p>
-          <a:p>
-            <a:endParaRPr lang="en-US" altLang="ko-KR" sz="1700" b="1" dirty="0">
-              <a:solidFill>
-                <a:schemeClr val="tx1"/>
-              </a:solidFill>
-            </a:endParaRPr>
-          </a:p>
-          <a:p>
-            <a:r>
-              <a:rPr lang="en-US" altLang="ko-KR" sz="1700" b="1" dirty="0" smtClean="0">
-                <a:solidFill>
-                  <a:schemeClr val="tx1"/>
-                </a:solidFill>
-              </a:rPr>
-              <a:t>[8] </a:t>
-            </a:r>
-            <a:r>
-              <a:rPr lang="ko-KR" altLang="en-US" sz="1700" b="1" dirty="0" smtClean="0">
-                <a:solidFill>
-                  <a:schemeClr val="tx1"/>
-                </a:solidFill>
-              </a:rPr>
-              <a:t>뛰어난 네트워크 분산처리</a:t>
-            </a:r>
-            <a:r>
-              <a:rPr lang="en-US" altLang="ko-KR" sz="1700" b="1" dirty="0" smtClean="0">
-                <a:solidFill>
-                  <a:schemeClr val="tx1"/>
-                </a:solidFill>
-              </a:rPr>
-              <a:t>: </a:t>
-            </a:r>
-            <a:r>
-              <a:rPr lang="ko-KR" altLang="en-US" sz="1700" b="1" dirty="0" smtClean="0">
-                <a:solidFill>
-                  <a:schemeClr val="tx1"/>
-                </a:solidFill>
-              </a:rPr>
-              <a:t>인터넷 환경에서 작동하는 프로그램 개발에 적합</a:t>
-            </a:r>
-            <a:endParaRPr lang="en-US" altLang="ko-KR" sz="1700" b="1" dirty="0" smtClean="0">
-              <a:solidFill>
-                <a:schemeClr val="tx1"/>
-              </a:solidFill>
-            </a:endParaRPr>
-          </a:p>
-          <a:p>
-            <a:endParaRPr lang="en-US" altLang="ko-KR" sz="1700" b="1" dirty="0">
-              <a:solidFill>
-                <a:schemeClr val="tx1"/>
-              </a:solidFill>
-            </a:endParaRPr>
-          </a:p>
-          <a:p>
-            <a:r>
-              <a:rPr lang="en-US" altLang="ko-KR" sz="1700" b="1" dirty="0" smtClean="0">
-                <a:solidFill>
-                  <a:schemeClr val="tx1"/>
-                </a:solidFill>
-              </a:rPr>
-              <a:t>[9] </a:t>
-            </a:r>
-            <a:r>
-              <a:rPr lang="ko-KR" altLang="en-US" sz="1700" b="1" dirty="0" smtClean="0">
-                <a:solidFill>
-                  <a:schemeClr val="tx1"/>
-                </a:solidFill>
-              </a:rPr>
-              <a:t>컴파일러와 인터프리터의 특징을 모두 가짐</a:t>
-            </a:r>
-            <a:endParaRPr lang="en-US" altLang="ko-KR" sz="1700" b="1" dirty="0" smtClean="0">
-              <a:solidFill>
-                <a:schemeClr val="tx1"/>
-              </a:solidFill>
-            </a:endParaRPr>
-          </a:p>
-          <a:p>
-            <a:endParaRPr lang="en-US" altLang="ko-KR" sz="1700" b="1" dirty="0">
-              <a:solidFill>
-                <a:schemeClr val="tx1"/>
-              </a:solidFill>
-            </a:endParaRPr>
-          </a:p>
-          <a:p>
-            <a:r>
-              <a:rPr lang="en-US" altLang="ko-KR" sz="1700" b="1" dirty="0" smtClean="0">
-                <a:solidFill>
-                  <a:schemeClr val="tx1"/>
-                </a:solidFill>
-              </a:rPr>
-              <a:t>[10]GNU GPL</a:t>
-            </a:r>
-            <a:r>
-              <a:rPr lang="ko-KR" altLang="en-US" sz="1700" b="1" dirty="0" smtClean="0">
-                <a:solidFill>
-                  <a:schemeClr val="tx1"/>
-                </a:solidFill>
-              </a:rPr>
-              <a:t>를 채택한 오픈 소스 소프트웨어임</a:t>
-            </a:r>
-            <a:endParaRPr lang="ko-KR" altLang="en-US" sz="1700" b="1" dirty="0">
-              <a:solidFill>
-                <a:schemeClr val="tx1"/>
-              </a:solidFill>
-            </a:endParaRPr>
-          </a:p>
-        </p:txBody>
-      </p:sp>
-      <p:sp>
-        <p:nvSpPr>
-          <p:cNvPr id="15" name="모서리가 둥근 직사각형 14"/>
-          <p:cNvSpPr/>
-          <p:nvPr/>
-        </p:nvSpPr>
-        <p:spPr>
-          <a:xfrm>
-            <a:off x="5580112" y="5304313"/>
-            <a:ext cx="3106688" cy="385192"/>
-          </a:xfrm>
-          <a:prstGeom prst="roundRect">
-            <a:avLst/>
-          </a:prstGeom>
-          <a:ln/>
-        </p:spPr>
-        <p:style>
-          <a:lnRef idx="1">
-            <a:schemeClr val="dk1"/>
-          </a:lnRef>
-          <a:fillRef idx="2">
-            <a:schemeClr val="dk1"/>
-          </a:fillRef>
-          <a:effectRef idx="1">
-            <a:schemeClr val="dk1"/>
-          </a:effectRef>
-          <a:fontRef idx="minor">
-            <a:schemeClr val="dk1"/>
-          </a:fontRef>
-        </p:style>
-        <p:txBody>
-          <a:bodyPr rtlCol="0" anchor="ctr"/>
-          <a:lstStyle/>
-          <a:p>
-            <a:pPr algn="ctr"/>
-            <a:r>
-              <a:rPr lang="ko-KR" altLang="en-US" dirty="0" smtClean="0">
-                <a:solidFill>
-                  <a:schemeClr val="tx1"/>
-                </a:solidFill>
-                <a:latin typeface="HY견고딕" panose="02030600000101010101" pitchFamily="18" charset="-127"/>
-                <a:ea typeface="HY견고딕" panose="02030600000101010101" pitchFamily="18" charset="-127"/>
-              </a:rPr>
-              <a:t>교과서 </a:t>
-            </a:r>
-            <a:r>
-              <a:rPr lang="en-US" altLang="ko-KR" dirty="0" smtClean="0">
-                <a:solidFill>
-                  <a:schemeClr val="tx1"/>
-                </a:solidFill>
-                <a:latin typeface="HY견고딕" panose="02030600000101010101" pitchFamily="18" charset="-127"/>
-                <a:ea typeface="HY견고딕" panose="02030600000101010101" pitchFamily="18" charset="-127"/>
-              </a:rPr>
-              <a:t>9</a:t>
-            </a:r>
-            <a:r>
-              <a:rPr lang="ko-KR" altLang="en-US" dirty="0" smtClean="0">
-                <a:solidFill>
-                  <a:schemeClr val="tx1"/>
-                </a:solidFill>
-                <a:latin typeface="HY견고딕" panose="02030600000101010101" pitchFamily="18" charset="-127"/>
-                <a:ea typeface="HY견고딕" panose="02030600000101010101" pitchFamily="18" charset="-127"/>
-              </a:rPr>
-              <a:t>쪽 그림 </a:t>
-            </a:r>
-            <a:r>
-              <a:rPr lang="en-US" altLang="ko-KR" dirty="0" smtClean="0">
-                <a:solidFill>
-                  <a:schemeClr val="tx1"/>
-                </a:solidFill>
-                <a:latin typeface="HY견고딕" panose="02030600000101010101" pitchFamily="18" charset="-127"/>
-                <a:ea typeface="HY견고딕" panose="02030600000101010101" pitchFamily="18" charset="-127"/>
-              </a:rPr>
-              <a:t>I-1, I-2</a:t>
-            </a:r>
-            <a:endParaRPr lang="ko-KR" altLang="en-US" dirty="0">
-              <a:solidFill>
-                <a:schemeClr val="tx1"/>
-              </a:solidFill>
-              <a:latin typeface="HY견고딕" panose="02030600000101010101" pitchFamily="18" charset="-127"/>
-              <a:ea typeface="HY견고딕" panose="02030600000101010101" pitchFamily="18" charset="-127"/>
-            </a:endParaRPr>
+            <a:endParaRPr lang="ko-KR" altLang="en-US"/>
           </a:p>
         </p:txBody>
       </p:sp>
     </p:spTree>
     <p:extLst>
       <p:ext uri="{BB962C8B-B14F-4D97-AF65-F5344CB8AC3E}">
-        <p14:creationId xmlns:p14="http://schemas.microsoft.com/office/powerpoint/2010/main" val="2015930142"/>
+        <p14:creationId xmlns:p14="http://schemas.microsoft.com/office/powerpoint/2010/main" val="659546281"/>
       </p:ext>
     </p:extLst>
   </p:cSld>
@@ -12303,193 +9965,31 @@
           <a:chExt cx="0" cy="0"/>
         </a:xfrm>
       </p:grpSpPr>
-      <p:pic>
-        <p:nvPicPr>
-          <p:cNvPr id="5" name="그림 4"/>
-          <p:cNvPicPr>
-            <a:picLocks noChangeAspect="1"/>
-          </p:cNvPicPr>
+      <p:sp>
+        <p:nvSpPr>
+          <p:cNvPr id="25" name="직사각형 24"/>
+          <p:cNvSpPr/>
           <p:nvPr/>
-        </p:nvPicPr>
-        <p:blipFill>
-          <a:blip r:embed="rId3"/>
-          <a:stretch>
-            <a:fillRect/>
-          </a:stretch>
-        </p:blipFill>
+        </p:nvSpPr>
         <p:spPr>
           <a:xfrm>
-            <a:off x="4692159" y="2823266"/>
-            <a:ext cx="1924050" cy="2028825"/>
+            <a:off x="2149556" y="1916832"/>
+            <a:ext cx="3862604" cy="1080120"/>
           </a:xfrm>
           <a:prstGeom prst="rect">
             <a:avLst/>
           </a:prstGeom>
-        </p:spPr>
-      </p:pic>
-      <p:sp>
-        <p:nvSpPr>
-          <p:cNvPr id="2" name="슬라이드 번호 개체 틀 1"/>
-          <p:cNvSpPr>
-            <a:spLocks noGrp="1"/>
-          </p:cNvSpPr>
-          <p:nvPr>
-            <p:ph type="sldNum" sz="quarter" idx="12"/>
-          </p:nvPr>
-        </p:nvSpPr>
-        <p:spPr/>
-        <p:txBody>
-          <a:bodyPr/>
-          <a:lstStyle/>
-          <a:p>
-            <a:fld id="{77B71057-D4FF-4ED0-970E-E0EF26DA9503}" type="slidenum">
-              <a:rPr lang="ko-KR" altLang="en-US" smtClean="0"/>
-              <a:pPr/>
-              <a:t>9</a:t>
-            </a:fld>
-            <a:endParaRPr lang="ko-KR" altLang="en-US"/>
-          </a:p>
-        </p:txBody>
-      </p:sp>
-      <p:sp>
-        <p:nvSpPr>
-          <p:cNvPr id="10" name="순서도: 처리 9"/>
-          <p:cNvSpPr/>
-          <p:nvPr/>
-        </p:nvSpPr>
-        <p:spPr>
-          <a:xfrm>
-            <a:off x="539552" y="398215"/>
-            <a:ext cx="4176464" cy="510505"/>
-          </a:xfrm>
-          <a:prstGeom prst="flowChartProcess">
-            <a:avLst/>
-          </a:prstGeom>
-          <a:ln/>
-        </p:spPr>
-        <p:style>
-          <a:lnRef idx="1">
-            <a:schemeClr val="dk1"/>
-          </a:lnRef>
-          <a:fillRef idx="2">
-            <a:schemeClr val="dk1"/>
-          </a:fillRef>
-          <a:effectRef idx="1">
-            <a:schemeClr val="dk1"/>
-          </a:effectRef>
-          <a:fontRef idx="minor">
-            <a:schemeClr val="dk1"/>
-          </a:fontRef>
-        </p:style>
-        <p:txBody>
-          <a:bodyPr tIns="72000" rtlCol="0" anchor="ctr"/>
-          <a:lstStyle/>
-          <a:p>
-            <a:pPr algn="ctr"/>
-            <a:r>
-              <a:rPr lang="ko-KR" altLang="en-US" sz="2400" b="1" dirty="0" smtClean="0"/>
-              <a:t>자바 </a:t>
-            </a:r>
-            <a:r>
-              <a:rPr lang="en-US" altLang="ko-KR" sz="2400" b="1" dirty="0" smtClean="0"/>
-              <a:t>SE 10</a:t>
-            </a:r>
-            <a:r>
-              <a:rPr lang="ko-KR" altLang="en-US" sz="2400" b="1" dirty="0" smtClean="0"/>
-              <a:t>의 폴더 구조</a:t>
-            </a:r>
-            <a:endParaRPr lang="ko-KR" altLang="en-US" sz="2400" b="1" dirty="0"/>
-          </a:p>
-        </p:txBody>
-      </p:sp>
-      <p:pic>
-        <p:nvPicPr>
-          <p:cNvPr id="3" name="그림 2"/>
-          <p:cNvPicPr>
-            <a:picLocks noChangeAspect="1"/>
-          </p:cNvPicPr>
-          <p:nvPr/>
-        </p:nvPicPr>
-        <p:blipFill>
-          <a:blip r:embed="rId4"/>
-          <a:stretch>
-            <a:fillRect/>
-          </a:stretch>
-        </p:blipFill>
-        <p:spPr>
-          <a:xfrm>
-            <a:off x="816626" y="1701616"/>
-            <a:ext cx="2747262" cy="3888432"/>
-          </a:xfrm>
-          <a:prstGeom prst="rect">
-            <a:avLst/>
-          </a:prstGeom>
-        </p:spPr>
-      </p:pic>
-      <p:pic>
-        <p:nvPicPr>
-          <p:cNvPr id="4" name="그림 3"/>
-          <p:cNvPicPr>
-            <a:picLocks noChangeAspect="1"/>
-          </p:cNvPicPr>
-          <p:nvPr/>
-        </p:nvPicPr>
-        <p:blipFill>
-          <a:blip r:embed="rId5"/>
-          <a:stretch>
-            <a:fillRect/>
-          </a:stretch>
-        </p:blipFill>
-        <p:spPr>
-          <a:xfrm>
-            <a:off x="6037659" y="138109"/>
-            <a:ext cx="1990725" cy="3019425"/>
-          </a:xfrm>
-          <a:prstGeom prst="rect">
-            <a:avLst/>
-          </a:prstGeom>
-        </p:spPr>
-      </p:pic>
-      <p:pic>
-        <p:nvPicPr>
-          <p:cNvPr id="6" name="그림 5"/>
-          <p:cNvPicPr>
-            <a:picLocks noChangeAspect="1"/>
-          </p:cNvPicPr>
-          <p:nvPr/>
-        </p:nvPicPr>
-        <p:blipFill>
-          <a:blip r:embed="rId6"/>
-          <a:stretch>
-            <a:fillRect/>
-          </a:stretch>
-        </p:blipFill>
-        <p:spPr>
-          <a:xfrm>
-            <a:off x="7019143" y="2420888"/>
-            <a:ext cx="1971675" cy="4038600"/>
-          </a:xfrm>
-          <a:prstGeom prst="rect">
-            <a:avLst/>
-          </a:prstGeom>
-        </p:spPr>
-      </p:pic>
-      <p:sp>
-        <p:nvSpPr>
-          <p:cNvPr id="7" name="직사각형 6"/>
-          <p:cNvSpPr/>
-          <p:nvPr/>
-        </p:nvSpPr>
-        <p:spPr>
-          <a:xfrm>
-            <a:off x="1355230" y="2011515"/>
-            <a:ext cx="2016224" cy="2037972"/>
-          </a:xfrm>
-          <a:prstGeom prst="rect">
-            <a:avLst/>
-          </a:prstGeom>
-          <a:noFill/>
-          <a:ln/>
+          <a:solidFill>
+            <a:srgbClr val="FFFF99"/>
+          </a:solidFill>
+          <a:ln w="19050">
+            <a:solidFill>
+              <a:schemeClr val="accent2">
+                <a:lumMod val="60000"/>
+                <a:lumOff val="40000"/>
+              </a:schemeClr>
+            </a:solidFill>
+          </a:ln>
         </p:spPr>
         <p:style>
           <a:lnRef idx="2">
@@ -12516,56 +10016,216 @@
       </p:sp>
       <p:sp>
         <p:nvSpPr>
-          <p:cNvPr id="11" name="직사각형 10"/>
+          <p:cNvPr id="2" name="슬라이드 번호 개체 틀 1"/>
+          <p:cNvSpPr>
+            <a:spLocks noGrp="1"/>
+          </p:cNvSpPr>
+          <p:nvPr>
+            <p:ph type="sldNum" sz="quarter" idx="12"/>
+          </p:nvPr>
+        </p:nvSpPr>
+        <p:spPr/>
+        <p:txBody>
+          <a:bodyPr/>
+          <a:lstStyle/>
+          <a:p>
+            <a:fld id="{77B71057-D4FF-4ED0-970E-E0EF26DA9503}" type="slidenum">
+              <a:rPr lang="ko-KR" altLang="en-US" smtClean="0"/>
+              <a:pPr/>
+              <a:t>9</a:t>
+            </a:fld>
+            <a:endParaRPr lang="ko-KR" altLang="en-US"/>
+          </a:p>
+        </p:txBody>
+      </p:sp>
+      <p:sp>
+        <p:nvSpPr>
+          <p:cNvPr id="10" name="순서도: 처리 9"/>
           <p:cNvSpPr/>
           <p:nvPr/>
         </p:nvSpPr>
         <p:spPr>
           <a:xfrm>
-            <a:off x="1355230" y="4094837"/>
-            <a:ext cx="2016224" cy="1464134"/>
+            <a:off x="1835696" y="1484784"/>
+            <a:ext cx="4464496" cy="1872208"/>
           </a:xfrm>
-          <a:prstGeom prst="rect">
+          <a:prstGeom prst="flowChartProcess">
             <a:avLst/>
           </a:prstGeom>
           <a:noFill/>
-          <a:ln/>
+          <a:ln>
+            <a:solidFill>
+              <a:schemeClr val="accent6">
+                <a:lumMod val="60000"/>
+                <a:lumOff val="40000"/>
+              </a:schemeClr>
+            </a:solidFill>
+          </a:ln>
         </p:spPr>
         <p:style>
-          <a:lnRef idx="1">
-            <a:schemeClr val="accent3"/>
+          <a:lnRef idx="2">
+            <a:schemeClr val="dk1"/>
           </a:lnRef>
-          <a:fillRef idx="2">
-            <a:schemeClr val="accent3"/>
+          <a:fillRef idx="1">
+            <a:schemeClr val="lt1"/>
           </a:fillRef>
-          <a:effectRef idx="1">
-            <a:schemeClr val="accent3"/>
+          <a:effectRef idx="0">
+            <a:schemeClr val="dk1"/>
           </a:effectRef>
           <a:fontRef idx="minor">
             <a:schemeClr val="dk1"/>
           </a:fontRef>
         </p:style>
         <p:txBody>
-          <a:bodyPr rtlCol="0" anchor="ctr"/>
+          <a:bodyPr tIns="72000" rtlCol="0" anchor="ctr"/>
           <a:lstStyle/>
           <a:p>
-            <a:pPr algn="ctr"/>
-            <a:endParaRPr lang="ko-KR" altLang="en-US" dirty="0"/>
-          </a:p>
-        </p:txBody>
-      </p:sp>
-      <p:sp>
-        <p:nvSpPr>
-          <p:cNvPr id="13" name="TextBox 12"/>
-          <p:cNvSpPr txBox="1"/>
+            <a:pPr>
+              <a:lnSpc>
+                <a:spcPts val="3000"/>
+              </a:lnSpc>
+            </a:pPr>
+            <a:r>
+              <a:rPr lang="en-US" altLang="ko-KR" sz="1600" b="1" dirty="0" smtClean="0">
+                <a:solidFill>
+                  <a:schemeClr val="tx1"/>
+                </a:solidFill>
+              </a:rPr>
+              <a:t>public class </a:t>
+            </a:r>
+            <a:r>
+              <a:rPr lang="ko-KR" altLang="en-US" sz="1600" b="1" dirty="0" err="1" smtClean="0">
+                <a:solidFill>
+                  <a:schemeClr val="tx1"/>
+                </a:solidFill>
+              </a:rPr>
+              <a:t>클래스명</a:t>
+            </a:r>
+            <a:r>
+              <a:rPr lang="ko-KR" altLang="en-US" sz="1600" b="1" dirty="0" smtClean="0">
+                <a:solidFill>
+                  <a:schemeClr val="tx1"/>
+                </a:solidFill>
+              </a:rPr>
+              <a:t> </a:t>
+            </a:r>
+            <a:r>
+              <a:rPr lang="en-US" altLang="ko-KR" sz="1600" b="1" dirty="0" smtClean="0">
+                <a:solidFill>
+                  <a:schemeClr val="tx1"/>
+                </a:solidFill>
+              </a:rPr>
+              <a:t>{</a:t>
+            </a:r>
+          </a:p>
+          <a:p>
+            <a:pPr>
+              <a:lnSpc>
+                <a:spcPts val="3000"/>
+              </a:lnSpc>
+            </a:pPr>
+            <a:r>
+              <a:rPr lang="en-US" altLang="ko-KR" sz="1600" b="1" dirty="0">
+                <a:solidFill>
+                  <a:schemeClr val="tx1"/>
+                </a:solidFill>
+              </a:rPr>
+              <a:t> </a:t>
+            </a:r>
+            <a:r>
+              <a:rPr lang="en-US" altLang="ko-KR" sz="1600" b="1" dirty="0" smtClean="0">
+                <a:solidFill>
+                  <a:schemeClr val="tx1"/>
+                </a:solidFill>
+              </a:rPr>
+              <a:t>   public static void main(String[] </a:t>
+            </a:r>
+            <a:r>
+              <a:rPr lang="en-US" altLang="ko-KR" sz="1600" b="1" dirty="0" err="1" smtClean="0">
+                <a:solidFill>
+                  <a:schemeClr val="tx1"/>
+                </a:solidFill>
+              </a:rPr>
+              <a:t>args</a:t>
+            </a:r>
+            <a:r>
+              <a:rPr lang="en-US" altLang="ko-KR" sz="1600" b="1" dirty="0" smtClean="0">
+                <a:solidFill>
+                  <a:schemeClr val="tx1"/>
+                </a:solidFill>
+              </a:rPr>
+              <a:t>) {</a:t>
+            </a:r>
+          </a:p>
+          <a:p>
+            <a:pPr>
+              <a:lnSpc>
+                <a:spcPts val="3000"/>
+              </a:lnSpc>
+            </a:pPr>
+            <a:endParaRPr lang="en-US" altLang="ko-KR" sz="1600" b="1" dirty="0" smtClean="0">
+              <a:solidFill>
+                <a:schemeClr val="tx1"/>
+              </a:solidFill>
+            </a:endParaRPr>
+          </a:p>
+          <a:p>
+            <a:pPr>
+              <a:lnSpc>
+                <a:spcPts val="3000"/>
+              </a:lnSpc>
+            </a:pPr>
+            <a:r>
+              <a:rPr lang="en-US" altLang="ko-KR" sz="1600" b="1" dirty="0">
+                <a:solidFill>
+                  <a:schemeClr val="tx1"/>
+                </a:solidFill>
+              </a:rPr>
+              <a:t> </a:t>
+            </a:r>
+            <a:r>
+              <a:rPr lang="en-US" altLang="ko-KR" sz="1600" b="1" dirty="0" smtClean="0">
+                <a:solidFill>
+                  <a:schemeClr val="tx1"/>
+                </a:solidFill>
+              </a:rPr>
+              <a:t>   }</a:t>
+            </a:r>
+          </a:p>
+          <a:p>
+            <a:pPr>
+              <a:lnSpc>
+                <a:spcPts val="3000"/>
+              </a:lnSpc>
+            </a:pPr>
+            <a:r>
+              <a:rPr lang="en-US" altLang="ko-KR" sz="1600" b="1" dirty="0">
+                <a:solidFill>
+                  <a:schemeClr val="tx1"/>
+                </a:solidFill>
+              </a:rPr>
+              <a:t>}</a:t>
+            </a:r>
+            <a:endParaRPr lang="ko-KR" altLang="en-US" sz="1600" b="1" dirty="0">
+              <a:solidFill>
+                <a:schemeClr val="tx1"/>
+              </a:solidFill>
+            </a:endParaRPr>
+          </a:p>
+        </p:txBody>
+      </p:sp>
+      <p:sp>
+        <p:nvSpPr>
+          <p:cNvPr id="26" name="순서도: 처리 25"/>
+          <p:cNvSpPr/>
           <p:nvPr/>
         </p:nvSpPr>
         <p:spPr>
           <a:xfrm>
-            <a:off x="543590" y="2799669"/>
-            <a:ext cx="883648" cy="461665"/>
+            <a:off x="755576" y="548680"/>
+            <a:ext cx="6264696" cy="504055"/>
           </a:xfrm>
-          <a:prstGeom prst="rect">
+          <a:prstGeom prst="flowChartProcess">
             <a:avLst/>
           </a:prstGeom>
           <a:ln/>
@@ -12575,374 +10235,82 @@
             <a:schemeClr val="lt1"/>
           </a:lnRef>
           <a:fillRef idx="1">
-            <a:schemeClr val="accent1"/>
+            <a:schemeClr val="accent5"/>
           </a:fillRef>
           <a:effectRef idx="1">
-            <a:schemeClr val="accent1"/>
+            <a:schemeClr val="accent5"/>
           </a:effectRef>
           <a:fontRef idx="minor">
             <a:schemeClr val="lt1"/>
           </a:fontRef>
         </p:style>
         <p:txBody>
-          <a:bodyPr wrap="square" rtlCol="0">
-            <a:spAutoFit/>
-          </a:bodyPr>
+          <a:bodyPr tIns="72000" rtlCol="0" anchor="ctr"/>
           <a:lstStyle/>
           <a:p>
-            <a:pPr marL="304800" indent="-304800" algn="ctr">
+            <a:pPr>
               <a:lnSpc>
-                <a:spcPct val="150000"/>
+                <a:spcPts val="2500"/>
               </a:lnSpc>
             </a:pPr>
             <a:r>
-              <a:rPr lang="en-US" altLang="ko-KR" sz="1600" dirty="0" smtClean="0"/>
-              <a:t>JDK</a:t>
-            </a:r>
-            <a:endParaRPr lang="ko-KR" altLang="en-US" sz="1600" dirty="0"/>
-          </a:p>
-        </p:txBody>
-      </p:sp>
-      <p:sp>
-        <p:nvSpPr>
-          <p:cNvPr id="14" name="TextBox 13"/>
-          <p:cNvSpPr txBox="1"/>
+              <a:rPr lang="en-US" altLang="ko-KR" b="1" dirty="0" smtClean="0">
+                <a:solidFill>
+                  <a:schemeClr val="tx1"/>
+                </a:solidFill>
+              </a:rPr>
+              <a:t>(4) </a:t>
+            </a:r>
+            <a:r>
+              <a:rPr lang="en-US" altLang="ko-KR" b="1" dirty="0" smtClean="0">
+                <a:solidFill>
+                  <a:schemeClr val="tx1"/>
+                </a:solidFill>
+              </a:rPr>
+              <a:t>public static void main(String[] </a:t>
+            </a:r>
+            <a:r>
+              <a:rPr lang="en-US" altLang="ko-KR" b="1" dirty="0" err="1" smtClean="0">
+                <a:solidFill>
+                  <a:schemeClr val="tx1"/>
+                </a:solidFill>
+              </a:rPr>
+              <a:t>args</a:t>
+            </a:r>
+            <a:r>
+              <a:rPr lang="en-US" altLang="ko-KR" b="1" dirty="0" smtClean="0">
+                <a:solidFill>
+                  <a:schemeClr val="tx1"/>
+                </a:solidFill>
+              </a:rPr>
+              <a:t>)</a:t>
+            </a:r>
+            <a:r>
+              <a:rPr lang="ko-KR" altLang="en-US" b="1" dirty="0" smtClean="0">
+                <a:solidFill>
+                  <a:schemeClr val="tx1"/>
+                </a:solidFill>
+              </a:rPr>
+              <a:t>의 이해</a:t>
+            </a:r>
+            <a:endParaRPr lang="ko-KR" altLang="en-US" b="1" dirty="0">
+              <a:solidFill>
+                <a:schemeClr val="tx1"/>
+              </a:solidFill>
+            </a:endParaRPr>
+          </a:p>
+        </p:txBody>
+      </p:sp>
+      <p:sp>
+        <p:nvSpPr>
+          <p:cNvPr id="27" name="순서도: 처리 26"/>
+          <p:cNvSpPr/>
           <p:nvPr/>
         </p:nvSpPr>
         <p:spPr>
           <a:xfrm>
-            <a:off x="543590" y="4481275"/>
-            <a:ext cx="883648" cy="414024"/>
-          </a:xfrm>
-          <a:prstGeom prst="rect">
-            <a:avLst/>
-          </a:prstGeom>
-          <a:ln/>
-        </p:spPr>
-        <p:style>
-          <a:lnRef idx="3">
-            <a:schemeClr val="lt1"/>
-          </a:lnRef>
-          <a:fillRef idx="1">
-            <a:schemeClr val="accent3"/>
-          </a:fillRef>
-          <a:effectRef idx="1">
-            <a:schemeClr val="accent3"/>
-          </a:effectRef>
-          <a:fontRef idx="minor">
-            <a:schemeClr val="lt1"/>
-          </a:fontRef>
-        </p:style>
-        <p:txBody>
-          <a:bodyPr wrap="square" rtlCol="0">
-            <a:spAutoFit/>
-          </a:bodyPr>
-          <a:lstStyle/>
-          <a:p>
-            <a:pPr marL="304800" indent="-304800" algn="ctr">
-              <a:lnSpc>
-                <a:spcPct val="150000"/>
-              </a:lnSpc>
-            </a:pPr>
-            <a:r>
-              <a:rPr lang="en-US" altLang="ko-KR" sz="1600" dirty="0" smtClean="0"/>
-              <a:t>JRE</a:t>
-            </a:r>
-            <a:endParaRPr lang="ko-KR" altLang="en-US" sz="1600" dirty="0"/>
-          </a:p>
-        </p:txBody>
-      </p:sp>
-      <p:sp>
-        <p:nvSpPr>
-          <p:cNvPr id="17" name="TextBox 16"/>
-          <p:cNvSpPr txBox="1"/>
-          <p:nvPr/>
-        </p:nvSpPr>
-        <p:spPr>
-          <a:xfrm>
-            <a:off x="421683" y="3261334"/>
-            <a:ext cx="1013245" cy="461665"/>
-          </a:xfrm>
-          <a:prstGeom prst="rect">
-            <a:avLst/>
-          </a:prstGeom>
-          <a:noFill/>
-          <a:ln>
-            <a:noFill/>
-          </a:ln>
-        </p:spPr>
-        <p:txBody>
-          <a:bodyPr wrap="square" rtlCol="0">
-            <a:spAutoFit/>
-          </a:bodyPr>
-          <a:lstStyle/>
-          <a:p>
-            <a:pPr marL="304800" indent="-304800" algn="ctr">
-              <a:lnSpc>
-                <a:spcPct val="150000"/>
-              </a:lnSpc>
-            </a:pPr>
-            <a:r>
-              <a:rPr lang="ko-KR" altLang="en-US" sz="1600" dirty="0" smtClean="0"/>
-              <a:t>개발환경</a:t>
-            </a:r>
-            <a:endParaRPr lang="ko-KR" altLang="en-US" sz="1600" dirty="0"/>
-          </a:p>
-        </p:txBody>
-      </p:sp>
-      <p:sp>
-        <p:nvSpPr>
-          <p:cNvPr id="18" name="TextBox 17"/>
-          <p:cNvSpPr txBox="1"/>
-          <p:nvPr/>
-        </p:nvSpPr>
-        <p:spPr>
-          <a:xfrm>
-            <a:off x="421683" y="4897901"/>
-            <a:ext cx="1013245" cy="414024"/>
-          </a:xfrm>
-          <a:prstGeom prst="rect">
-            <a:avLst/>
-          </a:prstGeom>
-          <a:noFill/>
-          <a:ln>
-            <a:noFill/>
-          </a:ln>
-        </p:spPr>
-        <p:txBody>
-          <a:bodyPr wrap="square" rtlCol="0">
-            <a:spAutoFit/>
-          </a:bodyPr>
-          <a:lstStyle/>
-          <a:p>
-            <a:pPr marL="304800" indent="-304800" algn="ctr">
-              <a:lnSpc>
-                <a:spcPct val="150000"/>
-              </a:lnSpc>
-            </a:pPr>
-            <a:r>
-              <a:rPr lang="ko-KR" altLang="en-US" sz="1600" dirty="0" smtClean="0"/>
-              <a:t>실행환경</a:t>
-            </a:r>
-            <a:endParaRPr lang="ko-KR" altLang="en-US" sz="1600" dirty="0"/>
-          </a:p>
-        </p:txBody>
-      </p:sp>
-      <p:cxnSp>
-        <p:nvCxnSpPr>
-          <p:cNvPr id="9" name="직선 화살표 연결선 8"/>
-          <p:cNvCxnSpPr>
-            <a:endCxn id="4" idx="1"/>
-          </p:cNvCxnSpPr>
-          <p:nvPr/>
-        </p:nvCxnSpPr>
-        <p:spPr>
-          <a:xfrm flipV="1">
-            <a:off x="2452914" y="1647822"/>
-            <a:ext cx="3584745" cy="848635"/>
-          </a:xfrm>
-          <a:prstGeom prst="straightConnector1">
-            <a:avLst/>
-          </a:prstGeom>
-          <a:ln>
-            <a:solidFill>
-              <a:srgbClr val="FF0000"/>
-            </a:solidFill>
-            <a:headEnd type="oval" w="med" len="med"/>
-            <a:tailEnd type="triangle" w="med" len="med"/>
-          </a:ln>
-        </p:spPr>
-        <p:style>
-          <a:lnRef idx="1">
-            <a:schemeClr val="accent1"/>
-          </a:lnRef>
-          <a:fillRef idx="0">
-            <a:schemeClr val="accent1"/>
-          </a:fillRef>
-          <a:effectRef idx="0">
-            <a:schemeClr val="accent1"/>
-          </a:effectRef>
-          <a:fontRef idx="minor">
-            <a:schemeClr val="tx1"/>
-          </a:fontRef>
-        </p:style>
-      </p:cxnSp>
-      <p:cxnSp>
-        <p:nvCxnSpPr>
-          <p:cNvPr id="20" name="직선 연결선 19"/>
-          <p:cNvCxnSpPr/>
-          <p:nvPr/>
-        </p:nvCxnSpPr>
-        <p:spPr>
-          <a:xfrm>
-            <a:off x="1835696" y="2562448"/>
-            <a:ext cx="527646" cy="0"/>
-          </a:xfrm>
-          <a:prstGeom prst="line">
-            <a:avLst/>
-          </a:prstGeom>
-        </p:spPr>
-        <p:style>
-          <a:lnRef idx="1">
-            <a:schemeClr val="accent1"/>
-          </a:lnRef>
-          <a:fillRef idx="0">
-            <a:schemeClr val="accent1"/>
-          </a:fillRef>
-          <a:effectRef idx="0">
-            <a:schemeClr val="accent1"/>
-          </a:effectRef>
-          <a:fontRef idx="minor">
-            <a:schemeClr val="tx1"/>
-          </a:fontRef>
-        </p:style>
-      </p:cxnSp>
-      <p:cxnSp>
-        <p:nvCxnSpPr>
-          <p:cNvPr id="21" name="직선 연결선 20"/>
-          <p:cNvCxnSpPr/>
-          <p:nvPr/>
-        </p:nvCxnSpPr>
-        <p:spPr>
-          <a:xfrm>
-            <a:off x="1835696" y="3157534"/>
-            <a:ext cx="792088" cy="0"/>
-          </a:xfrm>
-          <a:prstGeom prst="line">
-            <a:avLst/>
-          </a:prstGeom>
-        </p:spPr>
-        <p:style>
-          <a:lnRef idx="1">
-            <a:schemeClr val="accent1"/>
-          </a:lnRef>
-          <a:fillRef idx="0">
-            <a:schemeClr val="accent1"/>
-          </a:fillRef>
-          <a:effectRef idx="0">
-            <a:schemeClr val="accent1"/>
-          </a:effectRef>
-          <a:fontRef idx="minor">
-            <a:schemeClr val="tx1"/>
-          </a:fontRef>
-        </p:style>
-      </p:cxnSp>
-      <p:cxnSp>
-        <p:nvCxnSpPr>
-          <p:cNvPr id="23" name="직선 연결선 22"/>
-          <p:cNvCxnSpPr/>
-          <p:nvPr/>
-        </p:nvCxnSpPr>
-        <p:spPr>
-          <a:xfrm>
-            <a:off x="1835696" y="4013877"/>
-            <a:ext cx="559161" cy="0"/>
-          </a:xfrm>
-          <a:prstGeom prst="line">
-            <a:avLst/>
-          </a:prstGeom>
-        </p:spPr>
-        <p:style>
-          <a:lnRef idx="1">
-            <a:schemeClr val="accent1"/>
-          </a:lnRef>
-          <a:fillRef idx="0">
-            <a:schemeClr val="accent1"/>
-          </a:fillRef>
-          <a:effectRef idx="0">
-            <a:schemeClr val="accent1"/>
-          </a:effectRef>
-          <a:fontRef idx="minor">
-            <a:schemeClr val="tx1"/>
-          </a:fontRef>
-        </p:style>
-      </p:cxnSp>
-      <p:cxnSp>
-        <p:nvCxnSpPr>
-          <p:cNvPr id="25" name="직선 화살표 연결선 24"/>
-          <p:cNvCxnSpPr/>
-          <p:nvPr/>
-        </p:nvCxnSpPr>
-        <p:spPr>
-          <a:xfrm>
-            <a:off x="2345476" y="3930374"/>
-            <a:ext cx="4673667" cy="2320751"/>
-          </a:xfrm>
-          <a:prstGeom prst="straightConnector1">
-            <a:avLst/>
-          </a:prstGeom>
-          <a:ln>
-            <a:solidFill>
-              <a:srgbClr val="FF0000"/>
-            </a:solidFill>
-            <a:headEnd type="oval" w="med" len="med"/>
-            <a:tailEnd type="triangle" w="med" len="med"/>
-          </a:ln>
-        </p:spPr>
-        <p:style>
-          <a:lnRef idx="1">
-            <a:schemeClr val="accent1"/>
-          </a:lnRef>
-          <a:fillRef idx="0">
-            <a:schemeClr val="accent1"/>
-          </a:fillRef>
-          <a:effectRef idx="0">
-            <a:schemeClr val="accent1"/>
-          </a:effectRef>
-          <a:fontRef idx="minor">
-            <a:schemeClr val="tx1"/>
-          </a:fontRef>
-        </p:style>
-      </p:cxnSp>
-      <p:cxnSp>
-        <p:nvCxnSpPr>
-          <p:cNvPr id="28" name="직선 화살표 연결선 27"/>
-          <p:cNvCxnSpPr>
-            <a:endCxn id="5" idx="1"/>
-          </p:cNvCxnSpPr>
-          <p:nvPr/>
-        </p:nvCxnSpPr>
-        <p:spPr>
-          <a:xfrm>
-            <a:off x="2699657" y="3062514"/>
-            <a:ext cx="1992502" cy="775165"/>
-          </a:xfrm>
-          <a:prstGeom prst="straightConnector1">
-            <a:avLst/>
-          </a:prstGeom>
-          <a:ln>
-            <a:solidFill>
-              <a:srgbClr val="FF0000"/>
-            </a:solidFill>
-            <a:headEnd type="oval" w="med" len="med"/>
-            <a:tailEnd type="triangle" w="med" len="med"/>
-          </a:ln>
-        </p:spPr>
-        <p:style>
-          <a:lnRef idx="1">
-            <a:schemeClr val="accent1"/>
-          </a:lnRef>
-          <a:fillRef idx="0">
-            <a:schemeClr val="accent1"/>
-          </a:fillRef>
-          <a:effectRef idx="0">
-            <a:schemeClr val="accent1"/>
-          </a:effectRef>
-          <a:fontRef idx="minor">
-            <a:schemeClr val="tx1"/>
-          </a:fontRef>
-        </p:style>
-      </p:cxnSp>
-      <p:sp>
-        <p:nvSpPr>
-          <p:cNvPr id="31" name="순서도: 처리 30"/>
-          <p:cNvSpPr/>
-          <p:nvPr/>
-        </p:nvSpPr>
-        <p:spPr>
-          <a:xfrm rot="20800914">
-            <a:off x="2604450" y="1849736"/>
-            <a:ext cx="3347058" cy="188172"/>
+            <a:off x="1043608" y="3933056"/>
+            <a:ext cx="6768752" cy="2304256"/>
           </a:xfrm>
           <a:prstGeom prst="flowChartProcess">
             <a:avLst/>
@@ -12970,7 +10338,7 @@
           <a:bodyPr tIns="72000" rtlCol="0" anchor="ctr"/>
           <a:lstStyle/>
           <a:p>
-            <a:pPr marL="246063" indent="-246063">
+            <a:pPr>
               <a:lnSpc>
                 <a:spcPts val="2500"/>
               </a:lnSpc>
@@ -12981,7 +10349,15 @@
                   <a:schemeClr val="tx1"/>
                 </a:solidFill>
               </a:rPr>
-              <a:t>프로그램 개발</a:t>
+              <a:t>▶ </a:t>
+            </a:r>
+            <a:r>
+              <a:rPr lang="ko-KR" altLang="en-US" sz="1200" b="1" dirty="0" err="1" smtClean="0">
+                <a:solidFill>
+                  <a:schemeClr val="tx1"/>
+                </a:solidFill>
+              </a:rPr>
+              <a:t>자바가상머신</a:t>
             </a:r>
             <a:r>
               <a:rPr lang="en-US" altLang="ko-KR" sz="1200" b="1" dirty="0" smtClean="0">
@@ -12989,7 +10365,7 @@
                   <a:schemeClr val="tx1"/>
                 </a:solidFill>
               </a:rPr>
-              <a:t>, </a:t>
+              <a:t>(JVM)</a:t>
             </a:r>
             <a:r>
               <a:rPr lang="ko-KR" altLang="en-US" sz="1200" b="1" dirty="0" smtClean="0">
@@ -12997,7 +10373,118 @@
                   <a:schemeClr val="tx1"/>
                 </a:solidFill>
               </a:rPr>
-              <a:t>실행을 위한 도구나 유틸리티</a:t>
+              <a:t>는 프로그램을 실행할 때 </a:t>
+            </a:r>
+            <a:r>
+              <a:rPr lang="en-US" altLang="ko-KR" sz="1200" b="1" dirty="0" smtClean="0">
+                <a:solidFill>
+                  <a:schemeClr val="tx1"/>
+                </a:solidFill>
+              </a:rPr>
+              <a:t>main() </a:t>
+            </a:r>
+            <a:r>
+              <a:rPr lang="ko-KR" altLang="en-US" sz="1200" b="1" dirty="0" err="1" smtClean="0">
+                <a:solidFill>
+                  <a:schemeClr val="tx1"/>
+                </a:solidFill>
+              </a:rPr>
+              <a:t>메소드부터</a:t>
+            </a:r>
+            <a:r>
+              <a:rPr lang="ko-KR" altLang="en-US" sz="1200" b="1" dirty="0" smtClean="0">
+                <a:solidFill>
+                  <a:schemeClr val="tx1"/>
+                </a:solidFill>
+              </a:rPr>
+              <a:t> 호출한다</a:t>
+            </a:r>
+            <a:r>
+              <a:rPr lang="en-US" altLang="ko-KR" sz="1200" b="1" dirty="0" smtClean="0">
+                <a:solidFill>
+                  <a:schemeClr val="tx1"/>
+                </a:solidFill>
+              </a:rPr>
+              <a:t>.</a:t>
+            </a:r>
+          </a:p>
+          <a:p>
+            <a:pPr>
+              <a:lnSpc>
+                <a:spcPts val="2500"/>
+              </a:lnSpc>
+            </a:pPr>
+            <a:r>
+              <a:rPr lang="ko-KR" altLang="en-US" sz="1200" b="1" dirty="0" smtClean="0">
+                <a:solidFill>
+                  <a:schemeClr val="tx1"/>
+                </a:solidFill>
+              </a:rPr>
+              <a:t>▶ </a:t>
+            </a:r>
+            <a:r>
+              <a:rPr lang="ko-KR" altLang="en-US" sz="1200" b="1" dirty="0" smtClean="0">
+                <a:solidFill>
+                  <a:schemeClr val="tx1"/>
+                </a:solidFill>
+              </a:rPr>
+              <a:t>하나의 응용 프로그램 내에는 </a:t>
+            </a:r>
+            <a:r>
+              <a:rPr lang="en-US" altLang="ko-KR" sz="1200" b="1" dirty="0" smtClean="0">
+                <a:solidFill>
+                  <a:schemeClr val="tx1"/>
+                </a:solidFill>
+              </a:rPr>
+              <a:t>main() </a:t>
+            </a:r>
+            <a:r>
+              <a:rPr lang="ko-KR" altLang="en-US" sz="1200" b="1" dirty="0" err="1" smtClean="0">
+                <a:solidFill>
+                  <a:schemeClr val="tx1"/>
+                </a:solidFill>
+              </a:rPr>
+              <a:t>메소드를</a:t>
+            </a:r>
+            <a:r>
+              <a:rPr lang="ko-KR" altLang="en-US" sz="1200" b="1" dirty="0" smtClean="0">
+                <a:solidFill>
+                  <a:schemeClr val="tx1"/>
+                </a:solidFill>
+              </a:rPr>
+              <a:t> 한 개만 작성하도록 한다</a:t>
+            </a:r>
+            <a:r>
+              <a:rPr lang="en-US" altLang="ko-KR" sz="1200" b="1" dirty="0" smtClean="0">
+                <a:solidFill>
+                  <a:schemeClr val="tx1"/>
+                </a:solidFill>
+              </a:rPr>
+              <a:t>(</a:t>
+            </a:r>
+            <a:r>
+              <a:rPr lang="ko-KR" altLang="en-US" sz="1200" b="1" dirty="0" smtClean="0">
+                <a:solidFill>
+                  <a:schemeClr val="tx1"/>
+                </a:solidFill>
+              </a:rPr>
+              <a:t>권장</a:t>
+            </a:r>
+            <a:r>
+              <a:rPr lang="en-US" altLang="ko-KR" sz="1200" b="1" dirty="0" smtClean="0">
+                <a:solidFill>
+                  <a:schemeClr val="tx1"/>
+                </a:solidFill>
+              </a:rPr>
+              <a:t>)</a:t>
+            </a:r>
+            <a:r>
+              <a:rPr lang="en-US" altLang="ko-KR" sz="1200" b="1" dirty="0" smtClean="0">
+                <a:solidFill>
+                  <a:schemeClr val="tx1"/>
+                </a:solidFill>
+              </a:rPr>
+              <a:t>.</a:t>
             </a:r>
             <a:endParaRPr lang="en-US" altLang="ko-KR" sz="1200" b="1" dirty="0" smtClean="0">
               <a:solidFill>
@@ -13005,18 +10492,338 @@
               </a:solidFill>
             </a:endParaRPr>
           </a:p>
-        </p:txBody>
-      </p:sp>
-      <p:sp>
-        <p:nvSpPr>
-          <p:cNvPr id="35" name="순서도: 처리 34"/>
+          <a:p>
+            <a:pPr>
+              <a:lnSpc>
+                <a:spcPts val="2500"/>
+              </a:lnSpc>
+            </a:pPr>
+            <a:r>
+              <a:rPr lang="ko-KR" altLang="en-US" sz="1200" b="1" dirty="0" smtClean="0">
+                <a:solidFill>
+                  <a:schemeClr val="tx1"/>
+                </a:solidFill>
+              </a:rPr>
+              <a:t>▶ </a:t>
+            </a:r>
+            <a:r>
+              <a:rPr lang="en-US" altLang="ko-KR" sz="1200" b="1" dirty="0" smtClean="0">
+                <a:solidFill>
+                  <a:schemeClr val="tx1"/>
+                </a:solidFill>
+              </a:rPr>
+              <a:t>main() </a:t>
+            </a:r>
+            <a:r>
+              <a:rPr lang="ko-KR" altLang="en-US" sz="1200" b="1" dirty="0" err="1" smtClean="0">
+                <a:solidFill>
+                  <a:schemeClr val="tx1"/>
+                </a:solidFill>
+              </a:rPr>
+              <a:t>메소드는</a:t>
+            </a:r>
+            <a:r>
+              <a:rPr lang="en-US" altLang="ko-KR" sz="1200" b="1" dirty="0">
+                <a:solidFill>
+                  <a:schemeClr val="tx1"/>
+                </a:solidFill>
+              </a:rPr>
+              <a:t> </a:t>
+            </a:r>
+            <a:r>
+              <a:rPr lang="ko-KR" altLang="en-US" sz="1200" b="1" dirty="0" smtClean="0">
+                <a:solidFill>
+                  <a:schemeClr val="tx1"/>
+                </a:solidFill>
+              </a:rPr>
+              <a:t>반드시 </a:t>
+            </a:r>
+            <a:r>
+              <a:rPr lang="en-US" altLang="ko-KR" sz="1200" b="1" dirty="0" smtClean="0">
+                <a:solidFill>
+                  <a:schemeClr val="tx1"/>
+                </a:solidFill>
+              </a:rPr>
+              <a:t>public, static, void </a:t>
+            </a:r>
+            <a:r>
+              <a:rPr lang="ko-KR" altLang="en-US" sz="1200" b="1" dirty="0" smtClean="0">
+                <a:solidFill>
+                  <a:schemeClr val="tx1"/>
+                </a:solidFill>
+              </a:rPr>
+              <a:t>타입으로 선언되어야 한다</a:t>
+            </a:r>
+            <a:r>
+              <a:rPr lang="en-US" altLang="ko-KR" sz="1200" b="1" dirty="0" smtClean="0">
+                <a:solidFill>
+                  <a:schemeClr val="tx1"/>
+                </a:solidFill>
+              </a:rPr>
+              <a:t>.</a:t>
+            </a:r>
+          </a:p>
+          <a:p>
+            <a:pPr>
+              <a:lnSpc>
+                <a:spcPts val="2500"/>
+              </a:lnSpc>
+            </a:pPr>
+            <a:r>
+              <a:rPr lang="ko-KR" altLang="en-US" sz="1200" b="1" dirty="0" smtClean="0">
+                <a:solidFill>
+                  <a:schemeClr val="tx1"/>
+                </a:solidFill>
+              </a:rPr>
+              <a:t>▶ </a:t>
+            </a:r>
+            <a:r>
+              <a:rPr lang="en-US" altLang="ko-KR" sz="1200" b="1" dirty="0" smtClean="0">
+                <a:solidFill>
+                  <a:schemeClr val="tx1"/>
+                </a:solidFill>
+              </a:rPr>
+              <a:t>public </a:t>
+            </a:r>
+            <a:r>
+              <a:rPr lang="ko-KR" altLang="en-US" sz="1200" b="1" dirty="0" err="1" smtClean="0">
+                <a:solidFill>
+                  <a:schemeClr val="tx1"/>
+                </a:solidFill>
+              </a:rPr>
+              <a:t>접근자</a:t>
+            </a:r>
+            <a:r>
+              <a:rPr lang="en-US" altLang="ko-KR" sz="1200" b="1" dirty="0" smtClean="0">
+                <a:solidFill>
+                  <a:schemeClr val="tx1"/>
+                </a:solidFill>
+              </a:rPr>
+              <a:t>: </a:t>
+            </a:r>
+            <a:r>
+              <a:rPr lang="ko-KR" altLang="en-US" sz="1200" b="1" dirty="0" smtClean="0">
+                <a:solidFill>
+                  <a:schemeClr val="tx1"/>
+                </a:solidFill>
+              </a:rPr>
+              <a:t>외부에서 자유롭게 접근할 수 있도록 허용한다</a:t>
+            </a:r>
+            <a:r>
+              <a:rPr lang="en-US" altLang="ko-KR" sz="1200" b="1" dirty="0" smtClean="0">
+                <a:solidFill>
+                  <a:schemeClr val="tx1"/>
+                </a:solidFill>
+              </a:rPr>
+              <a:t>.</a:t>
+            </a:r>
+          </a:p>
+          <a:p>
+            <a:pPr>
+              <a:lnSpc>
+                <a:spcPts val="2500"/>
+              </a:lnSpc>
+            </a:pPr>
+            <a:r>
+              <a:rPr lang="ko-KR" altLang="en-US" sz="1200" b="1" dirty="0" smtClean="0">
+                <a:solidFill>
+                  <a:schemeClr val="tx1"/>
+                </a:solidFill>
+              </a:rPr>
+              <a:t>▶ </a:t>
+            </a:r>
+            <a:r>
+              <a:rPr lang="en-US" altLang="ko-KR" sz="1200" b="1" dirty="0" smtClean="0">
+                <a:solidFill>
+                  <a:schemeClr val="tx1"/>
+                </a:solidFill>
+              </a:rPr>
+              <a:t>static</a:t>
+            </a:r>
+            <a:r>
+              <a:rPr lang="ko-KR" altLang="en-US" sz="1200" b="1" dirty="0" smtClean="0">
+                <a:solidFill>
+                  <a:schemeClr val="tx1"/>
+                </a:solidFill>
+              </a:rPr>
+              <a:t>으로 선언하면 객체를 생성하지 않아도 즉시 사용할 수 있다</a:t>
+            </a:r>
+            <a:r>
+              <a:rPr lang="en-US" altLang="ko-KR" sz="1200" b="1" dirty="0" smtClean="0">
+                <a:solidFill>
+                  <a:schemeClr val="tx1"/>
+                </a:solidFill>
+              </a:rPr>
+              <a:t>.</a:t>
+            </a:r>
+          </a:p>
+          <a:p>
+            <a:pPr>
+              <a:lnSpc>
+                <a:spcPts val="2500"/>
+              </a:lnSpc>
+            </a:pPr>
+            <a:r>
+              <a:rPr lang="ko-KR" altLang="en-US" sz="1200" b="1" dirty="0" smtClean="0">
+                <a:solidFill>
+                  <a:schemeClr val="tx1"/>
+                </a:solidFill>
+              </a:rPr>
+              <a:t>▶ </a:t>
+            </a:r>
+            <a:r>
+              <a:rPr lang="en-US" altLang="ko-KR" sz="1200" b="1" dirty="0" smtClean="0">
+                <a:solidFill>
+                  <a:schemeClr val="tx1"/>
+                </a:solidFill>
+              </a:rPr>
+              <a:t>main()</a:t>
+            </a:r>
+            <a:r>
+              <a:rPr lang="ko-KR" altLang="en-US" sz="1200" b="1" dirty="0" smtClean="0">
+                <a:solidFill>
+                  <a:schemeClr val="tx1"/>
+                </a:solidFill>
+              </a:rPr>
+              <a:t>은 반환형이 </a:t>
+            </a:r>
+            <a:r>
+              <a:rPr lang="en-US" altLang="ko-KR" sz="1200" b="1" dirty="0" smtClean="0">
+                <a:solidFill>
+                  <a:schemeClr val="tx1"/>
+                </a:solidFill>
+              </a:rPr>
+              <a:t>void</a:t>
+            </a:r>
+            <a:r>
+              <a:rPr lang="ko-KR" altLang="en-US" sz="1200" b="1" dirty="0" smtClean="0">
+                <a:solidFill>
+                  <a:schemeClr val="tx1"/>
+                </a:solidFill>
+              </a:rPr>
+              <a:t>이다</a:t>
+            </a:r>
+            <a:r>
+              <a:rPr lang="en-US" altLang="ko-KR" sz="1200" b="1" dirty="0" smtClean="0">
+                <a:solidFill>
+                  <a:schemeClr val="tx1"/>
+                </a:solidFill>
+              </a:rPr>
+              <a:t>. </a:t>
+            </a:r>
+            <a:r>
+              <a:rPr lang="ko-KR" altLang="en-US" sz="1200" b="1" dirty="0" smtClean="0">
+                <a:solidFill>
+                  <a:schemeClr val="tx1"/>
+                </a:solidFill>
+              </a:rPr>
+              <a:t>즉 </a:t>
+            </a:r>
+            <a:r>
+              <a:rPr lang="en-US" altLang="ko-KR" sz="1200" b="1" dirty="0" smtClean="0">
+                <a:solidFill>
+                  <a:schemeClr val="tx1"/>
+                </a:solidFill>
+              </a:rPr>
+              <a:t>main() </a:t>
+            </a:r>
+            <a:r>
+              <a:rPr lang="ko-KR" altLang="en-US" sz="1200" b="1" dirty="0" err="1" smtClean="0">
+                <a:solidFill>
+                  <a:schemeClr val="tx1"/>
+                </a:solidFill>
+              </a:rPr>
+              <a:t>메소드는</a:t>
+            </a:r>
+            <a:r>
+              <a:rPr lang="ko-KR" altLang="en-US" sz="1200" b="1" dirty="0" smtClean="0">
+                <a:solidFill>
+                  <a:schemeClr val="tx1"/>
+                </a:solidFill>
+              </a:rPr>
+              <a:t> 값을 반환하지 않는다</a:t>
+            </a:r>
+            <a:r>
+              <a:rPr lang="en-US" altLang="ko-KR" sz="1200" b="1" dirty="0" smtClean="0">
+                <a:solidFill>
+                  <a:schemeClr val="tx1"/>
+                </a:solidFill>
+              </a:rPr>
+              <a:t>.</a:t>
+            </a:r>
+          </a:p>
+          <a:p>
+            <a:pPr>
+              <a:lnSpc>
+                <a:spcPts val="2500"/>
+              </a:lnSpc>
+            </a:pPr>
+            <a:r>
+              <a:rPr lang="ko-KR" altLang="en-US" sz="1200" b="1" dirty="0" smtClean="0">
+                <a:solidFill>
+                  <a:schemeClr val="tx1"/>
+                </a:solidFill>
+              </a:rPr>
+              <a:t>▶ 자바 프로그램 실행 시 전달 인수는 </a:t>
+            </a:r>
+            <a:r>
+              <a:rPr lang="en-US" altLang="ko-KR" sz="1200" b="1" dirty="0" smtClean="0">
+                <a:solidFill>
+                  <a:schemeClr val="tx1"/>
+                </a:solidFill>
+              </a:rPr>
+              <a:t>String </a:t>
+            </a:r>
+            <a:r>
+              <a:rPr lang="ko-KR" altLang="en-US" sz="1200" b="1" dirty="0" smtClean="0">
+                <a:solidFill>
+                  <a:schemeClr val="tx1"/>
+                </a:solidFill>
+              </a:rPr>
+              <a:t>타입의 배열 </a:t>
+            </a:r>
+            <a:r>
+              <a:rPr lang="en-US" altLang="ko-KR" sz="1200" b="1" dirty="0" err="1" smtClean="0">
+                <a:solidFill>
+                  <a:schemeClr val="tx1"/>
+                </a:solidFill>
+              </a:rPr>
+              <a:t>args</a:t>
+            </a:r>
+            <a:r>
+              <a:rPr lang="ko-KR" altLang="en-US" sz="1200" b="1" dirty="0" smtClean="0">
+                <a:solidFill>
+                  <a:schemeClr val="tx1"/>
+                </a:solidFill>
+              </a:rPr>
+              <a:t>에 저장된다</a:t>
+            </a:r>
+            <a:r>
+              <a:rPr lang="en-US" altLang="ko-KR" sz="1200" b="1" dirty="0" smtClean="0">
+                <a:solidFill>
+                  <a:schemeClr val="tx1"/>
+                </a:solidFill>
+              </a:rPr>
+              <a:t>.</a:t>
+            </a:r>
+            <a:endParaRPr lang="ko-KR" altLang="en-US" sz="1200" b="1" dirty="0">
+              <a:solidFill>
+                <a:schemeClr val="tx1"/>
+              </a:solidFill>
+            </a:endParaRPr>
+          </a:p>
+        </p:txBody>
+      </p:sp>
+      <p:sp>
+        <p:nvSpPr>
+          <p:cNvPr id="28" name="순서도: 처리 27"/>
           <p:cNvSpPr/>
           <p:nvPr/>
         </p:nvSpPr>
         <p:spPr>
-          <a:xfrm rot="1278064">
-            <a:off x="2658516" y="3147135"/>
-            <a:ext cx="2476978" cy="337194"/>
+          <a:xfrm>
+            <a:off x="1043608" y="3645024"/>
+            <a:ext cx="936104" cy="336244"/>
           </a:xfrm>
           <a:prstGeom prst="flowChartProcess">
             <a:avLst/>
@@ -13027,285 +10834,331 @@
           </a:ln>
         </p:spPr>
         <p:style>
+          <a:lnRef idx="1">
+            <a:schemeClr val="accent3"/>
+          </a:lnRef>
+          <a:fillRef idx="2">
+            <a:schemeClr val="accent3"/>
+          </a:fillRef>
+          <a:effectRef idx="1">
+            <a:schemeClr val="accent3"/>
+          </a:effectRef>
+          <a:fontRef idx="minor">
+            <a:schemeClr val="dk1"/>
+          </a:fontRef>
+        </p:style>
+        <p:txBody>
+          <a:bodyPr tIns="72000" rtlCol="0" anchor="ctr"/>
+          <a:lstStyle/>
+          <a:p>
+            <a:pPr>
+              <a:lnSpc>
+                <a:spcPts val="2500"/>
+              </a:lnSpc>
+            </a:pPr>
+            <a:r>
+              <a:rPr lang="en-US" altLang="ko-KR" sz="1600" b="1" dirty="0" smtClean="0">
+                <a:solidFill>
+                  <a:schemeClr val="tx1"/>
+                </a:solidFill>
+              </a:rPr>
+              <a:t>&lt;</a:t>
+            </a:r>
+            <a:r>
+              <a:rPr lang="ko-KR" altLang="en-US" sz="1600" b="1" dirty="0" smtClean="0">
+                <a:solidFill>
+                  <a:schemeClr val="tx1"/>
+                </a:solidFill>
+              </a:rPr>
+              <a:t>해설</a:t>
+            </a:r>
+            <a:r>
+              <a:rPr lang="en-US" altLang="ko-KR" sz="1600" b="1" dirty="0" smtClean="0">
+                <a:solidFill>
+                  <a:schemeClr val="tx1"/>
+                </a:solidFill>
+              </a:rPr>
+              <a:t>&gt;</a:t>
+            </a:r>
+            <a:endParaRPr lang="ko-KR" altLang="en-US" sz="1600" b="1" dirty="0">
+              <a:solidFill>
+                <a:schemeClr val="tx1"/>
+              </a:solidFill>
+            </a:endParaRPr>
+          </a:p>
+        </p:txBody>
+      </p:sp>
+      <p:pic>
+        <p:nvPicPr>
+          <p:cNvPr id="2050" name="Picture 2" descr="ì¸ê²½ì¼ì´ì WPR001,ì¶ì+ê¸ì§íì§í,ì§ìì¸ì¶ì+ê¸ì§,ê´ê³ìì¸ì¶ì+ê¸ì§,ê´ë ¨ìì¸ì¶ì+ê¸ì§,Staff Only,ì¤ë´ê°í,íìí,ìë´í,ê²½ê³ í,íì°°,ëª+í,ìë¦¼í,ê´ê³ í,ì£¼ìí,íë³´í : ì¸ê²½ì¼ì´ì "/>
+          <p:cNvPicPr>
+            <a:picLocks noChangeAspect="1" noChangeArrowheads="1"/>
+          </p:cNvPicPr>
+          <p:nvPr/>
+        </p:nvPicPr>
+        <p:blipFill>
+          <a:blip r:embed="rId3" cstate="print">
+            <a:extLst>
+              <a:ext uri="{28A0092B-C50C-407E-A947-70E740481C1C}">
+                <a14:useLocalDpi xmlns:a14="http://schemas.microsoft.com/office/drawing/2010/main" val="0"/>
+              </a:ext>
+            </a:extLst>
+          </a:blip>
+          <a:srcRect/>
+          <a:stretch>
+            <a:fillRect/>
+          </a:stretch>
+        </p:blipFill>
+        <p:spPr bwMode="auto">
+          <a:xfrm>
+            <a:off x="7365164" y="4388608"/>
+            <a:ext cx="820706" cy="820706"/>
+          </a:xfrm>
+          <a:prstGeom prst="rect">
+            <a:avLst/>
+          </a:prstGeom>
+          <a:noFill/>
+          <a:extLst>
+            <a:ext uri="{909E8E84-426E-40DD-AFC4-6F175D3DCCD1}">
+              <a14:hiddenFill xmlns:a14="http://schemas.microsoft.com/office/drawing/2010/main">
+                <a:solidFill>
+                  <a:srgbClr val="FFFFFF"/>
+                </a:solidFill>
+              </a14:hiddenFill>
+            </a:ext>
+          </a:extLst>
+        </p:spPr>
+      </p:pic>
+      <p:pic>
+        <p:nvPicPr>
+          <p:cNvPr id="2052" name="Picture 4" descr="ì¶ì+ë¬¸ ì´ìì¤ì­ìì¤ì ëí ì´ë¯¸ì§ ê²ìê²°ê³¼"/>
+          <p:cNvPicPr>
+            <a:picLocks noChangeAspect="1" noChangeArrowheads="1"/>
+          </p:cNvPicPr>
+          <p:nvPr/>
+        </p:nvPicPr>
+        <p:blipFill>
+          <a:blip r:embed="rId4" cstate="print">
+            <a:extLst>
+              <a:ext uri="{28A0092B-C50C-407E-A947-70E740481C1C}">
+                <a14:useLocalDpi xmlns:a14="http://schemas.microsoft.com/office/drawing/2010/main" val="0"/>
+              </a:ext>
+            </a:extLst>
+          </a:blip>
+          <a:srcRect/>
+          <a:stretch>
+            <a:fillRect/>
+          </a:stretch>
+        </p:blipFill>
+        <p:spPr bwMode="auto">
+          <a:xfrm>
+            <a:off x="7340685" y="3126262"/>
+            <a:ext cx="830298" cy="830298"/>
+          </a:xfrm>
+          <a:prstGeom prst="rect">
+            <a:avLst/>
+          </a:prstGeom>
+          <a:noFill/>
+          <a:extLst>
+            <a:ext uri="{909E8E84-426E-40DD-AFC4-6F175D3DCCD1}">
+              <a14:hiddenFill xmlns:a14="http://schemas.microsoft.com/office/drawing/2010/main">
+                <a:solidFill>
+                  <a:srgbClr val="FFFFFF"/>
+                </a:solidFill>
+              </a14:hiddenFill>
+            </a:ext>
+          </a:extLst>
+        </p:spPr>
+      </p:pic>
+      <p:sp>
+        <p:nvSpPr>
+          <p:cNvPr id="3" name="직사각형 2"/>
+          <p:cNvSpPr/>
+          <p:nvPr/>
+        </p:nvSpPr>
+        <p:spPr>
+          <a:xfrm>
+            <a:off x="7434952" y="2873066"/>
+            <a:ext cx="593432" cy="261610"/>
+          </a:xfrm>
+          <a:prstGeom prst="rect">
+            <a:avLst/>
+          </a:prstGeom>
+        </p:spPr>
+        <p:txBody>
+          <a:bodyPr wrap="none">
+            <a:spAutoFit/>
+          </a:bodyPr>
+          <a:lstStyle/>
+          <a:p>
+            <a:pPr algn="ctr"/>
+            <a:r>
+              <a:rPr lang="en-US" altLang="ko-KR" sz="1100" b="1" dirty="0"/>
+              <a:t>public</a:t>
+            </a:r>
+            <a:endParaRPr lang="ko-KR" altLang="en-US" sz="1100" dirty="0"/>
+          </a:p>
+        </p:txBody>
+      </p:sp>
+      <p:sp>
+        <p:nvSpPr>
+          <p:cNvPr id="11" name="직사각형 10"/>
+          <p:cNvSpPr/>
+          <p:nvPr/>
+        </p:nvSpPr>
+        <p:spPr>
+          <a:xfrm>
+            <a:off x="7064681" y="4132598"/>
+            <a:ext cx="1395752" cy="261610"/>
+          </a:xfrm>
+          <a:prstGeom prst="rect">
+            <a:avLst/>
+          </a:prstGeom>
+        </p:spPr>
+        <p:txBody>
+          <a:bodyPr wrap="square">
+            <a:spAutoFit/>
+          </a:bodyPr>
+          <a:lstStyle/>
+          <a:p>
+            <a:pPr algn="ctr"/>
+            <a:r>
+              <a:rPr lang="en-US" altLang="ko-KR" sz="1100" b="1" dirty="0" smtClean="0"/>
+              <a:t>default, protected</a:t>
+            </a:r>
+            <a:endParaRPr lang="ko-KR" altLang="en-US" sz="1100" dirty="0"/>
+          </a:p>
+        </p:txBody>
+      </p:sp>
+      <p:pic>
+        <p:nvPicPr>
+          <p:cNvPr id="2054" name="Picture 6" descr="ì¶ì+ë¬¸ ì¸ë¶ì¸ ì¶ì+ê¸ì§ì ëí ì´ë¯¸ì§ ê²ìê²°ê³¼"/>
+          <p:cNvPicPr>
+            <a:picLocks noChangeAspect="1" noChangeArrowheads="1"/>
+          </p:cNvPicPr>
+          <p:nvPr/>
+        </p:nvPicPr>
+        <p:blipFill>
+          <a:blip r:embed="rId5" cstate="print">
+            <a:extLst>
+              <a:ext uri="{28A0092B-C50C-407E-A947-70E740481C1C}">
+                <a14:useLocalDpi xmlns:a14="http://schemas.microsoft.com/office/drawing/2010/main" val="0"/>
+              </a:ext>
+            </a:extLst>
+          </a:blip>
+          <a:srcRect/>
+          <a:stretch>
+            <a:fillRect/>
+          </a:stretch>
+        </p:blipFill>
+        <p:spPr bwMode="auto">
+          <a:xfrm>
+            <a:off x="7398352" y="5481304"/>
+            <a:ext cx="828016" cy="828016"/>
+          </a:xfrm>
+          <a:prstGeom prst="rect">
+            <a:avLst/>
+          </a:prstGeom>
+          <a:noFill/>
+          <a:extLst>
+            <a:ext uri="{909E8E84-426E-40DD-AFC4-6F175D3DCCD1}">
+              <a14:hiddenFill xmlns:a14="http://schemas.microsoft.com/office/drawing/2010/main">
+                <a:solidFill>
+                  <a:srgbClr val="FFFFFF"/>
+                </a:solidFill>
+              </a14:hiddenFill>
+            </a:ext>
+          </a:extLst>
+        </p:spPr>
+      </p:pic>
+      <p:sp>
+        <p:nvSpPr>
+          <p:cNvPr id="13" name="직사각형 12"/>
+          <p:cNvSpPr/>
+          <p:nvPr/>
+        </p:nvSpPr>
+        <p:spPr>
+          <a:xfrm>
+            <a:off x="7406385" y="5468728"/>
+            <a:ext cx="816852" cy="261610"/>
+          </a:xfrm>
+          <a:prstGeom prst="rect">
+            <a:avLst/>
+          </a:prstGeom>
+        </p:spPr>
+        <p:txBody>
+          <a:bodyPr wrap="square">
+            <a:spAutoFit/>
+          </a:bodyPr>
+          <a:lstStyle/>
+          <a:p>
+            <a:pPr algn="ctr"/>
+            <a:r>
+              <a:rPr lang="en-US" altLang="ko-KR" sz="1100" b="1" dirty="0" smtClean="0"/>
+              <a:t>private</a:t>
+            </a:r>
+            <a:endParaRPr lang="ko-KR" altLang="en-US" sz="1100" dirty="0"/>
+          </a:p>
+        </p:txBody>
+      </p:sp>
+      <p:sp>
+        <p:nvSpPr>
+          <p:cNvPr id="4" name="모서리가 둥근 직사각형 3"/>
+          <p:cNvSpPr/>
+          <p:nvPr/>
+        </p:nvSpPr>
+        <p:spPr>
+          <a:xfrm>
+            <a:off x="7064681" y="2708920"/>
+            <a:ext cx="1539767" cy="3600400"/>
+          </a:xfrm>
+          <a:prstGeom prst="roundRect">
+            <a:avLst/>
+          </a:prstGeom>
+          <a:noFill/>
+          <a:ln w="19050">
+            <a:solidFill>
+              <a:schemeClr val="bg2">
+                <a:lumMod val="90000"/>
+              </a:schemeClr>
+            </a:solidFill>
+          </a:ln>
+        </p:spPr>
+        <p:style>
           <a:lnRef idx="2">
-            <a:schemeClr val="dk1"/>
+            <a:schemeClr val="accent1"/>
           </a:lnRef>
           <a:fillRef idx="1">
             <a:schemeClr val="lt1"/>
           </a:fillRef>
           <a:effectRef idx="0">
-            <a:schemeClr val="dk1"/>
+            <a:schemeClr val="accent1"/>
           </a:effectRef>
           <a:fontRef idx="minor">
             <a:schemeClr val="dk1"/>
           </a:fontRef>
         </p:style>
         <p:txBody>
-          <a:bodyPr tIns="72000" rtlCol="0" anchor="ctr"/>
+          <a:bodyPr rtlCol="0" anchor="ctr"/>
           <a:lstStyle/>
           <a:p>
-            <a:pPr marL="246063" indent="-246063" algn="ctr"/>
-            <a:r>
-              <a:rPr lang="ko-KR" altLang="en-US" sz="1200" b="1" dirty="0" err="1" smtClean="0">
-                <a:solidFill>
-                  <a:schemeClr val="tx1"/>
-                </a:solidFill>
-              </a:rPr>
-              <a:t>네이티브</a:t>
-            </a:r>
-            <a:r>
-              <a:rPr lang="ko-KR" altLang="en-US" sz="1200" b="1" dirty="0" smtClean="0">
-                <a:solidFill>
-                  <a:schemeClr val="tx1"/>
-                </a:solidFill>
-              </a:rPr>
-              <a:t> 코딩을 지원하는</a:t>
-            </a:r>
-            <a:endParaRPr lang="en-US" altLang="ko-KR" sz="1200" b="1" dirty="0" smtClean="0">
-              <a:solidFill>
-                <a:schemeClr val="tx1"/>
-              </a:solidFill>
-            </a:endParaRPr>
-          </a:p>
-          <a:p>
-            <a:pPr marL="246063" indent="-246063" algn="ctr"/>
-            <a:r>
-              <a:rPr lang="ko-KR" altLang="en-US" sz="1200" b="1" dirty="0" smtClean="0">
-                <a:solidFill>
-                  <a:schemeClr val="tx1"/>
-                </a:solidFill>
-              </a:rPr>
-              <a:t>헤더 파일들</a:t>
-            </a:r>
-            <a:endParaRPr lang="en-US" altLang="ko-KR" sz="1200" b="1" dirty="0" smtClean="0">
-              <a:solidFill>
-                <a:schemeClr val="tx1"/>
-              </a:solidFill>
-            </a:endParaRPr>
-          </a:p>
-        </p:txBody>
-      </p:sp>
-      <p:sp>
-        <p:nvSpPr>
-          <p:cNvPr id="36" name="순서도: 처리 35"/>
-          <p:cNvSpPr/>
-          <p:nvPr/>
-        </p:nvSpPr>
-        <p:spPr>
-          <a:xfrm rot="1593506">
-            <a:off x="2872805" y="4924649"/>
-            <a:ext cx="4169948" cy="239364"/>
-          </a:xfrm>
-          <a:prstGeom prst="flowChartProcess">
-            <a:avLst/>
-          </a:prstGeom>
-          <a:noFill/>
-          <a:ln>
-            <a:noFill/>
-          </a:ln>
-        </p:spPr>
-        <p:style>
-          <a:lnRef idx="2">
-            <a:schemeClr val="dk1"/>
-          </a:lnRef>
-          <a:fillRef idx="1">
-            <a:schemeClr val="lt1"/>
-          </a:fillRef>
-          <a:effectRef idx="0">
-            <a:schemeClr val="dk1"/>
-          </a:effectRef>
-          <a:fontRef idx="minor">
-            <a:schemeClr val="dk1"/>
-          </a:fontRef>
-        </p:style>
-        <p:txBody>
-          <a:bodyPr tIns="72000" rtlCol="0" anchor="ctr"/>
-          <a:lstStyle/>
-          <a:p>
-            <a:pPr marL="246063" indent="-246063" algn="ctr"/>
-            <a:r>
-              <a:rPr lang="ko-KR" altLang="en-US" sz="1200" b="1" dirty="0">
-                <a:solidFill>
-                  <a:schemeClr val="tx1"/>
-                </a:solidFill>
-              </a:rPr>
-              <a:t>프로그램 개발을 위한 </a:t>
-            </a:r>
-            <a:r>
-              <a:rPr lang="ko-KR" altLang="en-US" sz="1200" b="1" dirty="0" smtClean="0">
-                <a:solidFill>
-                  <a:schemeClr val="tx1"/>
-                </a:solidFill>
-              </a:rPr>
-              <a:t>추가 </a:t>
-            </a:r>
-            <a:r>
-              <a:rPr lang="ko-KR" altLang="en-US" sz="1200" b="1" dirty="0">
-                <a:solidFill>
-                  <a:schemeClr val="tx1"/>
-                </a:solidFill>
-              </a:rPr>
-              <a:t>클래스 라이브러리 등</a:t>
-            </a:r>
-            <a:endParaRPr lang="en-US" altLang="ko-KR" sz="1200" b="1" dirty="0">
-              <a:solidFill>
-                <a:schemeClr val="tx1"/>
-              </a:solidFill>
-            </a:endParaRPr>
-          </a:p>
-        </p:txBody>
-      </p:sp>
-      <p:cxnSp>
-        <p:nvCxnSpPr>
-          <p:cNvPr id="38" name="직선 화살표 연결선 37"/>
-          <p:cNvCxnSpPr/>
-          <p:nvPr/>
-        </p:nvCxnSpPr>
-        <p:spPr>
-          <a:xfrm>
-            <a:off x="1639361" y="5558971"/>
-            <a:ext cx="0" cy="384843"/>
-          </a:xfrm>
-          <a:prstGeom prst="straightConnector1">
-            <a:avLst/>
-          </a:prstGeom>
-          <a:ln>
-            <a:solidFill>
-              <a:srgbClr val="FF0000"/>
-            </a:solidFill>
-            <a:headEnd type="oval" w="med" len="med"/>
-            <a:tailEnd type="triangle" w="med" len="med"/>
-          </a:ln>
-        </p:spPr>
-        <p:style>
-          <a:lnRef idx="1">
-            <a:schemeClr val="accent1"/>
-          </a:lnRef>
-          <a:fillRef idx="0">
-            <a:schemeClr val="accent1"/>
-          </a:fillRef>
-          <a:effectRef idx="0">
-            <a:schemeClr val="accent1"/>
-          </a:effectRef>
-          <a:fontRef idx="minor">
-            <a:schemeClr val="tx1"/>
-          </a:fontRef>
-        </p:style>
-      </p:cxnSp>
-      <p:sp>
-        <p:nvSpPr>
-          <p:cNvPr id="40" name="순서도: 처리 39"/>
-          <p:cNvSpPr/>
-          <p:nvPr/>
-        </p:nvSpPr>
-        <p:spPr>
-          <a:xfrm>
-            <a:off x="1164306" y="5977132"/>
-            <a:ext cx="4055766" cy="469258"/>
-          </a:xfrm>
-          <a:prstGeom prst="flowChartProcess">
-            <a:avLst/>
-          </a:prstGeom>
-          <a:noFill/>
-          <a:ln>
-            <a:noFill/>
-          </a:ln>
-        </p:spPr>
-        <p:style>
-          <a:lnRef idx="2">
-            <a:schemeClr val="dk1"/>
-          </a:lnRef>
-          <a:fillRef idx="1">
-            <a:schemeClr val="lt1"/>
-          </a:fillRef>
-          <a:effectRef idx="0">
-            <a:schemeClr val="dk1"/>
-          </a:effectRef>
-          <a:fontRef idx="minor">
-            <a:schemeClr val="dk1"/>
-          </a:fontRef>
-        </p:style>
-        <p:txBody>
-          <a:bodyPr tIns="72000" rtlCol="0" anchor="ctr"/>
-          <a:lstStyle/>
-          <a:p>
             <a:pPr algn="ctr"/>
-            <a:r>
-              <a:rPr lang="ko-KR" altLang="en-US" sz="1200" b="1" dirty="0" err="1" smtClean="0">
-                <a:solidFill>
-                  <a:schemeClr val="tx1"/>
-                </a:solidFill>
-              </a:rPr>
-              <a:t>컴파일된</a:t>
-            </a:r>
-            <a:r>
-              <a:rPr lang="ko-KR" altLang="en-US" sz="1200" b="1" dirty="0" smtClean="0">
-                <a:solidFill>
-                  <a:schemeClr val="tx1"/>
-                </a:solidFill>
-              </a:rPr>
-              <a:t> 자바 프로그램의 실행을 위해 필요한 것들</a:t>
-            </a:r>
-            <a:endParaRPr lang="en-US" altLang="ko-KR" sz="1200" b="1" dirty="0" smtClean="0">
-              <a:solidFill>
-                <a:schemeClr val="tx1"/>
-              </a:solidFill>
-            </a:endParaRPr>
-          </a:p>
-          <a:p>
-            <a:pPr algn="ctr"/>
-            <a:r>
-              <a:rPr lang="en-US" altLang="ko-KR" sz="1200" b="1" dirty="0" smtClean="0">
-                <a:solidFill>
-                  <a:schemeClr val="tx1"/>
-                </a:solidFill>
-              </a:rPr>
-              <a:t>(</a:t>
-            </a:r>
-            <a:r>
-              <a:rPr lang="ko-KR" altLang="en-US" sz="1200" b="1" dirty="0" smtClean="0">
-                <a:solidFill>
-                  <a:schemeClr val="tx1"/>
-                </a:solidFill>
-              </a:rPr>
-              <a:t>자바실행환경</a:t>
-            </a:r>
-            <a:r>
-              <a:rPr lang="en-US" altLang="ko-KR" sz="1200" b="1" dirty="0" smtClean="0">
-                <a:solidFill>
-                  <a:schemeClr val="tx1"/>
-                </a:solidFill>
-              </a:rPr>
-              <a:t>, JVM, </a:t>
-            </a:r>
-            <a:r>
-              <a:rPr lang="ko-KR" altLang="en-US" sz="1200" b="1" dirty="0" smtClean="0">
-                <a:solidFill>
-                  <a:schemeClr val="tx1"/>
-                </a:solidFill>
-              </a:rPr>
-              <a:t>클래스 라이브러리 등</a:t>
-            </a:r>
-            <a:r>
-              <a:rPr lang="en-US" altLang="ko-KR" sz="1200" b="1" dirty="0">
-                <a:solidFill>
-                  <a:schemeClr val="tx1"/>
-                </a:solidFill>
-              </a:rPr>
-              <a:t>)</a:t>
-            </a:r>
-            <a:endParaRPr lang="en-US" altLang="ko-KR" sz="1200" b="1" dirty="0" smtClean="0">
-              <a:solidFill>
-                <a:schemeClr val="tx1"/>
-              </a:solidFill>
-            </a:endParaRPr>
+            <a:endParaRPr lang="ko-KR" altLang="en-US" dirty="0"/>
           </a:p>
         </p:txBody>
       </p:sp>
     </p:spTree>
     <p:extLst>
       <p:ext uri="{BB962C8B-B14F-4D97-AF65-F5344CB8AC3E}">
-        <p14:creationId xmlns:p14="http://schemas.microsoft.com/office/powerpoint/2010/main" val="965371594"/>
+        <p14:creationId xmlns:p14="http://schemas.microsoft.com/office/powerpoint/2010/main" val="926030573"/>
       </p:ext>
     </p:extLst>
   </p:cSld>
